--- a/ppt/nodejs-docker-k8s.pptx
+++ b/ppt/nodejs-docker-k8s.pptx
@@ -6,9 +6,14 @@
   </p:sldMasterIdLst>
   <p:sldIdLst>
     <p:sldId id="259" r:id="rId2"/>
-    <p:sldId id="260" r:id="rId3"/>
-    <p:sldId id="261" r:id="rId4"/>
+    <p:sldId id="263" r:id="rId3"/>
+    <p:sldId id="260" r:id="rId4"/>
     <p:sldId id="262" r:id="rId5"/>
+    <p:sldId id="264" r:id="rId6"/>
+    <p:sldId id="268" r:id="rId7"/>
+    <p:sldId id="267" r:id="rId8"/>
+    <p:sldId id="266" r:id="rId9"/>
+    <p:sldId id="265" r:id="rId10"/>
   </p:sldIdLst>
   <p:sldSz cx="12192000" cy="6858000"/>
   <p:notesSz cx="6858000" cy="9144000"/>
@@ -107,7 +112,24 @@
       </a:defRPr>
     </a:lvl9pPr>
   </p:defaultTextStyle>
+  <p:extLst>
+    <p:ext uri="{EFAFB233-063F-42B5-8137-9DF3F51BA10A}">
+      <p15:sldGuideLst xmlns:p15="http://schemas.microsoft.com/office/powerpoint/2012/main"/>
+    </p:ext>
+  </p:extLst>
 </p:presentation>
+</file>
+
+<file path=ppt/commentAuthors.xml><?xml version="1.0" encoding="utf-8"?>
+<p:cmAuthorLst xmlns:a="http://schemas.openxmlformats.org/drawingml/2006/main" xmlns:r="http://schemas.openxmlformats.org/officeDocument/2006/relationships" xmlns:p="http://schemas.openxmlformats.org/presentationml/2006/main">
+  <p:cmAuthor id="1" name="Srikanth Machiraju" initials="SM" lastIdx="1" clrIdx="0">
+    <p:extLst>
+      <p:ext uri="{19B8F6BF-5375-455C-9EA6-DF929625EA0E}">
+        <p15:presenceInfo xmlns:p15="http://schemas.microsoft.com/office/powerpoint/2012/main" userId="S::vism@microsoft.com::1bbbfa05-95e4-4af0-8897-6eb0461453f6" providerId="AD"/>
+      </p:ext>
+    </p:extLst>
+  </p:cmAuthor>
+</p:cmAuthorLst>
 </file>
 
 <file path=ppt/slideLayouts/slideLayout1.xml><?xml version="1.0" encoding="utf-8"?>
@@ -257,7 +279,7 @@
           <a:p>
             <a:fld id="{9D19B694-D7DE-4E6B-B933-6E16B84E01AC}" type="datetimeFigureOut">
               <a:rPr lang="en-US" smtClean="0"/>
-              <a:t>10/14/2018</a:t>
+              <a:t>10/18/2018</a:t>
             </a:fld>
             <a:endParaRPr lang="en-US"/>
           </a:p>
@@ -455,7 +477,7 @@
           <a:p>
             <a:fld id="{9D19B694-D7DE-4E6B-B933-6E16B84E01AC}" type="datetimeFigureOut">
               <a:rPr lang="en-US" smtClean="0"/>
-              <a:t>10/14/2018</a:t>
+              <a:t>10/18/2018</a:t>
             </a:fld>
             <a:endParaRPr lang="en-US"/>
           </a:p>
@@ -663,7 +685,7 @@
           <a:p>
             <a:fld id="{9D19B694-D7DE-4E6B-B933-6E16B84E01AC}" type="datetimeFigureOut">
               <a:rPr lang="en-US" smtClean="0"/>
-              <a:t>10/14/2018</a:t>
+              <a:t>10/18/2018</a:t>
             </a:fld>
             <a:endParaRPr lang="en-US"/>
           </a:p>
@@ -861,7 +883,7 @@
           <a:p>
             <a:fld id="{9D19B694-D7DE-4E6B-B933-6E16B84E01AC}" type="datetimeFigureOut">
               <a:rPr lang="en-US" smtClean="0"/>
-              <a:t>10/14/2018</a:t>
+              <a:t>10/18/2018</a:t>
             </a:fld>
             <a:endParaRPr lang="en-US"/>
           </a:p>
@@ -1136,7 +1158,7 @@
           <a:p>
             <a:fld id="{9D19B694-D7DE-4E6B-B933-6E16B84E01AC}" type="datetimeFigureOut">
               <a:rPr lang="en-US" smtClean="0"/>
-              <a:t>10/14/2018</a:t>
+              <a:t>10/18/2018</a:t>
             </a:fld>
             <a:endParaRPr lang="en-US"/>
           </a:p>
@@ -1401,7 +1423,7 @@
           <a:p>
             <a:fld id="{9D19B694-D7DE-4E6B-B933-6E16B84E01AC}" type="datetimeFigureOut">
               <a:rPr lang="en-US" smtClean="0"/>
-              <a:t>10/14/2018</a:t>
+              <a:t>10/18/2018</a:t>
             </a:fld>
             <a:endParaRPr lang="en-US"/>
           </a:p>
@@ -1813,7 +1835,7 @@
           <a:p>
             <a:fld id="{9D19B694-D7DE-4E6B-B933-6E16B84E01AC}" type="datetimeFigureOut">
               <a:rPr lang="en-US" smtClean="0"/>
-              <a:t>10/14/2018</a:t>
+              <a:t>10/18/2018</a:t>
             </a:fld>
             <a:endParaRPr lang="en-US"/>
           </a:p>
@@ -1954,7 +1976,7 @@
           <a:p>
             <a:fld id="{9D19B694-D7DE-4E6B-B933-6E16B84E01AC}" type="datetimeFigureOut">
               <a:rPr lang="en-US" smtClean="0"/>
-              <a:t>10/14/2018</a:t>
+              <a:t>10/18/2018</a:t>
             </a:fld>
             <a:endParaRPr lang="en-US"/>
           </a:p>
@@ -2067,7 +2089,7 @@
           <a:p>
             <a:fld id="{9D19B694-D7DE-4E6B-B933-6E16B84E01AC}" type="datetimeFigureOut">
               <a:rPr lang="en-US" smtClean="0"/>
-              <a:t>10/14/2018</a:t>
+              <a:t>10/18/2018</a:t>
             </a:fld>
             <a:endParaRPr lang="en-US"/>
           </a:p>
@@ -2378,7 +2400,7 @@
           <a:p>
             <a:fld id="{9D19B694-D7DE-4E6B-B933-6E16B84E01AC}" type="datetimeFigureOut">
               <a:rPr lang="en-US" smtClean="0"/>
-              <a:t>10/14/2018</a:t>
+              <a:t>10/18/2018</a:t>
             </a:fld>
             <a:endParaRPr lang="en-US"/>
           </a:p>
@@ -2666,7 +2688,7 @@
           <a:p>
             <a:fld id="{9D19B694-D7DE-4E6B-B933-6E16B84E01AC}" type="datetimeFigureOut">
               <a:rPr lang="en-US" smtClean="0"/>
-              <a:t>10/14/2018</a:t>
+              <a:t>10/18/2018</a:t>
             </a:fld>
             <a:endParaRPr lang="en-US"/>
           </a:p>
@@ -2907,7 +2929,7 @@
           <a:p>
             <a:fld id="{9D19B694-D7DE-4E6B-B933-6E16B84E01AC}" type="datetimeFigureOut">
               <a:rPr lang="en-US" smtClean="0"/>
-              <a:t>10/14/2018</a:t>
+              <a:t>10/18/2018</a:t>
             </a:fld>
             <a:endParaRPr lang="en-US"/>
           </a:p>
@@ -3997,18 +4019,13 @@
           <a:lstStyle/>
           <a:p>
             <a:r>
-              <a:rPr lang="en-US">
+              <a:rPr lang="en-US" dirty="0">
                 <a:solidFill>
                   <a:schemeClr val="bg1"/>
                 </a:solidFill>
               </a:rPr>
-              <a:t>Introduction</a:t>
-            </a:r>
-            <a:endParaRPr lang="en-US" dirty="0">
-              <a:solidFill>
-                <a:schemeClr val="bg1"/>
-              </a:solidFill>
-            </a:endParaRPr>
+              <a:t>Why Kubernetes</a:t>
+            </a:r>
           </a:p>
         </p:txBody>
       </p:sp>
@@ -4031,7 +4048,7 @@
         <p:spPr>
           <a:xfrm>
             <a:off x="371272" y="1486407"/>
-            <a:ext cx="4716294" cy="4671202"/>
+            <a:ext cx="11278536" cy="4671202"/>
           </a:xfrm>
         </p:spPr>
         <p:txBody>
@@ -4041,7 +4058,7 @@
           <a:lstStyle/>
           <a:p>
             <a:r>
-              <a:rPr lang="en-US" sz="2400">
+              <a:rPr lang="en-US" sz="2400" dirty="0">
                 <a:solidFill>
                   <a:schemeClr val="bg1"/>
                 </a:solidFill>
@@ -4049,13 +4066,12 @@
                 <a:ea typeface="+mj-ea"/>
                 <a:cs typeface="+mj-cs"/>
               </a:rPr>
-              <a:t>Kubernetes is an open source orchestration system for Containers</a:t>
-            </a:r>
-          </a:p>
-          <a:p>
-            <a:pPr lvl="1"/>
-            <a:r>
-              <a:rPr lang="en-US" sz="2000">
+              <a:t>How do you deploy an app with multiple containers?</a:t>
+            </a:r>
+          </a:p>
+          <a:p>
+            <a:r>
+              <a:rPr lang="en-US" sz="2400" dirty="0">
                 <a:solidFill>
                   <a:schemeClr val="bg1"/>
                 </a:solidFill>
@@ -4063,13 +4079,12 @@
                 <a:ea typeface="+mj-ea"/>
                 <a:cs typeface="+mj-cs"/>
               </a:rPr>
-              <a:t>Schedule containers on a cluster of machines</a:t>
-            </a:r>
-          </a:p>
-          <a:p>
-            <a:pPr lvl="1"/>
-            <a:r>
-              <a:rPr lang="en-US" sz="2000">
+              <a:t>How do we ensure Fault Tolerance across containers?</a:t>
+            </a:r>
+          </a:p>
+          <a:p>
+            <a:r>
+              <a:rPr lang="en-US" sz="2400" dirty="0">
                 <a:solidFill>
                   <a:schemeClr val="bg1"/>
                 </a:solidFill>
@@ -4077,13 +4092,12 @@
                 <a:ea typeface="+mj-ea"/>
                 <a:cs typeface="+mj-cs"/>
               </a:rPr>
-              <a:t>Manage containerized Applications as a unit</a:t>
-            </a:r>
-          </a:p>
-          <a:p>
-            <a:pPr lvl="1"/>
-            <a:r>
-              <a:rPr lang="en-US" sz="2000">
+              <a:t>How do we do Canary Deployments / Blue green ?</a:t>
+            </a:r>
+          </a:p>
+          <a:p>
+            <a:r>
+              <a:rPr lang="en-US" sz="2400" dirty="0">
                 <a:solidFill>
                   <a:schemeClr val="bg1"/>
                 </a:solidFill>
@@ -4091,49 +4105,7 @@
                 <a:ea typeface="+mj-ea"/>
                 <a:cs typeface="+mj-cs"/>
               </a:rPr>
-              <a:t>Move containers between nodes</a:t>
-            </a:r>
-          </a:p>
-          <a:p>
-            <a:pPr lvl="1"/>
-            <a:r>
-              <a:rPr lang="en-US" sz="2000">
-                <a:solidFill>
-                  <a:schemeClr val="bg1"/>
-                </a:solidFill>
-                <a:latin typeface="+mj-lt"/>
-                <a:ea typeface="+mj-ea"/>
-                <a:cs typeface="+mj-cs"/>
-              </a:rPr>
-              <a:t>Highly Modular</a:t>
-            </a:r>
-          </a:p>
-          <a:p>
-            <a:pPr lvl="1"/>
-            <a:r>
-              <a:rPr lang="en-US" sz="2000">
-                <a:solidFill>
-                  <a:schemeClr val="bg1"/>
-                </a:solidFill>
-                <a:latin typeface="+mj-lt"/>
-                <a:ea typeface="+mj-ea"/>
-                <a:cs typeface="+mj-cs"/>
-              </a:rPr>
-              <a:t>Great Community</a:t>
-            </a:r>
-          </a:p>
-          <a:p>
-            <a:pPr lvl="1"/>
-            <a:r>
-              <a:rPr lang="en-US" sz="2000">
-                <a:solidFill>
-                  <a:schemeClr val="bg1"/>
-                </a:solidFill>
-                <a:latin typeface="+mj-lt"/>
-                <a:ea typeface="+mj-ea"/>
-                <a:cs typeface="+mj-cs"/>
-              </a:rPr>
-              <a:t>Backed by Google</a:t>
+              <a:t>How do we manage dependencies like App connecting to SQL container ?</a:t>
             </a:r>
             <a:endParaRPr lang="en-US" sz="2000" dirty="0">
               <a:solidFill>
@@ -4146,6 +4118,184 @@
           </a:p>
         </p:txBody>
       </p:sp>
+    </p:spTree>
+    <p:extLst>
+      <p:ext uri="{BB962C8B-B14F-4D97-AF65-F5344CB8AC3E}">
+        <p14:creationId xmlns:p14="http://schemas.microsoft.com/office/powerpoint/2010/main" val="2208704304"/>
+      </p:ext>
+    </p:extLst>
+  </p:cSld>
+  <p:clrMapOvr>
+    <a:masterClrMapping/>
+  </p:clrMapOvr>
+</p:sld>
+</file>
+
+<file path=ppt/slides/slide3.xml><?xml version="1.0" encoding="utf-8"?>
+<p:sld xmlns:a="http://schemas.openxmlformats.org/drawingml/2006/main" xmlns:r="http://schemas.openxmlformats.org/officeDocument/2006/relationships" xmlns:p="http://schemas.openxmlformats.org/presentationml/2006/main">
+  <p:cSld>
+    <p:bg>
+      <p:bgPr>
+        <a:solidFill>
+          <a:schemeClr val="bg1"/>
+        </a:solidFill>
+        <a:effectLst/>
+      </p:bgPr>
+    </p:bg>
+    <p:spTree>
+      <p:nvGrpSpPr>
+        <p:cNvPr id="1" name=""/>
+        <p:cNvGrpSpPr/>
+        <p:nvPr/>
+      </p:nvGrpSpPr>
+      <p:grpSpPr>
+        <a:xfrm>
+          <a:off x="0" y="0"/>
+          <a:ext cx="0" cy="0"/>
+          <a:chOff x="0" y="0"/>
+          <a:chExt cx="0" cy="0"/>
+        </a:xfrm>
+      </p:grpSpPr>
+      <p:sp>
+        <p:nvSpPr>
+          <p:cNvPr id="2" name="Title 1">
+            <a:extLst>
+              <a:ext uri="{FF2B5EF4-FFF2-40B4-BE49-F238E27FC236}">
+                <a16:creationId xmlns:a16="http://schemas.microsoft.com/office/drawing/2014/main" id="{C043D2BB-CE85-4BE7-971F-C48E4677CE8B}"/>
+              </a:ext>
+            </a:extLst>
+          </p:cNvPr>
+          <p:cNvSpPr>
+            <a:spLocks noGrp="1"/>
+          </p:cNvSpPr>
+          <p:nvPr>
+            <p:ph type="title"/>
+          </p:nvPr>
+        </p:nvSpPr>
+        <p:spPr>
+          <a:xfrm>
+            <a:off x="838200" y="365125"/>
+            <a:ext cx="10515600" cy="1325563"/>
+          </a:xfrm>
+        </p:spPr>
+        <p:txBody>
+          <a:bodyPr>
+            <a:normAutofit/>
+          </a:bodyPr>
+          <a:lstStyle/>
+          <a:p>
+            <a:r>
+              <a:rPr lang="en-US"/>
+              <a:t>Introduction</a:t>
+            </a:r>
+          </a:p>
+        </p:txBody>
+      </p:sp>
+      <p:sp>
+        <p:nvSpPr>
+          <p:cNvPr id="3" name="Content Placeholder 2">
+            <a:extLst>
+              <a:ext uri="{FF2B5EF4-FFF2-40B4-BE49-F238E27FC236}">
+                <a16:creationId xmlns:a16="http://schemas.microsoft.com/office/drawing/2014/main" id="{F4970C30-E476-449A-A08A-86CC6A4E0E7E}"/>
+              </a:ext>
+            </a:extLst>
+          </p:cNvPr>
+          <p:cNvSpPr>
+            <a:spLocks noGrp="1"/>
+          </p:cNvSpPr>
+          <p:nvPr>
+            <p:ph idx="1"/>
+          </p:nvPr>
+        </p:nvSpPr>
+        <p:spPr>
+          <a:xfrm>
+            <a:off x="838200" y="1825625"/>
+            <a:ext cx="3797807" cy="4351338"/>
+          </a:xfrm>
+        </p:spPr>
+        <p:txBody>
+          <a:bodyPr>
+            <a:normAutofit/>
+          </a:bodyPr>
+          <a:lstStyle/>
+          <a:p>
+            <a:r>
+              <a:rPr lang="en-US" sz="2000">
+                <a:latin typeface="+mj-lt"/>
+                <a:ea typeface="+mj-ea"/>
+                <a:cs typeface="+mj-cs"/>
+              </a:rPr>
+              <a:t>Kubernetes is an open source orchestration system for Containers</a:t>
+            </a:r>
+          </a:p>
+          <a:p>
+            <a:pPr lvl="1"/>
+            <a:r>
+              <a:rPr lang="en-US" sz="2000">
+                <a:latin typeface="+mj-lt"/>
+                <a:ea typeface="+mj-ea"/>
+                <a:cs typeface="+mj-cs"/>
+              </a:rPr>
+              <a:t>Schedule containers on a cluster of machines</a:t>
+            </a:r>
+          </a:p>
+          <a:p>
+            <a:pPr lvl="1"/>
+            <a:r>
+              <a:rPr lang="en-US" sz="2000">
+                <a:latin typeface="+mj-lt"/>
+                <a:ea typeface="+mj-ea"/>
+                <a:cs typeface="+mj-cs"/>
+              </a:rPr>
+              <a:t>Manage containerized Applications as a unit</a:t>
+            </a:r>
+          </a:p>
+          <a:p>
+            <a:pPr lvl="1"/>
+            <a:r>
+              <a:rPr lang="en-US" sz="2000">
+                <a:latin typeface="+mj-lt"/>
+                <a:ea typeface="+mj-ea"/>
+                <a:cs typeface="+mj-cs"/>
+              </a:rPr>
+              <a:t>Move containers between nodes</a:t>
+            </a:r>
+          </a:p>
+          <a:p>
+            <a:pPr lvl="1"/>
+            <a:r>
+              <a:rPr lang="en-US" sz="2000">
+                <a:latin typeface="+mj-lt"/>
+                <a:ea typeface="+mj-ea"/>
+                <a:cs typeface="+mj-cs"/>
+              </a:rPr>
+              <a:t>Highly Modular</a:t>
+            </a:r>
+          </a:p>
+          <a:p>
+            <a:pPr lvl="1"/>
+            <a:r>
+              <a:rPr lang="en-US" sz="2000">
+                <a:latin typeface="+mj-lt"/>
+                <a:ea typeface="+mj-ea"/>
+                <a:cs typeface="+mj-cs"/>
+              </a:rPr>
+              <a:t>Great Community</a:t>
+            </a:r>
+          </a:p>
+          <a:p>
+            <a:pPr lvl="1"/>
+            <a:r>
+              <a:rPr lang="en-US" sz="2000">
+                <a:latin typeface="+mj-lt"/>
+                <a:ea typeface="+mj-ea"/>
+                <a:cs typeface="+mj-cs"/>
+              </a:rPr>
+              <a:t>Backed by Google</a:t>
+            </a:r>
+          </a:p>
+        </p:txBody>
+      </p:sp>
       <p:pic>
         <p:nvPicPr>
           <p:cNvPr id="4" name="Picture 3">
@@ -4160,16 +4310,15 @@
           </p:cNvPicPr>
           <p:nvPr/>
         </p:nvPicPr>
-        <p:blipFill>
+        <p:blipFill rotWithShape="1">
           <a:blip r:embed="rId2"/>
-          <a:stretch>
-            <a:fillRect/>
-          </a:stretch>
+          <a:srcRect l="241" r="20251" b="-2"/>
+          <a:stretch/>
         </p:blipFill>
         <p:spPr>
           <a:xfrm>
-            <a:off x="5087566" y="1486407"/>
-            <a:ext cx="6905567" cy="3756802"/>
+            <a:off x="5120640" y="1904281"/>
+            <a:ext cx="6233160" cy="4272681"/>
           </a:xfrm>
           <a:prstGeom prst="rect">
             <a:avLst/>
@@ -4189,7 +4338,181 @@
 </p:sld>
 </file>
 
-<file path=ppt/slides/slide3.xml><?xml version="1.0" encoding="utf-8"?>
+<file path=ppt/slides/slide4.xml><?xml version="1.0" encoding="utf-8"?>
+<p:sld xmlns:a="http://schemas.openxmlformats.org/drawingml/2006/main" xmlns:r="http://schemas.openxmlformats.org/officeDocument/2006/relationships" xmlns:p="http://schemas.openxmlformats.org/presentationml/2006/main">
+  <p:cSld>
+    <p:bg>
+      <p:bgPr>
+        <a:solidFill>
+          <a:schemeClr val="bg1"/>
+        </a:solidFill>
+        <a:effectLst/>
+      </p:bgPr>
+    </p:bg>
+    <p:spTree>
+      <p:nvGrpSpPr>
+        <p:cNvPr id="1" name=""/>
+        <p:cNvGrpSpPr/>
+        <p:nvPr/>
+      </p:nvGrpSpPr>
+      <p:grpSpPr>
+        <a:xfrm>
+          <a:off x="0" y="0"/>
+          <a:ext cx="0" cy="0"/>
+          <a:chOff x="0" y="0"/>
+          <a:chExt cx="0" cy="0"/>
+        </a:xfrm>
+      </p:grpSpPr>
+      <p:sp>
+        <p:nvSpPr>
+          <p:cNvPr id="11" name="Rectangle 10">
+            <a:extLst>
+              <a:ext uri="{FF2B5EF4-FFF2-40B4-BE49-F238E27FC236}">
+                <a16:creationId xmlns:a16="http://schemas.microsoft.com/office/drawing/2014/main" id="{A4AC5506-6312-4701-8D3C-40187889A947}"/>
+              </a:ext>
+              <a:ext uri="{C183D7F6-B498-43B3-948B-1728B52AA6E4}">
+                <adec:decorative xmlns:adec="http://schemas.microsoft.com/office/drawing/2017/decorative" val="1"/>
+              </a:ext>
+            </a:extLst>
+          </p:cNvPr>
+          <p:cNvSpPr>
+            <a:spLocks noGrp="1" noRot="1" noChangeAspect="1" noMove="1" noResize="1" noEditPoints="1" noAdjustHandles="1" noChangeArrowheads="1" noChangeShapeType="1" noTextEdit="1"/>
+          </p:cNvSpPr>
+          <p:nvPr>
+            <p:extLst>
+              <p:ext uri="{386F3935-93C4-4BCD-93E2-E3B085C9AB24}">
+                <p16:designElem xmlns:p16="http://schemas.microsoft.com/office/powerpoint/2015/main" val="1"/>
+              </p:ext>
+            </p:extLst>
+          </p:nvPr>
+        </p:nvSpPr>
+        <p:spPr>
+          <a:xfrm>
+            <a:off x="0" y="651752"/>
+            <a:ext cx="12192000" cy="736551"/>
+          </a:xfrm>
+          <a:prstGeom prst="rect">
+            <a:avLst/>
+          </a:prstGeom>
+          <a:solidFill>
+            <a:schemeClr val="tx1"/>
+          </a:solidFill>
+          <a:ln>
+            <a:noFill/>
+          </a:ln>
+        </p:spPr>
+        <p:style>
+          <a:lnRef idx="2">
+            <a:schemeClr val="accent1">
+              <a:shade val="50000"/>
+            </a:schemeClr>
+          </a:lnRef>
+          <a:fillRef idx="1">
+            <a:schemeClr val="accent1"/>
+          </a:fillRef>
+          <a:effectRef idx="0">
+            <a:schemeClr val="accent1"/>
+          </a:effectRef>
+          <a:fontRef idx="minor">
+            <a:schemeClr val="lt1"/>
+          </a:fontRef>
+        </p:style>
+        <p:txBody>
+          <a:bodyPr rtlCol="0" anchor="ctr"/>
+          <a:lstStyle/>
+          <a:p>
+            <a:pPr algn="ctr"/>
+            <a:endParaRPr lang="en-US"/>
+          </a:p>
+        </p:txBody>
+      </p:sp>
+      <p:sp>
+        <p:nvSpPr>
+          <p:cNvPr id="2" name="Title 1">
+            <a:extLst>
+              <a:ext uri="{FF2B5EF4-FFF2-40B4-BE49-F238E27FC236}">
+                <a16:creationId xmlns:a16="http://schemas.microsoft.com/office/drawing/2014/main" id="{C043D2BB-CE85-4BE7-971F-C48E4677CE8B}"/>
+              </a:ext>
+            </a:extLst>
+          </p:cNvPr>
+          <p:cNvSpPr>
+            <a:spLocks noGrp="1"/>
+          </p:cNvSpPr>
+          <p:nvPr>
+            <p:ph type="title"/>
+          </p:nvPr>
+        </p:nvSpPr>
+        <p:spPr>
+          <a:xfrm>
+            <a:off x="556532" y="643467"/>
+            <a:ext cx="11210925" cy="744836"/>
+          </a:xfrm>
+        </p:spPr>
+        <p:txBody>
+          <a:bodyPr vert="horz" lIns="91440" tIns="45720" rIns="91440" bIns="45720" rtlCol="0" anchor="ctr">
+            <a:normAutofit/>
+          </a:bodyPr>
+          <a:lstStyle/>
+          <a:p>
+            <a:pPr algn="ctr"/>
+            <a:r>
+              <a:rPr lang="en-US" sz="3200" kern="1200">
+                <a:solidFill>
+                  <a:schemeClr val="bg1"/>
+                </a:solidFill>
+                <a:latin typeface="+mj-lt"/>
+                <a:ea typeface="+mj-ea"/>
+                <a:cs typeface="+mj-cs"/>
+              </a:rPr>
+              <a:t>K8s Architecture</a:t>
+            </a:r>
+          </a:p>
+        </p:txBody>
+      </p:sp>
+      <p:pic>
+        <p:nvPicPr>
+          <p:cNvPr id="6" name="Picture 5">
+            <a:extLst>
+              <a:ext uri="{FF2B5EF4-FFF2-40B4-BE49-F238E27FC236}">
+                <a16:creationId xmlns:a16="http://schemas.microsoft.com/office/drawing/2014/main" id="{D9EFD740-186E-435F-88EE-EA6D8D94405F}"/>
+              </a:ext>
+            </a:extLst>
+          </p:cNvPr>
+          <p:cNvPicPr>
+            <a:picLocks noChangeAspect="1"/>
+          </p:cNvPicPr>
+          <p:nvPr/>
+        </p:nvPicPr>
+        <p:blipFill>
+          <a:blip r:embed="rId2"/>
+          <a:stretch>
+            <a:fillRect/>
+          </a:stretch>
+        </p:blipFill>
+        <p:spPr>
+          <a:xfrm>
+            <a:off x="1989273" y="1675227"/>
+            <a:ext cx="8213454" cy="4394199"/>
+          </a:xfrm>
+          <a:prstGeom prst="rect">
+            <a:avLst/>
+          </a:prstGeom>
+        </p:spPr>
+      </p:pic>
+    </p:spTree>
+    <p:extLst>
+      <p:ext uri="{BB962C8B-B14F-4D97-AF65-F5344CB8AC3E}">
+        <p14:creationId xmlns:p14="http://schemas.microsoft.com/office/powerpoint/2010/main" val="4080649382"/>
+      </p:ext>
+    </p:extLst>
+  </p:cSld>
+  <p:clrMapOvr>
+    <a:masterClrMapping/>
+  </p:clrMapOvr>
+</p:sld>
+</file>
+
+<file path=ppt/slides/slide5.xml><?xml version="1.0" encoding="utf-8"?>
 <p:sld xmlns:a="http://schemas.openxmlformats.org/drawingml/2006/main" xmlns:r="http://schemas.openxmlformats.org/officeDocument/2006/relationships" xmlns:p="http://schemas.openxmlformats.org/presentationml/2006/main">
   <p:cSld>
     <p:bg>
@@ -4246,7 +4569,7 @@
                   <a:schemeClr val="bg1"/>
                 </a:solidFill>
               </a:rPr>
-              <a:t>Definitions</a:t>
+              <a:t>Pod</a:t>
             </a:r>
             <a:endParaRPr lang="en-US" dirty="0">
               <a:solidFill>
@@ -4258,10 +4581,10 @@
       </p:sp>
       <p:sp>
         <p:nvSpPr>
-          <p:cNvPr id="3" name="Content Placeholder 2">
-            <a:extLst>
-              <a:ext uri="{FF2B5EF4-FFF2-40B4-BE49-F238E27FC236}">
-                <a16:creationId xmlns:a16="http://schemas.microsoft.com/office/drawing/2014/main" id="{F4970C30-E476-449A-A08A-86CC6A4E0E7E}"/>
+          <p:cNvPr id="4" name="Content Placeholder 2">
+            <a:extLst>
+              <a:ext uri="{FF2B5EF4-FFF2-40B4-BE49-F238E27FC236}">
+                <a16:creationId xmlns:a16="http://schemas.microsoft.com/office/drawing/2014/main" id="{A112B3E0-437F-4B03-A42E-2167007C2E79}"/>
               </a:ext>
             </a:extLst>
           </p:cNvPr>
@@ -4274,8 +4597,8 @@
         </p:nvSpPr>
         <p:spPr>
           <a:xfrm>
-            <a:off x="371272" y="1486407"/>
-            <a:ext cx="11820728" cy="4778205"/>
+            <a:off x="371272" y="1360467"/>
+            <a:ext cx="4160760" cy="3124823"/>
           </a:xfrm>
         </p:spPr>
         <p:txBody>
@@ -4285,7 +4608,7 @@
           <a:lstStyle/>
           <a:p>
             <a:r>
-              <a:rPr lang="en-US" sz="2400" b="1" dirty="0">
+              <a:rPr lang="en-US" sz="1900" dirty="0">
                 <a:solidFill>
                   <a:schemeClr val="bg1"/>
                 </a:solidFill>
@@ -4293,10 +4616,12 @@
                 <a:ea typeface="+mj-ea"/>
                 <a:cs typeface="+mj-cs"/>
               </a:rPr>
-              <a:t>container: </a:t>
-            </a:r>
-            <a:r>
-              <a:rPr lang="en-US" sz="2400" dirty="0">
+              <a:t>Basic Unit of deployment.</a:t>
+            </a:r>
+          </a:p>
+          <a:p>
+            <a:r>
+              <a:rPr lang="en-US" sz="1900" dirty="0">
                 <a:solidFill>
                   <a:schemeClr val="bg1"/>
                 </a:solidFill>
@@ -4304,12 +4629,12 @@
                 <a:ea typeface="+mj-ea"/>
                 <a:cs typeface="+mj-cs"/>
               </a:rPr>
-              <a:t>Unit of deployment in docker world, an app packaged with OS, runtime and application binaries</a:t>
-            </a:r>
-          </a:p>
-          <a:p>
-            <a:r>
-              <a:rPr lang="en-US" sz="2400" b="1" dirty="0">
+              <a:t>A Pod can contain one or more containers</a:t>
+            </a:r>
+          </a:p>
+          <a:p>
+            <a:r>
+              <a:rPr lang="en-US" sz="1900" dirty="0">
                 <a:solidFill>
                   <a:schemeClr val="bg1"/>
                 </a:solidFill>
@@ -4317,10 +4642,12 @@
                 <a:ea typeface="+mj-ea"/>
                 <a:cs typeface="+mj-cs"/>
               </a:rPr>
-              <a:t>pod</a:t>
-            </a:r>
-            <a:r>
-              <a:rPr lang="en-US" sz="2400" dirty="0">
+              <a:t>Containers in a Pod share one IP address</a:t>
+            </a:r>
+          </a:p>
+          <a:p>
+            <a:r>
+              <a:rPr lang="en-US" sz="1900" dirty="0">
                 <a:solidFill>
                   <a:schemeClr val="bg1"/>
                 </a:solidFill>
@@ -4328,12 +4655,12 @@
                 <a:ea typeface="+mj-ea"/>
                 <a:cs typeface="+mj-cs"/>
               </a:rPr>
-              <a:t>: Unit of deployment in k8s world, running containerized application with environment variables</a:t>
-            </a:r>
-          </a:p>
-          <a:p>
-            <a:r>
-              <a:rPr lang="en-US" sz="2400" b="1" dirty="0">
+              <a:t>Pods are scalable, fault tolerant</a:t>
+            </a:r>
+          </a:p>
+          <a:p>
+            <a:r>
+              <a:rPr lang="en-US" sz="1900" dirty="0">
                 <a:solidFill>
                   <a:schemeClr val="bg1"/>
                 </a:solidFill>
@@ -4341,82 +4668,1485 @@
                 <a:ea typeface="+mj-ea"/>
                 <a:cs typeface="+mj-cs"/>
               </a:rPr>
-              <a:t>deployment</a:t>
-            </a:r>
-            <a:r>
-              <a:rPr lang="en-US" sz="2400" dirty="0">
+              <a:t>Containers within Pod can communicate using localhost</a:t>
+            </a:r>
+          </a:p>
+        </p:txBody>
+      </p:sp>
+      <p:sp>
+        <p:nvSpPr>
+          <p:cNvPr id="3" name="Rectangle 2">
+            <a:extLst>
+              <a:ext uri="{FF2B5EF4-FFF2-40B4-BE49-F238E27FC236}">
+                <a16:creationId xmlns:a16="http://schemas.microsoft.com/office/drawing/2014/main" id="{BA87C4A5-2AFD-47D8-BE83-FAEC1ADB5C97}"/>
+              </a:ext>
+            </a:extLst>
+          </p:cNvPr>
+          <p:cNvSpPr/>
+          <p:nvPr/>
+        </p:nvSpPr>
+        <p:spPr>
+          <a:xfrm>
+            <a:off x="4678523" y="309342"/>
+            <a:ext cx="7000316" cy="3395555"/>
+          </a:xfrm>
+          <a:prstGeom prst="rect">
+            <a:avLst/>
+          </a:prstGeom>
+        </p:spPr>
+        <p:style>
+          <a:lnRef idx="2">
+            <a:schemeClr val="accent1">
+              <a:shade val="50000"/>
+            </a:schemeClr>
+          </a:lnRef>
+          <a:fillRef idx="1">
+            <a:schemeClr val="accent1"/>
+          </a:fillRef>
+          <a:effectRef idx="0">
+            <a:schemeClr val="accent1"/>
+          </a:effectRef>
+          <a:fontRef idx="minor">
+            <a:schemeClr val="lt1"/>
+          </a:fontRef>
+        </p:style>
+        <p:txBody>
+          <a:bodyPr rtlCol="0" anchor="ctr"/>
+          <a:lstStyle/>
+          <a:p>
+            <a:pPr algn="ctr"/>
+            <a:endParaRPr lang="en-US"/>
+          </a:p>
+        </p:txBody>
+      </p:sp>
+      <p:sp>
+        <p:nvSpPr>
+          <p:cNvPr id="5" name="Rectangle 4">
+            <a:extLst>
+              <a:ext uri="{FF2B5EF4-FFF2-40B4-BE49-F238E27FC236}">
+                <a16:creationId xmlns:a16="http://schemas.microsoft.com/office/drawing/2014/main" id="{12B8EAFB-523C-432A-8369-9EE52241EA6F}"/>
+              </a:ext>
+            </a:extLst>
+          </p:cNvPr>
+          <p:cNvSpPr/>
+          <p:nvPr/>
+        </p:nvSpPr>
+        <p:spPr>
+          <a:xfrm>
+            <a:off x="4883294" y="1119135"/>
+            <a:ext cx="3652803" cy="2447582"/>
+          </a:xfrm>
+          <a:prstGeom prst="rect">
+            <a:avLst/>
+          </a:prstGeom>
+        </p:spPr>
+        <p:style>
+          <a:lnRef idx="2">
+            <a:schemeClr val="accent2">
+              <a:shade val="50000"/>
+            </a:schemeClr>
+          </a:lnRef>
+          <a:fillRef idx="1">
+            <a:schemeClr val="accent2"/>
+          </a:fillRef>
+          <a:effectRef idx="0">
+            <a:schemeClr val="accent2"/>
+          </a:effectRef>
+          <a:fontRef idx="minor">
+            <a:schemeClr val="lt1"/>
+          </a:fontRef>
+        </p:style>
+        <p:txBody>
+          <a:bodyPr rtlCol="0" anchor="ctr"/>
+          <a:lstStyle/>
+          <a:p>
+            <a:pPr algn="ctr"/>
+            <a:endParaRPr lang="en-US" dirty="0"/>
+          </a:p>
+        </p:txBody>
+      </p:sp>
+      <p:sp>
+        <p:nvSpPr>
+          <p:cNvPr id="10" name="Rectangle 9">
+            <a:extLst>
+              <a:ext uri="{FF2B5EF4-FFF2-40B4-BE49-F238E27FC236}">
+                <a16:creationId xmlns:a16="http://schemas.microsoft.com/office/drawing/2014/main" id="{08DC64B9-6A84-43C2-9BC0-794C0AC48DAE}"/>
+              </a:ext>
+            </a:extLst>
+          </p:cNvPr>
+          <p:cNvSpPr/>
+          <p:nvPr/>
+        </p:nvSpPr>
+        <p:spPr>
+          <a:xfrm>
+            <a:off x="8679856" y="1119531"/>
+            <a:ext cx="2529419" cy="2447212"/>
+          </a:xfrm>
+          <a:prstGeom prst="rect">
+            <a:avLst/>
+          </a:prstGeom>
+        </p:spPr>
+        <p:style>
+          <a:lnRef idx="2">
+            <a:schemeClr val="accent2">
+              <a:shade val="50000"/>
+            </a:schemeClr>
+          </a:lnRef>
+          <a:fillRef idx="1">
+            <a:schemeClr val="accent2"/>
+          </a:fillRef>
+          <a:effectRef idx="0">
+            <a:schemeClr val="accent2"/>
+          </a:effectRef>
+          <a:fontRef idx="minor">
+            <a:schemeClr val="lt1"/>
+          </a:fontRef>
+        </p:style>
+        <p:txBody>
+          <a:bodyPr rtlCol="0" anchor="ctr"/>
+          <a:lstStyle/>
+          <a:p>
+            <a:pPr algn="ctr"/>
+            <a:endParaRPr lang="en-US"/>
+          </a:p>
+        </p:txBody>
+      </p:sp>
+      <p:sp>
+        <p:nvSpPr>
+          <p:cNvPr id="7" name="Rectangle 6">
+            <a:extLst>
+              <a:ext uri="{FF2B5EF4-FFF2-40B4-BE49-F238E27FC236}">
+                <a16:creationId xmlns:a16="http://schemas.microsoft.com/office/drawing/2014/main" id="{47FABA8E-CDE5-43A9-AF04-E27426975D48}"/>
+              </a:ext>
+            </a:extLst>
+          </p:cNvPr>
+          <p:cNvSpPr/>
+          <p:nvPr/>
+        </p:nvSpPr>
+        <p:spPr>
+          <a:xfrm>
+            <a:off x="5001766" y="2114948"/>
+            <a:ext cx="1532427" cy="1141731"/>
+          </a:xfrm>
+          <a:prstGeom prst="rect">
+            <a:avLst/>
+          </a:prstGeom>
+        </p:spPr>
+        <p:style>
+          <a:lnRef idx="2">
+            <a:schemeClr val="accent6">
+              <a:shade val="50000"/>
+            </a:schemeClr>
+          </a:lnRef>
+          <a:fillRef idx="1">
+            <a:schemeClr val="accent6"/>
+          </a:fillRef>
+          <a:effectRef idx="0">
+            <a:schemeClr val="accent6"/>
+          </a:effectRef>
+          <a:fontRef idx="minor">
+            <a:schemeClr val="lt1"/>
+          </a:fontRef>
+        </p:style>
+        <p:txBody>
+          <a:bodyPr rtlCol="0" anchor="ctr"/>
+          <a:lstStyle/>
+          <a:p>
+            <a:pPr algn="ctr"/>
+            <a:endParaRPr lang="en-US"/>
+          </a:p>
+        </p:txBody>
+      </p:sp>
+      <p:sp>
+        <p:nvSpPr>
+          <p:cNvPr id="11" name="Rectangle 10">
+            <a:extLst>
+              <a:ext uri="{FF2B5EF4-FFF2-40B4-BE49-F238E27FC236}">
+                <a16:creationId xmlns:a16="http://schemas.microsoft.com/office/drawing/2014/main" id="{5461D6C6-4E49-44CF-B4D7-4154B77B07AB}"/>
+              </a:ext>
+            </a:extLst>
+          </p:cNvPr>
+          <p:cNvSpPr/>
+          <p:nvPr/>
+        </p:nvSpPr>
+        <p:spPr>
+          <a:xfrm>
+            <a:off x="6615605" y="2114946"/>
+            <a:ext cx="1532427" cy="1141731"/>
+          </a:xfrm>
+          <a:prstGeom prst="rect">
+            <a:avLst/>
+          </a:prstGeom>
+        </p:spPr>
+        <p:style>
+          <a:lnRef idx="2">
+            <a:schemeClr val="accent6">
+              <a:shade val="50000"/>
+            </a:schemeClr>
+          </a:lnRef>
+          <a:fillRef idx="1">
+            <a:schemeClr val="accent6"/>
+          </a:fillRef>
+          <a:effectRef idx="0">
+            <a:schemeClr val="accent6"/>
+          </a:effectRef>
+          <a:fontRef idx="minor">
+            <a:schemeClr val="lt1"/>
+          </a:fontRef>
+        </p:style>
+        <p:txBody>
+          <a:bodyPr rtlCol="0" anchor="ctr"/>
+          <a:lstStyle/>
+          <a:p>
+            <a:pPr algn="ctr"/>
+            <a:endParaRPr lang="en-US"/>
+          </a:p>
+        </p:txBody>
+      </p:sp>
+      <p:sp>
+        <p:nvSpPr>
+          <p:cNvPr id="12" name="Rectangle 11">
+            <a:extLst>
+              <a:ext uri="{FF2B5EF4-FFF2-40B4-BE49-F238E27FC236}">
+                <a16:creationId xmlns:a16="http://schemas.microsoft.com/office/drawing/2014/main" id="{9F1EEADF-4215-4EED-818A-53E905E49018}"/>
+              </a:ext>
+            </a:extLst>
+          </p:cNvPr>
+          <p:cNvSpPr/>
+          <p:nvPr/>
+        </p:nvSpPr>
+        <p:spPr>
+          <a:xfrm>
+            <a:off x="8939325" y="2114946"/>
+            <a:ext cx="2008834" cy="1141731"/>
+          </a:xfrm>
+          <a:prstGeom prst="rect">
+            <a:avLst/>
+          </a:prstGeom>
+        </p:spPr>
+        <p:style>
+          <a:lnRef idx="2">
+            <a:schemeClr val="accent6">
+              <a:shade val="50000"/>
+            </a:schemeClr>
+          </a:lnRef>
+          <a:fillRef idx="1">
+            <a:schemeClr val="accent6"/>
+          </a:fillRef>
+          <a:effectRef idx="0">
+            <a:schemeClr val="accent6"/>
+          </a:effectRef>
+          <a:fontRef idx="minor">
+            <a:schemeClr val="lt1"/>
+          </a:fontRef>
+        </p:style>
+        <p:txBody>
+          <a:bodyPr rtlCol="0" anchor="ctr"/>
+          <a:lstStyle/>
+          <a:p>
+            <a:pPr algn="ctr"/>
+            <a:endParaRPr lang="en-US"/>
+          </a:p>
+        </p:txBody>
+      </p:sp>
+      <p:sp>
+        <p:nvSpPr>
+          <p:cNvPr id="8" name="Rectangle 7">
+            <a:extLst>
+              <a:ext uri="{FF2B5EF4-FFF2-40B4-BE49-F238E27FC236}">
+                <a16:creationId xmlns:a16="http://schemas.microsoft.com/office/drawing/2014/main" id="{BD57E92B-0870-428E-9259-AF7B72799B1F}"/>
+              </a:ext>
+            </a:extLst>
+          </p:cNvPr>
+          <p:cNvSpPr/>
+          <p:nvPr/>
+        </p:nvSpPr>
+        <p:spPr>
+          <a:xfrm>
+            <a:off x="5175256" y="2701796"/>
+            <a:ext cx="411604" cy="380765"/>
+          </a:xfrm>
+          <a:prstGeom prst="rect">
+            <a:avLst/>
+          </a:prstGeom>
+        </p:spPr>
+        <p:style>
+          <a:lnRef idx="2">
+            <a:schemeClr val="dk1">
+              <a:shade val="50000"/>
+            </a:schemeClr>
+          </a:lnRef>
+          <a:fillRef idx="1">
+            <a:schemeClr val="dk1"/>
+          </a:fillRef>
+          <a:effectRef idx="0">
+            <a:schemeClr val="dk1"/>
+          </a:effectRef>
+          <a:fontRef idx="minor">
+            <a:schemeClr val="lt1"/>
+          </a:fontRef>
+        </p:style>
+        <p:txBody>
+          <a:bodyPr rtlCol="0" anchor="ctr"/>
+          <a:lstStyle/>
+          <a:p>
+            <a:pPr algn="ctr"/>
+            <a:r>
+              <a:rPr lang="en-US" dirty="0"/>
+              <a:t>c</a:t>
+            </a:r>
+          </a:p>
+        </p:txBody>
+      </p:sp>
+      <p:sp>
+        <p:nvSpPr>
+          <p:cNvPr id="16" name="Rectangle 15">
+            <a:extLst>
+              <a:ext uri="{FF2B5EF4-FFF2-40B4-BE49-F238E27FC236}">
+                <a16:creationId xmlns:a16="http://schemas.microsoft.com/office/drawing/2014/main" id="{99E737FA-A53C-49DE-8FEC-A88A3FFAD099}"/>
+              </a:ext>
+            </a:extLst>
+          </p:cNvPr>
+          <p:cNvSpPr/>
+          <p:nvPr/>
+        </p:nvSpPr>
+        <p:spPr>
+          <a:xfrm>
+            <a:off x="6840496" y="2701796"/>
+            <a:ext cx="411604" cy="380765"/>
+          </a:xfrm>
+          <a:prstGeom prst="rect">
+            <a:avLst/>
+          </a:prstGeom>
+        </p:spPr>
+        <p:style>
+          <a:lnRef idx="2">
+            <a:schemeClr val="dk1">
+              <a:shade val="50000"/>
+            </a:schemeClr>
+          </a:lnRef>
+          <a:fillRef idx="1">
+            <a:schemeClr val="dk1"/>
+          </a:fillRef>
+          <a:effectRef idx="0">
+            <a:schemeClr val="dk1"/>
+          </a:effectRef>
+          <a:fontRef idx="minor">
+            <a:schemeClr val="lt1"/>
+          </a:fontRef>
+        </p:style>
+        <p:txBody>
+          <a:bodyPr rtlCol="0" anchor="ctr"/>
+          <a:lstStyle/>
+          <a:p>
+            <a:pPr algn="ctr"/>
+            <a:r>
+              <a:rPr lang="en-US" dirty="0"/>
+              <a:t>c</a:t>
+            </a:r>
+          </a:p>
+        </p:txBody>
+      </p:sp>
+      <p:sp>
+        <p:nvSpPr>
+          <p:cNvPr id="17" name="Rectangle 16">
+            <a:extLst>
+              <a:ext uri="{FF2B5EF4-FFF2-40B4-BE49-F238E27FC236}">
+                <a16:creationId xmlns:a16="http://schemas.microsoft.com/office/drawing/2014/main" id="{29E78BA0-B140-485F-9ED3-444951B6F5DC}"/>
+              </a:ext>
+            </a:extLst>
+          </p:cNvPr>
+          <p:cNvSpPr/>
+          <p:nvPr/>
+        </p:nvSpPr>
+        <p:spPr>
+          <a:xfrm>
+            <a:off x="7346757" y="2701796"/>
+            <a:ext cx="411604" cy="380765"/>
+          </a:xfrm>
+          <a:prstGeom prst="rect">
+            <a:avLst/>
+          </a:prstGeom>
+        </p:spPr>
+        <p:style>
+          <a:lnRef idx="2">
+            <a:schemeClr val="dk1">
+              <a:shade val="50000"/>
+            </a:schemeClr>
+          </a:lnRef>
+          <a:fillRef idx="1">
+            <a:schemeClr val="dk1"/>
+          </a:fillRef>
+          <a:effectRef idx="0">
+            <a:schemeClr val="dk1"/>
+          </a:effectRef>
+          <a:fontRef idx="minor">
+            <a:schemeClr val="lt1"/>
+          </a:fontRef>
+        </p:style>
+        <p:txBody>
+          <a:bodyPr rtlCol="0" anchor="ctr"/>
+          <a:lstStyle/>
+          <a:p>
+            <a:pPr algn="ctr"/>
+            <a:r>
+              <a:rPr lang="en-US" dirty="0"/>
+              <a:t>c</a:t>
+            </a:r>
+          </a:p>
+        </p:txBody>
+      </p:sp>
+      <p:sp>
+        <p:nvSpPr>
+          <p:cNvPr id="18" name="Rectangle 17">
+            <a:extLst>
+              <a:ext uri="{FF2B5EF4-FFF2-40B4-BE49-F238E27FC236}">
+                <a16:creationId xmlns:a16="http://schemas.microsoft.com/office/drawing/2014/main" id="{2D667714-15F0-49CA-84D8-31CE4B8CD768}"/>
+              </a:ext>
+            </a:extLst>
+          </p:cNvPr>
+          <p:cNvSpPr/>
+          <p:nvPr/>
+        </p:nvSpPr>
+        <p:spPr>
+          <a:xfrm>
+            <a:off x="9124647" y="2690172"/>
+            <a:ext cx="411604" cy="380765"/>
+          </a:xfrm>
+          <a:prstGeom prst="rect">
+            <a:avLst/>
+          </a:prstGeom>
+        </p:spPr>
+        <p:style>
+          <a:lnRef idx="2">
+            <a:schemeClr val="dk1">
+              <a:shade val="50000"/>
+            </a:schemeClr>
+          </a:lnRef>
+          <a:fillRef idx="1">
+            <a:schemeClr val="dk1"/>
+          </a:fillRef>
+          <a:effectRef idx="0">
+            <a:schemeClr val="dk1"/>
+          </a:effectRef>
+          <a:fontRef idx="minor">
+            <a:schemeClr val="lt1"/>
+          </a:fontRef>
+        </p:style>
+        <p:txBody>
+          <a:bodyPr rtlCol="0" anchor="ctr"/>
+          <a:lstStyle/>
+          <a:p>
+            <a:pPr algn="ctr"/>
+            <a:r>
+              <a:rPr lang="en-US" dirty="0"/>
+              <a:t>c</a:t>
+            </a:r>
+          </a:p>
+        </p:txBody>
+      </p:sp>
+      <p:sp>
+        <p:nvSpPr>
+          <p:cNvPr id="19" name="Rectangle 18">
+            <a:extLst>
+              <a:ext uri="{FF2B5EF4-FFF2-40B4-BE49-F238E27FC236}">
+                <a16:creationId xmlns:a16="http://schemas.microsoft.com/office/drawing/2014/main" id="{92D4C47F-2AC6-4745-8E91-E61A74C57B85}"/>
+              </a:ext>
+            </a:extLst>
+          </p:cNvPr>
+          <p:cNvSpPr/>
+          <p:nvPr/>
+        </p:nvSpPr>
+        <p:spPr>
+          <a:xfrm>
+            <a:off x="9621051" y="2690172"/>
+            <a:ext cx="411604" cy="380765"/>
+          </a:xfrm>
+          <a:prstGeom prst="rect">
+            <a:avLst/>
+          </a:prstGeom>
+        </p:spPr>
+        <p:style>
+          <a:lnRef idx="2">
+            <a:schemeClr val="dk1">
+              <a:shade val="50000"/>
+            </a:schemeClr>
+          </a:lnRef>
+          <a:fillRef idx="1">
+            <a:schemeClr val="dk1"/>
+          </a:fillRef>
+          <a:effectRef idx="0">
+            <a:schemeClr val="dk1"/>
+          </a:effectRef>
+          <a:fontRef idx="minor">
+            <a:schemeClr val="lt1"/>
+          </a:fontRef>
+        </p:style>
+        <p:txBody>
+          <a:bodyPr rtlCol="0" anchor="ctr"/>
+          <a:lstStyle/>
+          <a:p>
+            <a:pPr algn="ctr"/>
+            <a:r>
+              <a:rPr lang="en-US" dirty="0"/>
+              <a:t>c</a:t>
+            </a:r>
+          </a:p>
+        </p:txBody>
+      </p:sp>
+      <p:sp>
+        <p:nvSpPr>
+          <p:cNvPr id="20" name="Rectangle 19">
+            <a:extLst>
+              <a:ext uri="{FF2B5EF4-FFF2-40B4-BE49-F238E27FC236}">
+                <a16:creationId xmlns:a16="http://schemas.microsoft.com/office/drawing/2014/main" id="{FD300280-2F7F-4EDA-8C5D-4BBBB5B46D64}"/>
+              </a:ext>
+            </a:extLst>
+          </p:cNvPr>
+          <p:cNvSpPr/>
+          <p:nvPr/>
+        </p:nvSpPr>
+        <p:spPr>
+          <a:xfrm>
+            <a:off x="10117456" y="2690172"/>
+            <a:ext cx="411604" cy="380765"/>
+          </a:xfrm>
+          <a:prstGeom prst="rect">
+            <a:avLst/>
+          </a:prstGeom>
+        </p:spPr>
+        <p:style>
+          <a:lnRef idx="2">
+            <a:schemeClr val="dk1">
+              <a:shade val="50000"/>
+            </a:schemeClr>
+          </a:lnRef>
+          <a:fillRef idx="1">
+            <a:schemeClr val="dk1"/>
+          </a:fillRef>
+          <a:effectRef idx="0">
+            <a:schemeClr val="dk1"/>
+          </a:effectRef>
+          <a:fontRef idx="minor">
+            <a:schemeClr val="lt1"/>
+          </a:fontRef>
+        </p:style>
+        <p:txBody>
+          <a:bodyPr rtlCol="0" anchor="ctr"/>
+          <a:lstStyle/>
+          <a:p>
+            <a:pPr algn="ctr"/>
+            <a:r>
+              <a:rPr lang="en-US" dirty="0"/>
+              <a:t>c</a:t>
+            </a:r>
+          </a:p>
+        </p:txBody>
+      </p:sp>
+      <p:sp>
+        <p:nvSpPr>
+          <p:cNvPr id="14" name="Rectangle 13">
+            <a:extLst>
+              <a:ext uri="{FF2B5EF4-FFF2-40B4-BE49-F238E27FC236}">
+                <a16:creationId xmlns:a16="http://schemas.microsoft.com/office/drawing/2014/main" id="{2A58C396-127F-43DC-A372-C29A7D4BD2A5}"/>
+              </a:ext>
+            </a:extLst>
+          </p:cNvPr>
+          <p:cNvSpPr/>
+          <p:nvPr/>
+        </p:nvSpPr>
+        <p:spPr>
+          <a:xfrm>
+            <a:off x="5132234" y="2206970"/>
+            <a:ext cx="1316532" cy="176661"/>
+          </a:xfrm>
+          <a:prstGeom prst="rect">
+            <a:avLst/>
+          </a:prstGeom>
+        </p:spPr>
+        <p:style>
+          <a:lnRef idx="2">
+            <a:schemeClr val="accent1">
+              <a:shade val="50000"/>
+            </a:schemeClr>
+          </a:lnRef>
+          <a:fillRef idx="1">
+            <a:schemeClr val="accent1"/>
+          </a:fillRef>
+          <a:effectRef idx="0">
+            <a:schemeClr val="accent1"/>
+          </a:effectRef>
+          <a:fontRef idx="minor">
+            <a:schemeClr val="lt1"/>
+          </a:fontRef>
+        </p:style>
+        <p:txBody>
+          <a:bodyPr rtlCol="0" anchor="ctr"/>
+          <a:lstStyle/>
+          <a:p>
+            <a:pPr algn="ctr"/>
+            <a:r>
+              <a:rPr lang="en-US" sz="900" dirty="0"/>
+              <a:t>Volume</a:t>
+            </a:r>
+          </a:p>
+        </p:txBody>
+      </p:sp>
+      <p:sp>
+        <p:nvSpPr>
+          <p:cNvPr id="22" name="Rectangle 21">
+            <a:extLst>
+              <a:ext uri="{FF2B5EF4-FFF2-40B4-BE49-F238E27FC236}">
+                <a16:creationId xmlns:a16="http://schemas.microsoft.com/office/drawing/2014/main" id="{BCB14AA8-6224-477F-A5D5-AF2AD46C35CE}"/>
+              </a:ext>
+            </a:extLst>
+          </p:cNvPr>
+          <p:cNvSpPr/>
+          <p:nvPr/>
+        </p:nvSpPr>
+        <p:spPr>
+          <a:xfrm>
+            <a:off x="5132234" y="2436061"/>
+            <a:ext cx="1316532" cy="176661"/>
+          </a:xfrm>
+          <a:prstGeom prst="rect">
+            <a:avLst/>
+          </a:prstGeom>
+        </p:spPr>
+        <p:style>
+          <a:lnRef idx="2">
+            <a:schemeClr val="accent1">
+              <a:shade val="50000"/>
+            </a:schemeClr>
+          </a:lnRef>
+          <a:fillRef idx="1">
+            <a:schemeClr val="accent1"/>
+          </a:fillRef>
+          <a:effectRef idx="0">
+            <a:schemeClr val="accent1"/>
+          </a:effectRef>
+          <a:fontRef idx="minor">
+            <a:schemeClr val="lt1"/>
+          </a:fontRef>
+        </p:style>
+        <p:txBody>
+          <a:bodyPr rtlCol="0" anchor="ctr"/>
+          <a:lstStyle/>
+          <a:p>
+            <a:pPr algn="ctr"/>
+            <a:r>
+              <a:rPr lang="en-US" sz="900" dirty="0"/>
+              <a:t>Network</a:t>
+            </a:r>
+          </a:p>
+        </p:txBody>
+      </p:sp>
+      <p:sp>
+        <p:nvSpPr>
+          <p:cNvPr id="23" name="Rectangle 22">
+            <a:extLst>
+              <a:ext uri="{FF2B5EF4-FFF2-40B4-BE49-F238E27FC236}">
+                <a16:creationId xmlns:a16="http://schemas.microsoft.com/office/drawing/2014/main" id="{AEF1A4FE-9CD1-4F10-B498-243C8B3CE85E}"/>
+              </a:ext>
+            </a:extLst>
+          </p:cNvPr>
+          <p:cNvSpPr/>
+          <p:nvPr/>
+        </p:nvSpPr>
+        <p:spPr>
+          <a:xfrm>
+            <a:off x="6717082" y="2186284"/>
+            <a:ext cx="1316532" cy="176661"/>
+          </a:xfrm>
+          <a:prstGeom prst="rect">
+            <a:avLst/>
+          </a:prstGeom>
+        </p:spPr>
+        <p:style>
+          <a:lnRef idx="2">
+            <a:schemeClr val="accent1">
+              <a:shade val="50000"/>
+            </a:schemeClr>
+          </a:lnRef>
+          <a:fillRef idx="1">
+            <a:schemeClr val="accent1"/>
+          </a:fillRef>
+          <a:effectRef idx="0">
+            <a:schemeClr val="accent1"/>
+          </a:effectRef>
+          <a:fontRef idx="minor">
+            <a:schemeClr val="lt1"/>
+          </a:fontRef>
+        </p:style>
+        <p:txBody>
+          <a:bodyPr rtlCol="0" anchor="ctr"/>
+          <a:lstStyle/>
+          <a:p>
+            <a:pPr algn="ctr"/>
+            <a:r>
+              <a:rPr lang="en-US" sz="900" dirty="0"/>
+              <a:t>Volume</a:t>
+            </a:r>
+          </a:p>
+        </p:txBody>
+      </p:sp>
+      <p:sp>
+        <p:nvSpPr>
+          <p:cNvPr id="24" name="Rectangle 23">
+            <a:extLst>
+              <a:ext uri="{FF2B5EF4-FFF2-40B4-BE49-F238E27FC236}">
+                <a16:creationId xmlns:a16="http://schemas.microsoft.com/office/drawing/2014/main" id="{77562D80-88B2-486E-B885-1BB7065728BB}"/>
+              </a:ext>
+            </a:extLst>
+          </p:cNvPr>
+          <p:cNvSpPr/>
+          <p:nvPr/>
+        </p:nvSpPr>
+        <p:spPr>
+          <a:xfrm>
+            <a:off x="6721817" y="2413908"/>
+            <a:ext cx="1316532" cy="176661"/>
+          </a:xfrm>
+          <a:prstGeom prst="rect">
+            <a:avLst/>
+          </a:prstGeom>
+        </p:spPr>
+        <p:style>
+          <a:lnRef idx="2">
+            <a:schemeClr val="accent1">
+              <a:shade val="50000"/>
+            </a:schemeClr>
+          </a:lnRef>
+          <a:fillRef idx="1">
+            <a:schemeClr val="accent1"/>
+          </a:fillRef>
+          <a:effectRef idx="0">
+            <a:schemeClr val="accent1"/>
+          </a:effectRef>
+          <a:fontRef idx="minor">
+            <a:schemeClr val="lt1"/>
+          </a:fontRef>
+        </p:style>
+        <p:txBody>
+          <a:bodyPr rtlCol="0" anchor="ctr"/>
+          <a:lstStyle/>
+          <a:p>
+            <a:pPr algn="ctr"/>
+            <a:r>
+              <a:rPr lang="en-US" sz="900" dirty="0"/>
+              <a:t>Network</a:t>
+            </a:r>
+          </a:p>
+        </p:txBody>
+      </p:sp>
+      <p:sp>
+        <p:nvSpPr>
+          <p:cNvPr id="25" name="Rectangle 24">
+            <a:extLst>
+              <a:ext uri="{FF2B5EF4-FFF2-40B4-BE49-F238E27FC236}">
+                <a16:creationId xmlns:a16="http://schemas.microsoft.com/office/drawing/2014/main" id="{7B64EFA9-8F75-4AB6-A083-90B09E002DE9}"/>
+              </a:ext>
+            </a:extLst>
+          </p:cNvPr>
+          <p:cNvSpPr/>
+          <p:nvPr/>
+        </p:nvSpPr>
+        <p:spPr>
+          <a:xfrm>
+            <a:off x="9124647" y="2180479"/>
+            <a:ext cx="1316532" cy="176661"/>
+          </a:xfrm>
+          <a:prstGeom prst="rect">
+            <a:avLst/>
+          </a:prstGeom>
+        </p:spPr>
+        <p:style>
+          <a:lnRef idx="2">
+            <a:schemeClr val="accent1">
+              <a:shade val="50000"/>
+            </a:schemeClr>
+          </a:lnRef>
+          <a:fillRef idx="1">
+            <a:schemeClr val="accent1"/>
+          </a:fillRef>
+          <a:effectRef idx="0">
+            <a:schemeClr val="accent1"/>
+          </a:effectRef>
+          <a:fontRef idx="minor">
+            <a:schemeClr val="lt1"/>
+          </a:fontRef>
+        </p:style>
+        <p:txBody>
+          <a:bodyPr rtlCol="0" anchor="ctr"/>
+          <a:lstStyle/>
+          <a:p>
+            <a:pPr algn="ctr"/>
+            <a:r>
+              <a:rPr lang="en-US" sz="900" dirty="0"/>
+              <a:t>Volume</a:t>
+            </a:r>
+          </a:p>
+        </p:txBody>
+      </p:sp>
+      <p:sp>
+        <p:nvSpPr>
+          <p:cNvPr id="26" name="Rectangle 25">
+            <a:extLst>
+              <a:ext uri="{FF2B5EF4-FFF2-40B4-BE49-F238E27FC236}">
+                <a16:creationId xmlns:a16="http://schemas.microsoft.com/office/drawing/2014/main" id="{FC5C0BD5-B4C0-43EF-B5D7-5F1E54344C32}"/>
+              </a:ext>
+            </a:extLst>
+          </p:cNvPr>
+          <p:cNvSpPr/>
+          <p:nvPr/>
+        </p:nvSpPr>
+        <p:spPr>
+          <a:xfrm>
+            <a:off x="9124647" y="2413907"/>
+            <a:ext cx="1316532" cy="176661"/>
+          </a:xfrm>
+          <a:prstGeom prst="rect">
+            <a:avLst/>
+          </a:prstGeom>
+        </p:spPr>
+        <p:style>
+          <a:lnRef idx="2">
+            <a:schemeClr val="accent1">
+              <a:shade val="50000"/>
+            </a:schemeClr>
+          </a:lnRef>
+          <a:fillRef idx="1">
+            <a:schemeClr val="accent1"/>
+          </a:fillRef>
+          <a:effectRef idx="0">
+            <a:schemeClr val="accent1"/>
+          </a:effectRef>
+          <a:fontRef idx="minor">
+            <a:schemeClr val="lt1"/>
+          </a:fontRef>
+        </p:style>
+        <p:txBody>
+          <a:bodyPr rtlCol="0" anchor="ctr"/>
+          <a:lstStyle/>
+          <a:p>
+            <a:pPr algn="ctr"/>
+            <a:r>
+              <a:rPr lang="en-US" sz="900" dirty="0"/>
+              <a:t>Network</a:t>
+            </a:r>
+          </a:p>
+        </p:txBody>
+      </p:sp>
+      <p:sp>
+        <p:nvSpPr>
+          <p:cNvPr id="21" name="Rectangle 20">
+            <a:extLst>
+              <a:ext uri="{FF2B5EF4-FFF2-40B4-BE49-F238E27FC236}">
+                <a16:creationId xmlns:a16="http://schemas.microsoft.com/office/drawing/2014/main" id="{E3C1D3F5-0D2E-410A-8544-36A772AB5E15}"/>
+              </a:ext>
+            </a:extLst>
+          </p:cNvPr>
+          <p:cNvSpPr/>
+          <p:nvPr/>
+        </p:nvSpPr>
+        <p:spPr>
+          <a:xfrm>
+            <a:off x="5001766" y="1916569"/>
+            <a:ext cx="886731" cy="162653"/>
+          </a:xfrm>
+          <a:prstGeom prst="rect">
+            <a:avLst/>
+          </a:prstGeom>
+          <a:solidFill>
+            <a:schemeClr val="bg1"/>
+          </a:solidFill>
+        </p:spPr>
+        <p:style>
+          <a:lnRef idx="2">
+            <a:schemeClr val="accent1">
+              <a:shade val="50000"/>
+            </a:schemeClr>
+          </a:lnRef>
+          <a:fillRef idx="1">
+            <a:schemeClr val="accent1"/>
+          </a:fillRef>
+          <a:effectRef idx="0">
+            <a:schemeClr val="accent1"/>
+          </a:effectRef>
+          <a:fontRef idx="minor">
+            <a:schemeClr val="lt1"/>
+          </a:fontRef>
+        </p:style>
+        <p:txBody>
+          <a:bodyPr rtlCol="0" anchor="ctr"/>
+          <a:lstStyle/>
+          <a:p>
+            <a:pPr algn="ctr"/>
+            <a:r>
+              <a:rPr lang="en-US" sz="1400" dirty="0">
+                <a:solidFill>
+                  <a:schemeClr val="tx1"/>
+                </a:solidFill>
+              </a:rPr>
+              <a:t>IP</a:t>
+            </a:r>
+          </a:p>
+        </p:txBody>
+      </p:sp>
+      <p:sp>
+        <p:nvSpPr>
+          <p:cNvPr id="28" name="Rectangle 27">
+            <a:extLst>
+              <a:ext uri="{FF2B5EF4-FFF2-40B4-BE49-F238E27FC236}">
+                <a16:creationId xmlns:a16="http://schemas.microsoft.com/office/drawing/2014/main" id="{D1A1D71E-00BF-42A3-BC38-A9CB7E4D6A09}"/>
+              </a:ext>
+            </a:extLst>
+          </p:cNvPr>
+          <p:cNvSpPr/>
+          <p:nvPr/>
+        </p:nvSpPr>
+        <p:spPr>
+          <a:xfrm>
+            <a:off x="6615605" y="1912119"/>
+            <a:ext cx="886731" cy="162653"/>
+          </a:xfrm>
+          <a:prstGeom prst="rect">
+            <a:avLst/>
+          </a:prstGeom>
+          <a:solidFill>
+            <a:schemeClr val="bg1"/>
+          </a:solidFill>
+        </p:spPr>
+        <p:style>
+          <a:lnRef idx="2">
+            <a:schemeClr val="accent1">
+              <a:shade val="50000"/>
+            </a:schemeClr>
+          </a:lnRef>
+          <a:fillRef idx="1">
+            <a:schemeClr val="accent1"/>
+          </a:fillRef>
+          <a:effectRef idx="0">
+            <a:schemeClr val="accent1"/>
+          </a:effectRef>
+          <a:fontRef idx="minor">
+            <a:schemeClr val="lt1"/>
+          </a:fontRef>
+        </p:style>
+        <p:txBody>
+          <a:bodyPr rtlCol="0" anchor="ctr"/>
+          <a:lstStyle/>
+          <a:p>
+            <a:pPr algn="ctr"/>
+            <a:r>
+              <a:rPr lang="en-US" sz="1400" dirty="0">
+                <a:solidFill>
+                  <a:schemeClr val="tx1"/>
+                </a:solidFill>
+              </a:rPr>
+              <a:t>IP</a:t>
+            </a:r>
+          </a:p>
+        </p:txBody>
+      </p:sp>
+      <p:sp>
+        <p:nvSpPr>
+          <p:cNvPr id="29" name="Rectangle 28">
+            <a:extLst>
+              <a:ext uri="{FF2B5EF4-FFF2-40B4-BE49-F238E27FC236}">
+                <a16:creationId xmlns:a16="http://schemas.microsoft.com/office/drawing/2014/main" id="{ED2A3359-E883-447B-947C-2F184C19A1DE}"/>
+              </a:ext>
+            </a:extLst>
+          </p:cNvPr>
+          <p:cNvSpPr/>
+          <p:nvPr/>
+        </p:nvSpPr>
+        <p:spPr>
+          <a:xfrm>
+            <a:off x="8939324" y="1904041"/>
+            <a:ext cx="886731" cy="162653"/>
+          </a:xfrm>
+          <a:prstGeom prst="rect">
+            <a:avLst/>
+          </a:prstGeom>
+          <a:solidFill>
+            <a:schemeClr val="bg1"/>
+          </a:solidFill>
+        </p:spPr>
+        <p:style>
+          <a:lnRef idx="2">
+            <a:schemeClr val="accent1">
+              <a:shade val="50000"/>
+            </a:schemeClr>
+          </a:lnRef>
+          <a:fillRef idx="1">
+            <a:schemeClr val="accent1"/>
+          </a:fillRef>
+          <a:effectRef idx="0">
+            <a:schemeClr val="accent1"/>
+          </a:effectRef>
+          <a:fontRef idx="minor">
+            <a:schemeClr val="lt1"/>
+          </a:fontRef>
+        </p:style>
+        <p:txBody>
+          <a:bodyPr rtlCol="0" anchor="ctr"/>
+          <a:lstStyle/>
+          <a:p>
+            <a:pPr algn="ctr"/>
+            <a:r>
+              <a:rPr lang="en-US" sz="1400" dirty="0">
+                <a:solidFill>
+                  <a:schemeClr val="tx1"/>
+                </a:solidFill>
+              </a:rPr>
+              <a:t>IP</a:t>
+            </a:r>
+          </a:p>
+        </p:txBody>
+      </p:sp>
+      <p:sp>
+        <p:nvSpPr>
+          <p:cNvPr id="27" name="TextBox 26">
+            <a:extLst>
+              <a:ext uri="{FF2B5EF4-FFF2-40B4-BE49-F238E27FC236}">
+                <a16:creationId xmlns:a16="http://schemas.microsoft.com/office/drawing/2014/main" id="{25706B38-DED8-4EC0-87F1-157B977E74FC}"/>
+              </a:ext>
+            </a:extLst>
+          </p:cNvPr>
+          <p:cNvSpPr txBox="1"/>
+          <p:nvPr/>
+        </p:nvSpPr>
+        <p:spPr>
+          <a:xfrm>
+            <a:off x="7600436" y="1110067"/>
+            <a:ext cx="886731" cy="307777"/>
+          </a:xfrm>
+          <a:prstGeom prst="rect">
+            <a:avLst/>
+          </a:prstGeom>
+          <a:noFill/>
+        </p:spPr>
+        <p:txBody>
+          <a:bodyPr wrap="square" rtlCol="0">
+            <a:spAutoFit/>
+          </a:bodyPr>
+          <a:lstStyle/>
+          <a:p>
+            <a:r>
+              <a:rPr lang="en-US" sz="1400" dirty="0"/>
+              <a:t>Node</a:t>
+            </a:r>
+            <a:endParaRPr lang="en-US" dirty="0"/>
+          </a:p>
+        </p:txBody>
+      </p:sp>
+      <p:sp>
+        <p:nvSpPr>
+          <p:cNvPr id="31" name="Rectangle 30">
+            <a:extLst>
+              <a:ext uri="{FF2B5EF4-FFF2-40B4-BE49-F238E27FC236}">
+                <a16:creationId xmlns:a16="http://schemas.microsoft.com/office/drawing/2014/main" id="{24C1196B-0792-4DBB-97CE-3B07F8407E59}"/>
+              </a:ext>
+            </a:extLst>
+          </p:cNvPr>
+          <p:cNvSpPr/>
+          <p:nvPr/>
+        </p:nvSpPr>
+        <p:spPr>
+          <a:xfrm>
+            <a:off x="4881613" y="920756"/>
+            <a:ext cx="886731" cy="162653"/>
+          </a:xfrm>
+          <a:prstGeom prst="rect">
+            <a:avLst/>
+          </a:prstGeom>
+          <a:solidFill>
+            <a:schemeClr val="bg1"/>
+          </a:solidFill>
+        </p:spPr>
+        <p:style>
+          <a:lnRef idx="2">
+            <a:schemeClr val="accent1">
+              <a:shade val="50000"/>
+            </a:schemeClr>
+          </a:lnRef>
+          <a:fillRef idx="1">
+            <a:schemeClr val="accent1"/>
+          </a:fillRef>
+          <a:effectRef idx="0">
+            <a:schemeClr val="accent1"/>
+          </a:effectRef>
+          <a:fontRef idx="minor">
+            <a:schemeClr val="lt1"/>
+          </a:fontRef>
+        </p:style>
+        <p:txBody>
+          <a:bodyPr rtlCol="0" anchor="ctr"/>
+          <a:lstStyle/>
+          <a:p>
+            <a:pPr algn="ctr"/>
+            <a:r>
+              <a:rPr lang="en-US" sz="1400" dirty="0">
+                <a:solidFill>
+                  <a:schemeClr val="tx1"/>
+                </a:solidFill>
+              </a:rPr>
+              <a:t>IP</a:t>
+            </a:r>
+          </a:p>
+        </p:txBody>
+      </p:sp>
+      <p:sp>
+        <p:nvSpPr>
+          <p:cNvPr id="32" name="Rectangle 31">
+            <a:extLst>
+              <a:ext uri="{FF2B5EF4-FFF2-40B4-BE49-F238E27FC236}">
+                <a16:creationId xmlns:a16="http://schemas.microsoft.com/office/drawing/2014/main" id="{E8DA1CC4-FDDB-467B-BB05-9121C9418E2F}"/>
+              </a:ext>
+            </a:extLst>
+          </p:cNvPr>
+          <p:cNvSpPr/>
+          <p:nvPr/>
+        </p:nvSpPr>
+        <p:spPr>
+          <a:xfrm>
+            <a:off x="8676274" y="920756"/>
+            <a:ext cx="886731" cy="162653"/>
+          </a:xfrm>
+          <a:prstGeom prst="rect">
+            <a:avLst/>
+          </a:prstGeom>
+          <a:solidFill>
+            <a:schemeClr val="bg1"/>
+          </a:solidFill>
+        </p:spPr>
+        <p:style>
+          <a:lnRef idx="2">
+            <a:schemeClr val="accent1">
+              <a:shade val="50000"/>
+            </a:schemeClr>
+          </a:lnRef>
+          <a:fillRef idx="1">
+            <a:schemeClr val="accent1"/>
+          </a:fillRef>
+          <a:effectRef idx="0">
+            <a:schemeClr val="accent1"/>
+          </a:effectRef>
+          <a:fontRef idx="minor">
+            <a:schemeClr val="lt1"/>
+          </a:fontRef>
+        </p:style>
+        <p:txBody>
+          <a:bodyPr rtlCol="0" anchor="ctr"/>
+          <a:lstStyle/>
+          <a:p>
+            <a:pPr algn="ctr"/>
+            <a:r>
+              <a:rPr lang="en-US" sz="1400" dirty="0">
+                <a:solidFill>
+                  <a:schemeClr val="tx1"/>
+                </a:solidFill>
+              </a:rPr>
+              <a:t>IP</a:t>
+            </a:r>
+          </a:p>
+        </p:txBody>
+      </p:sp>
+      <p:sp>
+        <p:nvSpPr>
+          <p:cNvPr id="33" name="TextBox 32">
+            <a:extLst>
+              <a:ext uri="{FF2B5EF4-FFF2-40B4-BE49-F238E27FC236}">
+                <a16:creationId xmlns:a16="http://schemas.microsoft.com/office/drawing/2014/main" id="{A044D9B9-C0A3-4ED4-BCB6-DEB2A349D04A}"/>
+              </a:ext>
+            </a:extLst>
+          </p:cNvPr>
+          <p:cNvSpPr txBox="1"/>
+          <p:nvPr/>
+        </p:nvSpPr>
+        <p:spPr>
+          <a:xfrm>
+            <a:off x="10587752" y="1144372"/>
+            <a:ext cx="886731" cy="307777"/>
+          </a:xfrm>
+          <a:prstGeom prst="rect">
+            <a:avLst/>
+          </a:prstGeom>
+          <a:noFill/>
+        </p:spPr>
+        <p:txBody>
+          <a:bodyPr wrap="square" rtlCol="0">
+            <a:spAutoFit/>
+          </a:bodyPr>
+          <a:lstStyle/>
+          <a:p>
+            <a:r>
+              <a:rPr lang="en-US" sz="1400" dirty="0"/>
+              <a:t>Node</a:t>
+            </a:r>
+            <a:endParaRPr lang="en-US" dirty="0"/>
+          </a:p>
+        </p:txBody>
+      </p:sp>
+      <p:sp>
+        <p:nvSpPr>
+          <p:cNvPr id="34" name="Rectangle 33">
+            <a:extLst>
+              <a:ext uri="{FF2B5EF4-FFF2-40B4-BE49-F238E27FC236}">
+                <a16:creationId xmlns:a16="http://schemas.microsoft.com/office/drawing/2014/main" id="{E9D7003F-B8E9-477A-BDE3-C3666EFF1B87}"/>
+              </a:ext>
+            </a:extLst>
+          </p:cNvPr>
+          <p:cNvSpPr/>
+          <p:nvPr/>
+        </p:nvSpPr>
+        <p:spPr>
+          <a:xfrm>
+            <a:off x="4678522" y="97053"/>
+            <a:ext cx="886731" cy="162653"/>
+          </a:xfrm>
+          <a:prstGeom prst="rect">
+            <a:avLst/>
+          </a:prstGeom>
+          <a:solidFill>
+            <a:schemeClr val="bg1"/>
+          </a:solidFill>
+        </p:spPr>
+        <p:style>
+          <a:lnRef idx="2">
+            <a:schemeClr val="accent1">
+              <a:shade val="50000"/>
+            </a:schemeClr>
+          </a:lnRef>
+          <a:fillRef idx="1">
+            <a:schemeClr val="accent1"/>
+          </a:fillRef>
+          <a:effectRef idx="0">
+            <a:schemeClr val="accent1"/>
+          </a:effectRef>
+          <a:fontRef idx="minor">
+            <a:schemeClr val="lt1"/>
+          </a:fontRef>
+        </p:style>
+        <p:txBody>
+          <a:bodyPr rtlCol="0" anchor="ctr"/>
+          <a:lstStyle/>
+          <a:p>
+            <a:pPr algn="ctr"/>
+            <a:r>
+              <a:rPr lang="en-US" sz="1400" dirty="0">
+                <a:solidFill>
+                  <a:schemeClr val="tx1"/>
+                </a:solidFill>
+              </a:rPr>
+              <a:t>IP</a:t>
+            </a:r>
+          </a:p>
+        </p:txBody>
+      </p:sp>
+      <p:sp>
+        <p:nvSpPr>
+          <p:cNvPr id="35" name="TextBox 34">
+            <a:extLst>
+              <a:ext uri="{FF2B5EF4-FFF2-40B4-BE49-F238E27FC236}">
+                <a16:creationId xmlns:a16="http://schemas.microsoft.com/office/drawing/2014/main" id="{6285DFFE-E2B3-42B6-9839-E76DA02B165D}"/>
+              </a:ext>
+            </a:extLst>
+          </p:cNvPr>
+          <p:cNvSpPr txBox="1"/>
+          <p:nvPr/>
+        </p:nvSpPr>
+        <p:spPr>
+          <a:xfrm>
+            <a:off x="10527816" y="300064"/>
+            <a:ext cx="1154512" cy="307777"/>
+          </a:xfrm>
+          <a:prstGeom prst="rect">
+            <a:avLst/>
+          </a:prstGeom>
+          <a:noFill/>
+        </p:spPr>
+        <p:txBody>
+          <a:bodyPr wrap="square" rtlCol="0">
+            <a:spAutoFit/>
+          </a:bodyPr>
+          <a:lstStyle/>
+          <a:p>
+            <a:r>
+              <a:rPr lang="en-US" sz="1400" dirty="0"/>
+              <a:t>Cluster</a:t>
+            </a:r>
+            <a:endParaRPr lang="en-US" dirty="0"/>
+          </a:p>
+        </p:txBody>
+      </p:sp>
+      <p:sp>
+        <p:nvSpPr>
+          <p:cNvPr id="2048" name="TextBox 2047">
+            <a:extLst>
+              <a:ext uri="{FF2B5EF4-FFF2-40B4-BE49-F238E27FC236}">
+                <a16:creationId xmlns:a16="http://schemas.microsoft.com/office/drawing/2014/main" id="{08DB9225-B168-4F8D-ACE1-1C7888903999}"/>
+              </a:ext>
+            </a:extLst>
+          </p:cNvPr>
+          <p:cNvSpPr txBox="1"/>
+          <p:nvPr/>
+        </p:nvSpPr>
+        <p:spPr>
+          <a:xfrm>
+            <a:off x="6068200" y="2957970"/>
+            <a:ext cx="467738" cy="307777"/>
+          </a:xfrm>
+          <a:prstGeom prst="rect">
+            <a:avLst/>
+          </a:prstGeom>
+          <a:noFill/>
+        </p:spPr>
+        <p:txBody>
+          <a:bodyPr wrap="square" rtlCol="0">
+            <a:spAutoFit/>
+          </a:bodyPr>
+          <a:lstStyle/>
+          <a:p>
+            <a:r>
+              <a:rPr lang="en-US" sz="1400" dirty="0">
                 <a:solidFill>
                   <a:schemeClr val="bg1"/>
                 </a:solidFill>
-                <a:latin typeface="+mj-lt"/>
-                <a:ea typeface="+mj-ea"/>
-                <a:cs typeface="+mj-cs"/>
               </a:rPr>
-              <a:t>: configuration of your application that describes what state do you need (CPU, memory, env. vars, docker image version, disks, number of running instances, deploy strategy, etc.)</a:t>
-            </a:r>
-          </a:p>
-          <a:p>
-            <a:r>
-              <a:rPr lang="en-US" sz="2400" b="1" dirty="0">
+              <a:t>Pod</a:t>
+            </a:r>
+            <a:endParaRPr lang="en-US" dirty="0">
+              <a:solidFill>
+                <a:schemeClr val="bg1"/>
+              </a:solidFill>
+            </a:endParaRPr>
+          </a:p>
+        </p:txBody>
+      </p:sp>
+      <p:sp>
+        <p:nvSpPr>
+          <p:cNvPr id="38" name="TextBox 37">
+            <a:extLst>
+              <a:ext uri="{FF2B5EF4-FFF2-40B4-BE49-F238E27FC236}">
+                <a16:creationId xmlns:a16="http://schemas.microsoft.com/office/drawing/2014/main" id="{66A81C4A-0F0F-45C4-9CAA-783C46A25734}"/>
+              </a:ext>
+            </a:extLst>
+          </p:cNvPr>
+          <p:cNvSpPr txBox="1"/>
+          <p:nvPr/>
+        </p:nvSpPr>
+        <p:spPr>
+          <a:xfrm>
+            <a:off x="7715543" y="2964398"/>
+            <a:ext cx="467738" cy="307777"/>
+          </a:xfrm>
+          <a:prstGeom prst="rect">
+            <a:avLst/>
+          </a:prstGeom>
+          <a:noFill/>
+        </p:spPr>
+        <p:txBody>
+          <a:bodyPr wrap="square" rtlCol="0">
+            <a:spAutoFit/>
+          </a:bodyPr>
+          <a:lstStyle/>
+          <a:p>
+            <a:r>
+              <a:rPr lang="en-US" sz="1400" dirty="0">
                 <a:solidFill>
                   <a:schemeClr val="bg1"/>
                 </a:solidFill>
-                <a:latin typeface="+mj-lt"/>
-                <a:ea typeface="+mj-ea"/>
-                <a:cs typeface="+mj-cs"/>
               </a:rPr>
-              <a:t>service</a:t>
-            </a:r>
-            <a:r>
-              <a:rPr lang="en-US" sz="2400" dirty="0">
+              <a:t>Pod</a:t>
+            </a:r>
+            <a:endParaRPr lang="en-US" dirty="0">
+              <a:solidFill>
+                <a:schemeClr val="bg1"/>
+              </a:solidFill>
+            </a:endParaRPr>
+          </a:p>
+        </p:txBody>
+      </p:sp>
+      <p:sp>
+        <p:nvSpPr>
+          <p:cNvPr id="39" name="TextBox 38">
+            <a:extLst>
+              <a:ext uri="{FF2B5EF4-FFF2-40B4-BE49-F238E27FC236}">
+                <a16:creationId xmlns:a16="http://schemas.microsoft.com/office/drawing/2014/main" id="{6497D115-4BA6-4F57-B45A-02E90C5B29F6}"/>
+              </a:ext>
+            </a:extLst>
+          </p:cNvPr>
+          <p:cNvSpPr txBox="1"/>
+          <p:nvPr/>
+        </p:nvSpPr>
+        <p:spPr>
+          <a:xfrm>
+            <a:off x="10486343" y="3045033"/>
+            <a:ext cx="467738" cy="307777"/>
+          </a:xfrm>
+          <a:prstGeom prst="rect">
+            <a:avLst/>
+          </a:prstGeom>
+          <a:noFill/>
+        </p:spPr>
+        <p:txBody>
+          <a:bodyPr wrap="square" rtlCol="0">
+            <a:spAutoFit/>
+          </a:bodyPr>
+          <a:lstStyle/>
+          <a:p>
+            <a:r>
+              <a:rPr lang="en-US" sz="1400" dirty="0">
                 <a:solidFill>
                   <a:schemeClr val="bg1"/>
                 </a:solidFill>
-                <a:latin typeface="+mj-lt"/>
-                <a:ea typeface="+mj-ea"/>
-                <a:cs typeface="+mj-cs"/>
               </a:rPr>
-              <a:t>: exposes your running pods by label(s) to other apps or to the outside world on the desired IP and port</a:t>
-            </a:r>
-          </a:p>
-          <a:p>
-            <a:r>
-              <a:rPr lang="en-US" sz="2400" b="1" dirty="0">
-                <a:solidFill>
-                  <a:schemeClr val="bg1"/>
-                </a:solidFill>
-                <a:latin typeface="+mj-lt"/>
-                <a:ea typeface="+mj-ea"/>
-                <a:cs typeface="+mj-cs"/>
-              </a:rPr>
-              <a:t>volume: </a:t>
-            </a:r>
-            <a:r>
-              <a:rPr lang="en-US" sz="2400" dirty="0">
-                <a:solidFill>
-                  <a:schemeClr val="bg1"/>
-                </a:solidFill>
-                <a:latin typeface="+mj-lt"/>
-                <a:ea typeface="+mj-ea"/>
-                <a:cs typeface="+mj-cs"/>
-              </a:rPr>
-              <a:t>provides persistent storage space, can be on host or any cloud storage</a:t>
-            </a:r>
-            <a:endParaRPr lang="en-US" sz="2400" b="1" dirty="0">
+              <a:t>Pod</a:t>
+            </a:r>
+            <a:endParaRPr lang="en-US" dirty="0">
               <a:solidFill>
                 <a:schemeClr val="bg1"/>
               </a:solidFill>
-              <a:latin typeface="+mj-lt"/>
-              <a:ea typeface="+mj-ea"/>
-              <a:cs typeface="+mj-cs"/>
             </a:endParaRPr>
           </a:p>
         </p:txBody>
       </p:sp>
+      <p:pic>
+        <p:nvPicPr>
+          <p:cNvPr id="2049" name="Picture 2048">
+            <a:extLst>
+              <a:ext uri="{FF2B5EF4-FFF2-40B4-BE49-F238E27FC236}">
+                <a16:creationId xmlns:a16="http://schemas.microsoft.com/office/drawing/2014/main" id="{391D8752-AC1D-4A25-B245-EEB14FEBEBA9}"/>
+              </a:ext>
+            </a:extLst>
+          </p:cNvPr>
+          <p:cNvPicPr>
+            <a:picLocks noChangeAspect="1"/>
+          </p:cNvPicPr>
+          <p:nvPr/>
+        </p:nvPicPr>
+        <p:blipFill>
+          <a:blip r:embed="rId2"/>
+          <a:stretch>
+            <a:fillRect/>
+          </a:stretch>
+        </p:blipFill>
+        <p:spPr>
+          <a:xfrm>
+            <a:off x="4678522" y="3947695"/>
+            <a:ext cx="5076890" cy="2065769"/>
+          </a:xfrm>
+          <a:prstGeom prst="rect">
+            <a:avLst/>
+          </a:prstGeom>
+        </p:spPr>
+      </p:pic>
     </p:spTree>
     <p:extLst>
       <p:ext uri="{BB962C8B-B14F-4D97-AF65-F5344CB8AC3E}">
-        <p14:creationId xmlns:p14="http://schemas.microsoft.com/office/powerpoint/2010/main" val="1811501394"/>
+        <p14:creationId xmlns:p14="http://schemas.microsoft.com/office/powerpoint/2010/main" val="204129038"/>
       </p:ext>
     </p:extLst>
   </p:cSld>
@@ -4426,7 +6156,7 @@
 </p:sld>
 </file>
 
-<file path=ppt/slides/slide4.xml><?xml version="1.0" encoding="utf-8"?>
+<file path=ppt/slides/slide6.xml><?xml version="1.0" encoding="utf-8"?>
 <p:sld xmlns:a="http://schemas.openxmlformats.org/drawingml/2006/main" xmlns:r="http://schemas.openxmlformats.org/officeDocument/2006/relationships" xmlns:p="http://schemas.openxmlformats.org/presentationml/2006/main">
   <p:cSld>
     <p:bg>
@@ -4483,17 +6213,913 @@
                   <a:schemeClr val="bg1"/>
                 </a:solidFill>
               </a:rPr>
-              <a:t>K8s Architecture</a:t>
-            </a:r>
-          </a:p>
-        </p:txBody>
-      </p:sp>
+              <a:t>Service</a:t>
+            </a:r>
+          </a:p>
+        </p:txBody>
+      </p:sp>
+      <p:sp>
+        <p:nvSpPr>
+          <p:cNvPr id="4" name="Content Placeholder 2">
+            <a:extLst>
+              <a:ext uri="{FF2B5EF4-FFF2-40B4-BE49-F238E27FC236}">
+                <a16:creationId xmlns:a16="http://schemas.microsoft.com/office/drawing/2014/main" id="{A112B3E0-437F-4B03-A42E-2167007C2E79}"/>
+              </a:ext>
+            </a:extLst>
+          </p:cNvPr>
+          <p:cNvSpPr>
+            <a:spLocks noGrp="1"/>
+          </p:cNvSpPr>
+          <p:nvPr>
+            <p:ph idx="1"/>
+          </p:nvPr>
+        </p:nvSpPr>
+        <p:spPr>
+          <a:xfrm>
+            <a:off x="371272" y="1360467"/>
+            <a:ext cx="3480881" cy="3327251"/>
+          </a:xfrm>
+        </p:spPr>
+        <p:txBody>
+          <a:bodyPr>
+            <a:normAutofit/>
+          </a:bodyPr>
+          <a:lstStyle/>
+          <a:p>
+            <a:r>
+              <a:rPr lang="en-US" sz="1900" dirty="0">
+                <a:solidFill>
+                  <a:schemeClr val="bg1"/>
+                </a:solidFill>
+                <a:latin typeface="+mj-lt"/>
+                <a:ea typeface="+mj-ea"/>
+                <a:cs typeface="+mj-cs"/>
+              </a:rPr>
+              <a:t>Pods are mortal</a:t>
+            </a:r>
+          </a:p>
+          <a:p>
+            <a:r>
+              <a:rPr lang="en-US" sz="1900" dirty="0">
+                <a:solidFill>
+                  <a:schemeClr val="bg1"/>
+                </a:solidFill>
+                <a:latin typeface="+mj-lt"/>
+                <a:ea typeface="+mj-ea"/>
+                <a:cs typeface="+mj-cs"/>
+              </a:rPr>
+              <a:t>Pod IPs are not static</a:t>
+            </a:r>
+          </a:p>
+          <a:p>
+            <a:r>
+              <a:rPr lang="en-US" sz="1900" dirty="0">
+                <a:solidFill>
+                  <a:schemeClr val="bg1"/>
+                </a:solidFill>
+                <a:latin typeface="+mj-lt"/>
+                <a:ea typeface="+mj-ea"/>
+                <a:cs typeface="+mj-cs"/>
+              </a:rPr>
+              <a:t>Service is an abstraction which defines logical set of pods</a:t>
+            </a:r>
+          </a:p>
+        </p:txBody>
+      </p:sp>
+      <p:grpSp>
+        <p:nvGrpSpPr>
+          <p:cNvPr id="68" name="Group 67">
+            <a:extLst>
+              <a:ext uri="{FF2B5EF4-FFF2-40B4-BE49-F238E27FC236}">
+                <a16:creationId xmlns:a16="http://schemas.microsoft.com/office/drawing/2014/main" id="{7C390DCA-2800-4DA8-8E23-2315DC30E172}"/>
+              </a:ext>
+            </a:extLst>
+          </p:cNvPr>
+          <p:cNvGrpSpPr/>
+          <p:nvPr/>
+        </p:nvGrpSpPr>
+        <p:grpSpPr>
+          <a:xfrm>
+            <a:off x="4162095" y="819806"/>
+            <a:ext cx="4650829" cy="4647878"/>
+            <a:chOff x="5549461" y="1087820"/>
+            <a:chExt cx="4996773" cy="3676007"/>
+          </a:xfrm>
+        </p:grpSpPr>
+        <p:sp>
+          <p:nvSpPr>
+            <p:cNvPr id="3" name="Rectangle 2">
+              <a:extLst>
+                <a:ext uri="{FF2B5EF4-FFF2-40B4-BE49-F238E27FC236}">
+                  <a16:creationId xmlns:a16="http://schemas.microsoft.com/office/drawing/2014/main" id="{BA87C4A5-2AFD-47D8-BE83-FAEC1ADB5C97}"/>
+                </a:ext>
+              </a:extLst>
+            </p:cNvPr>
+            <p:cNvSpPr/>
+            <p:nvPr/>
+          </p:nvSpPr>
+          <p:spPr>
+            <a:xfrm>
+              <a:off x="5549461" y="1087820"/>
+              <a:ext cx="4895194" cy="3676007"/>
+            </a:xfrm>
+            <a:prstGeom prst="rect">
+              <a:avLst/>
+            </a:prstGeom>
+          </p:spPr>
+          <p:style>
+            <a:lnRef idx="2">
+              <a:schemeClr val="accent1">
+                <a:shade val="50000"/>
+              </a:schemeClr>
+            </a:lnRef>
+            <a:fillRef idx="1">
+              <a:schemeClr val="accent1"/>
+            </a:fillRef>
+            <a:effectRef idx="0">
+              <a:schemeClr val="accent1"/>
+            </a:effectRef>
+            <a:fontRef idx="minor">
+              <a:schemeClr val="lt1"/>
+            </a:fontRef>
+          </p:style>
+          <p:txBody>
+            <a:bodyPr rtlCol="0" anchor="ctr"/>
+            <a:lstStyle/>
+            <a:p>
+              <a:pPr algn="ctr"/>
+              <a:endParaRPr lang="en-US"/>
+            </a:p>
+          </p:txBody>
+        </p:sp>
+        <p:sp>
+          <p:nvSpPr>
+            <p:cNvPr id="5" name="Rectangle 4">
+              <a:extLst>
+                <a:ext uri="{FF2B5EF4-FFF2-40B4-BE49-F238E27FC236}">
+                  <a16:creationId xmlns:a16="http://schemas.microsoft.com/office/drawing/2014/main" id="{12B8EAFB-523C-432A-8369-9EE52241EA6F}"/>
+                </a:ext>
+              </a:extLst>
+            </p:cNvPr>
+            <p:cNvSpPr/>
+            <p:nvPr/>
+          </p:nvSpPr>
+          <p:spPr>
+            <a:xfrm>
+              <a:off x="5793826" y="1600200"/>
+              <a:ext cx="3972911" cy="2962714"/>
+            </a:xfrm>
+            <a:prstGeom prst="rect">
+              <a:avLst/>
+            </a:prstGeom>
+          </p:spPr>
+          <p:style>
+            <a:lnRef idx="2">
+              <a:schemeClr val="accent2">
+                <a:shade val="50000"/>
+              </a:schemeClr>
+            </a:lnRef>
+            <a:fillRef idx="1">
+              <a:schemeClr val="accent2"/>
+            </a:fillRef>
+            <a:effectRef idx="0">
+              <a:schemeClr val="accent2"/>
+            </a:effectRef>
+            <a:fontRef idx="minor">
+              <a:schemeClr val="lt1"/>
+            </a:fontRef>
+          </p:style>
+          <p:txBody>
+            <a:bodyPr rtlCol="0" anchor="ctr"/>
+            <a:lstStyle/>
+            <a:p>
+              <a:pPr algn="ctr"/>
+              <a:endParaRPr lang="en-US" dirty="0"/>
+            </a:p>
+          </p:txBody>
+        </p:sp>
+        <p:sp>
+          <p:nvSpPr>
+            <p:cNvPr id="7" name="Rectangle 6">
+              <a:extLst>
+                <a:ext uri="{FF2B5EF4-FFF2-40B4-BE49-F238E27FC236}">
+                  <a16:creationId xmlns:a16="http://schemas.microsoft.com/office/drawing/2014/main" id="{47FABA8E-CDE5-43A9-AF04-E27426975D48}"/>
+                </a:ext>
+              </a:extLst>
+            </p:cNvPr>
+            <p:cNvSpPr/>
+            <p:nvPr/>
+          </p:nvSpPr>
+          <p:spPr>
+            <a:xfrm>
+              <a:off x="6387160" y="3807372"/>
+              <a:ext cx="702075" cy="410842"/>
+            </a:xfrm>
+            <a:prstGeom prst="rect">
+              <a:avLst/>
+            </a:prstGeom>
+          </p:spPr>
+          <p:style>
+            <a:lnRef idx="2">
+              <a:schemeClr val="accent6">
+                <a:shade val="50000"/>
+              </a:schemeClr>
+            </a:lnRef>
+            <a:fillRef idx="1">
+              <a:schemeClr val="accent6"/>
+            </a:fillRef>
+            <a:effectRef idx="0">
+              <a:schemeClr val="accent6"/>
+            </a:effectRef>
+            <a:fontRef idx="minor">
+              <a:schemeClr val="lt1"/>
+            </a:fontRef>
+          </p:style>
+          <p:txBody>
+            <a:bodyPr rtlCol="0" anchor="ctr"/>
+            <a:lstStyle/>
+            <a:p>
+              <a:pPr algn="ctr"/>
+              <a:r>
+                <a:rPr lang="en-US" dirty="0"/>
+                <a:t>Pod</a:t>
+              </a:r>
+            </a:p>
+          </p:txBody>
+        </p:sp>
+        <p:sp>
+          <p:nvSpPr>
+            <p:cNvPr id="24" name="Rectangle 23">
+              <a:extLst>
+                <a:ext uri="{FF2B5EF4-FFF2-40B4-BE49-F238E27FC236}">
+                  <a16:creationId xmlns:a16="http://schemas.microsoft.com/office/drawing/2014/main" id="{77562D80-88B2-486E-B885-1BB7065728BB}"/>
+                </a:ext>
+              </a:extLst>
+            </p:cNvPr>
+            <p:cNvSpPr/>
+            <p:nvPr/>
+          </p:nvSpPr>
+          <p:spPr>
+            <a:xfrm>
+              <a:off x="6387159" y="3285679"/>
+              <a:ext cx="2812593" cy="330096"/>
+            </a:xfrm>
+            <a:prstGeom prst="rect">
+              <a:avLst/>
+            </a:prstGeom>
+          </p:spPr>
+          <p:style>
+            <a:lnRef idx="2">
+              <a:schemeClr val="accent1">
+                <a:shade val="50000"/>
+              </a:schemeClr>
+            </a:lnRef>
+            <a:fillRef idx="1">
+              <a:schemeClr val="accent1"/>
+            </a:fillRef>
+            <a:effectRef idx="0">
+              <a:schemeClr val="accent1"/>
+            </a:effectRef>
+            <a:fontRef idx="minor">
+              <a:schemeClr val="lt1"/>
+            </a:fontRef>
+          </p:style>
+          <p:txBody>
+            <a:bodyPr rtlCol="0" anchor="ctr"/>
+            <a:lstStyle/>
+            <a:p>
+              <a:pPr algn="ctr"/>
+              <a:r>
+                <a:rPr lang="en-US" sz="1400" dirty="0"/>
+                <a:t>Service</a:t>
+              </a:r>
+              <a:endParaRPr lang="en-US" sz="900" dirty="0"/>
+            </a:p>
+          </p:txBody>
+        </p:sp>
+        <p:sp>
+          <p:nvSpPr>
+            <p:cNvPr id="27" name="TextBox 26">
+              <a:extLst>
+                <a:ext uri="{FF2B5EF4-FFF2-40B4-BE49-F238E27FC236}">
+                  <a16:creationId xmlns:a16="http://schemas.microsoft.com/office/drawing/2014/main" id="{25706B38-DED8-4EC0-87F1-157B977E74FC}"/>
+                </a:ext>
+              </a:extLst>
+            </p:cNvPr>
+            <p:cNvSpPr txBox="1"/>
+            <p:nvPr/>
+          </p:nvSpPr>
+          <p:spPr>
+            <a:xfrm>
+              <a:off x="9199352" y="1628346"/>
+              <a:ext cx="884050" cy="472866"/>
+            </a:xfrm>
+            <a:prstGeom prst="rect">
+              <a:avLst/>
+            </a:prstGeom>
+            <a:noFill/>
+          </p:spPr>
+          <p:txBody>
+            <a:bodyPr wrap="square" rtlCol="0">
+              <a:spAutoFit/>
+            </a:bodyPr>
+            <a:lstStyle/>
+            <a:p>
+              <a:r>
+                <a:rPr lang="en-US" sz="1400" dirty="0"/>
+                <a:t>Node</a:t>
+              </a:r>
+              <a:endParaRPr lang="en-US" dirty="0"/>
+            </a:p>
+          </p:txBody>
+        </p:sp>
+        <p:sp>
+          <p:nvSpPr>
+            <p:cNvPr id="35" name="TextBox 34">
+              <a:extLst>
+                <a:ext uri="{FF2B5EF4-FFF2-40B4-BE49-F238E27FC236}">
+                  <a16:creationId xmlns:a16="http://schemas.microsoft.com/office/drawing/2014/main" id="{6285DFFE-E2B3-42B6-9839-E76DA02B165D}"/>
+                </a:ext>
+              </a:extLst>
+            </p:cNvPr>
+            <p:cNvSpPr txBox="1"/>
+            <p:nvPr/>
+          </p:nvSpPr>
+          <p:spPr>
+            <a:xfrm>
+              <a:off x="9777135" y="1087820"/>
+              <a:ext cx="769099" cy="307777"/>
+            </a:xfrm>
+            <a:prstGeom prst="rect">
+              <a:avLst/>
+            </a:prstGeom>
+            <a:noFill/>
+          </p:spPr>
+          <p:txBody>
+            <a:bodyPr wrap="square" rtlCol="0">
+              <a:spAutoFit/>
+            </a:bodyPr>
+            <a:lstStyle/>
+            <a:p>
+              <a:r>
+                <a:rPr lang="en-US" sz="1400" dirty="0"/>
+                <a:t>Cluster</a:t>
+              </a:r>
+              <a:endParaRPr lang="en-US" dirty="0"/>
+            </a:p>
+          </p:txBody>
+        </p:sp>
+        <p:sp>
+          <p:nvSpPr>
+            <p:cNvPr id="38" name="Rectangle 37">
+              <a:extLst>
+                <a:ext uri="{FF2B5EF4-FFF2-40B4-BE49-F238E27FC236}">
+                  <a16:creationId xmlns:a16="http://schemas.microsoft.com/office/drawing/2014/main" id="{6F44E9E3-F172-4407-8AAB-0A1E91CCB8FB}"/>
+                </a:ext>
+              </a:extLst>
+            </p:cNvPr>
+            <p:cNvSpPr/>
+            <p:nvPr/>
+          </p:nvSpPr>
+          <p:spPr>
+            <a:xfrm>
+              <a:off x="7307700" y="2602494"/>
+              <a:ext cx="702075" cy="410842"/>
+            </a:xfrm>
+            <a:prstGeom prst="rect">
+              <a:avLst/>
+            </a:prstGeom>
+          </p:spPr>
+          <p:style>
+            <a:lnRef idx="2">
+              <a:schemeClr val="accent6">
+                <a:shade val="50000"/>
+              </a:schemeClr>
+            </a:lnRef>
+            <a:fillRef idx="1">
+              <a:schemeClr val="accent6"/>
+            </a:fillRef>
+            <a:effectRef idx="0">
+              <a:schemeClr val="accent6"/>
+            </a:effectRef>
+            <a:fontRef idx="minor">
+              <a:schemeClr val="lt1"/>
+            </a:fontRef>
+          </p:style>
+          <p:txBody>
+            <a:bodyPr rtlCol="0" anchor="ctr"/>
+            <a:lstStyle/>
+            <a:p>
+              <a:pPr algn="ctr"/>
+              <a:r>
+                <a:rPr lang="en-US" dirty="0"/>
+                <a:t>Pod</a:t>
+              </a:r>
+            </a:p>
+          </p:txBody>
+        </p:sp>
+        <p:sp>
+          <p:nvSpPr>
+            <p:cNvPr id="39" name="Rectangle 38">
+              <a:extLst>
+                <a:ext uri="{FF2B5EF4-FFF2-40B4-BE49-F238E27FC236}">
+                  <a16:creationId xmlns:a16="http://schemas.microsoft.com/office/drawing/2014/main" id="{48E57A7C-D729-4933-B851-5148712D2192}"/>
+                </a:ext>
+              </a:extLst>
+            </p:cNvPr>
+            <p:cNvSpPr/>
+            <p:nvPr/>
+          </p:nvSpPr>
+          <p:spPr>
+            <a:xfrm>
+              <a:off x="8497678" y="3807372"/>
+              <a:ext cx="702075" cy="410842"/>
+            </a:xfrm>
+            <a:prstGeom prst="rect">
+              <a:avLst/>
+            </a:prstGeom>
+          </p:spPr>
+          <p:style>
+            <a:lnRef idx="2">
+              <a:schemeClr val="accent6">
+                <a:shade val="50000"/>
+              </a:schemeClr>
+            </a:lnRef>
+            <a:fillRef idx="1">
+              <a:schemeClr val="accent6"/>
+            </a:fillRef>
+            <a:effectRef idx="0">
+              <a:schemeClr val="accent6"/>
+            </a:effectRef>
+            <a:fontRef idx="minor">
+              <a:schemeClr val="lt1"/>
+            </a:fontRef>
+          </p:style>
+          <p:txBody>
+            <a:bodyPr rtlCol="0" anchor="ctr"/>
+            <a:lstStyle/>
+            <a:p>
+              <a:pPr algn="ctr"/>
+              <a:r>
+                <a:rPr lang="en-US" dirty="0"/>
+                <a:t>Pod</a:t>
+              </a:r>
+            </a:p>
+          </p:txBody>
+        </p:sp>
+        <p:sp>
+          <p:nvSpPr>
+            <p:cNvPr id="40" name="Rectangle 39">
+              <a:extLst>
+                <a:ext uri="{FF2B5EF4-FFF2-40B4-BE49-F238E27FC236}">
+                  <a16:creationId xmlns:a16="http://schemas.microsoft.com/office/drawing/2014/main" id="{9659E856-04AA-4159-BAF8-AAAEF75719D8}"/>
+                </a:ext>
+              </a:extLst>
+            </p:cNvPr>
+            <p:cNvSpPr/>
+            <p:nvPr/>
+          </p:nvSpPr>
+          <p:spPr>
+            <a:xfrm>
+              <a:off x="6387159" y="2617922"/>
+              <a:ext cx="702075" cy="410842"/>
+            </a:xfrm>
+            <a:prstGeom prst="rect">
+              <a:avLst/>
+            </a:prstGeom>
+          </p:spPr>
+          <p:style>
+            <a:lnRef idx="2">
+              <a:schemeClr val="accent6">
+                <a:shade val="50000"/>
+              </a:schemeClr>
+            </a:lnRef>
+            <a:fillRef idx="1">
+              <a:schemeClr val="accent6"/>
+            </a:fillRef>
+            <a:effectRef idx="0">
+              <a:schemeClr val="accent6"/>
+            </a:effectRef>
+            <a:fontRef idx="minor">
+              <a:schemeClr val="lt1"/>
+            </a:fontRef>
+          </p:style>
+          <p:txBody>
+            <a:bodyPr rtlCol="0" anchor="ctr"/>
+            <a:lstStyle/>
+            <a:p>
+              <a:pPr algn="ctr"/>
+              <a:r>
+                <a:rPr lang="en-US" dirty="0"/>
+                <a:t>Pod</a:t>
+              </a:r>
+            </a:p>
+          </p:txBody>
+        </p:sp>
+        <p:sp>
+          <p:nvSpPr>
+            <p:cNvPr id="41" name="Rectangle 40">
+              <a:extLst>
+                <a:ext uri="{FF2B5EF4-FFF2-40B4-BE49-F238E27FC236}">
+                  <a16:creationId xmlns:a16="http://schemas.microsoft.com/office/drawing/2014/main" id="{C9E48847-3015-4C10-8B07-F08B40DF53C6}"/>
+                </a:ext>
+              </a:extLst>
+            </p:cNvPr>
+            <p:cNvSpPr/>
+            <p:nvPr/>
+          </p:nvSpPr>
+          <p:spPr>
+            <a:xfrm>
+              <a:off x="7442417" y="3807372"/>
+              <a:ext cx="702075" cy="410842"/>
+            </a:xfrm>
+            <a:prstGeom prst="rect">
+              <a:avLst/>
+            </a:prstGeom>
+          </p:spPr>
+          <p:style>
+            <a:lnRef idx="2">
+              <a:schemeClr val="accent6">
+                <a:shade val="50000"/>
+              </a:schemeClr>
+            </a:lnRef>
+            <a:fillRef idx="1">
+              <a:schemeClr val="accent6"/>
+            </a:fillRef>
+            <a:effectRef idx="0">
+              <a:schemeClr val="accent6"/>
+            </a:effectRef>
+            <a:fontRef idx="minor">
+              <a:schemeClr val="lt1"/>
+            </a:fontRef>
+          </p:style>
+          <p:txBody>
+            <a:bodyPr rtlCol="0" anchor="ctr"/>
+            <a:lstStyle/>
+            <a:p>
+              <a:pPr algn="ctr"/>
+              <a:r>
+                <a:rPr lang="en-US" dirty="0"/>
+                <a:t>Pod</a:t>
+              </a:r>
+            </a:p>
+          </p:txBody>
+        </p:sp>
+        <p:sp>
+          <p:nvSpPr>
+            <p:cNvPr id="44" name="Rectangle 43">
+              <a:extLst>
+                <a:ext uri="{FF2B5EF4-FFF2-40B4-BE49-F238E27FC236}">
+                  <a16:creationId xmlns:a16="http://schemas.microsoft.com/office/drawing/2014/main" id="{59C6F493-6147-49C8-8F51-260DE7364DAA}"/>
+                </a:ext>
+              </a:extLst>
+            </p:cNvPr>
+            <p:cNvSpPr/>
+            <p:nvPr/>
+          </p:nvSpPr>
+          <p:spPr>
+            <a:xfrm>
+              <a:off x="6311305" y="1948393"/>
+              <a:ext cx="2812593" cy="410842"/>
+            </a:xfrm>
+            <a:prstGeom prst="rect">
+              <a:avLst/>
+            </a:prstGeom>
+          </p:spPr>
+          <p:style>
+            <a:lnRef idx="2">
+              <a:schemeClr val="accent1">
+                <a:shade val="50000"/>
+              </a:schemeClr>
+            </a:lnRef>
+            <a:fillRef idx="1">
+              <a:schemeClr val="accent1"/>
+            </a:fillRef>
+            <a:effectRef idx="0">
+              <a:schemeClr val="accent1"/>
+            </a:effectRef>
+            <a:fontRef idx="minor">
+              <a:schemeClr val="lt1"/>
+            </a:fontRef>
+          </p:style>
+          <p:txBody>
+            <a:bodyPr rtlCol="0" anchor="ctr"/>
+            <a:lstStyle/>
+            <a:p>
+              <a:pPr algn="ctr"/>
+              <a:r>
+                <a:rPr lang="en-US" sz="1400" dirty="0"/>
+                <a:t>Service</a:t>
+              </a:r>
+              <a:endParaRPr lang="en-US" sz="900" dirty="0"/>
+            </a:p>
+          </p:txBody>
+        </p:sp>
+        <p:cxnSp>
+          <p:nvCxnSpPr>
+            <p:cNvPr id="9" name="Straight Arrow Connector 8">
+              <a:extLst>
+                <a:ext uri="{FF2B5EF4-FFF2-40B4-BE49-F238E27FC236}">
+                  <a16:creationId xmlns:a16="http://schemas.microsoft.com/office/drawing/2014/main" id="{03FC882E-98F8-475F-B1F9-8BEF40532B21}"/>
+                </a:ext>
+              </a:extLst>
+            </p:cNvPr>
+            <p:cNvCxnSpPr>
+              <a:stCxn id="44" idx="2"/>
+              <a:endCxn id="40" idx="0"/>
+            </p:cNvCxnSpPr>
+            <p:nvPr/>
+          </p:nvCxnSpPr>
+          <p:spPr>
+            <a:xfrm flipH="1">
+              <a:off x="6738197" y="2359235"/>
+              <a:ext cx="979405" cy="258687"/>
+            </a:xfrm>
+            <a:prstGeom prst="straightConnector1">
+              <a:avLst/>
+            </a:prstGeom>
+            <a:ln w="12700">
+              <a:tailEnd type="triangle"/>
+            </a:ln>
+          </p:spPr>
+          <p:style>
+            <a:lnRef idx="1">
+              <a:schemeClr val="dk1"/>
+            </a:lnRef>
+            <a:fillRef idx="0">
+              <a:schemeClr val="dk1"/>
+            </a:fillRef>
+            <a:effectRef idx="0">
+              <a:schemeClr val="dk1"/>
+            </a:effectRef>
+            <a:fontRef idx="minor">
+              <a:schemeClr val="tx1"/>
+            </a:fontRef>
+          </p:style>
+        </p:cxnSp>
+        <p:cxnSp>
+          <p:nvCxnSpPr>
+            <p:cNvPr id="45" name="Straight Arrow Connector 44">
+              <a:extLst>
+                <a:ext uri="{FF2B5EF4-FFF2-40B4-BE49-F238E27FC236}">
+                  <a16:creationId xmlns:a16="http://schemas.microsoft.com/office/drawing/2014/main" id="{B2294442-5FCE-434B-BDFD-84E0FA2FAD4A}"/>
+                </a:ext>
+              </a:extLst>
+            </p:cNvPr>
+            <p:cNvCxnSpPr>
+              <a:cxnSpLocks/>
+              <a:endCxn id="38" idx="0"/>
+            </p:cNvCxnSpPr>
+            <p:nvPr/>
+          </p:nvCxnSpPr>
+          <p:spPr>
+            <a:xfrm flipH="1">
+              <a:off x="7658738" y="2359235"/>
+              <a:ext cx="82444" cy="243259"/>
+            </a:xfrm>
+            <a:prstGeom prst="straightConnector1">
+              <a:avLst/>
+            </a:prstGeom>
+            <a:ln w="12700">
+              <a:tailEnd type="triangle"/>
+            </a:ln>
+          </p:spPr>
+          <p:style>
+            <a:lnRef idx="1">
+              <a:schemeClr val="dk1"/>
+            </a:lnRef>
+            <a:fillRef idx="0">
+              <a:schemeClr val="dk1"/>
+            </a:fillRef>
+            <a:effectRef idx="0">
+              <a:schemeClr val="dk1"/>
+            </a:effectRef>
+            <a:fontRef idx="minor">
+              <a:schemeClr val="tx1"/>
+            </a:fontRef>
+          </p:style>
+        </p:cxnSp>
+        <p:cxnSp>
+          <p:nvCxnSpPr>
+            <p:cNvPr id="46" name="Straight Arrow Connector 45">
+              <a:extLst>
+                <a:ext uri="{FF2B5EF4-FFF2-40B4-BE49-F238E27FC236}">
+                  <a16:creationId xmlns:a16="http://schemas.microsoft.com/office/drawing/2014/main" id="{D9A3CEEA-ADCB-4DB9-8BF3-B7C02A8A9884}"/>
+                </a:ext>
+              </a:extLst>
+            </p:cNvPr>
+            <p:cNvCxnSpPr>
+              <a:cxnSpLocks/>
+              <a:stCxn id="40" idx="2"/>
+              <a:endCxn id="24" idx="0"/>
+            </p:cNvCxnSpPr>
+            <p:nvPr/>
+          </p:nvCxnSpPr>
+          <p:spPr>
+            <a:xfrm>
+              <a:off x="6738197" y="3028764"/>
+              <a:ext cx="1055259" cy="256915"/>
+            </a:xfrm>
+            <a:prstGeom prst="straightConnector1">
+              <a:avLst/>
+            </a:prstGeom>
+            <a:ln w="12700">
+              <a:tailEnd type="triangle"/>
+            </a:ln>
+          </p:spPr>
+          <p:style>
+            <a:lnRef idx="1">
+              <a:schemeClr val="dk1"/>
+            </a:lnRef>
+            <a:fillRef idx="0">
+              <a:schemeClr val="dk1"/>
+            </a:fillRef>
+            <a:effectRef idx="0">
+              <a:schemeClr val="dk1"/>
+            </a:effectRef>
+            <a:fontRef idx="minor">
+              <a:schemeClr val="tx1"/>
+            </a:fontRef>
+          </p:style>
+        </p:cxnSp>
+        <p:cxnSp>
+          <p:nvCxnSpPr>
+            <p:cNvPr id="49" name="Straight Arrow Connector 48">
+              <a:extLst>
+                <a:ext uri="{FF2B5EF4-FFF2-40B4-BE49-F238E27FC236}">
+                  <a16:creationId xmlns:a16="http://schemas.microsoft.com/office/drawing/2014/main" id="{D95542E3-DE6D-47E7-BD73-B9F4FDEEF492}"/>
+                </a:ext>
+              </a:extLst>
+            </p:cNvPr>
+            <p:cNvCxnSpPr>
+              <a:cxnSpLocks/>
+              <a:stCxn id="38" idx="2"/>
+              <a:endCxn id="24" idx="0"/>
+            </p:cNvCxnSpPr>
+            <p:nvPr/>
+          </p:nvCxnSpPr>
+          <p:spPr>
+            <a:xfrm>
+              <a:off x="7658738" y="3013336"/>
+              <a:ext cx="134718" cy="272343"/>
+            </a:xfrm>
+            <a:prstGeom prst="straightConnector1">
+              <a:avLst/>
+            </a:prstGeom>
+            <a:ln w="12700">
+              <a:tailEnd type="triangle"/>
+            </a:ln>
+          </p:spPr>
+          <p:style>
+            <a:lnRef idx="1">
+              <a:schemeClr val="dk1"/>
+            </a:lnRef>
+            <a:fillRef idx="0">
+              <a:schemeClr val="dk1"/>
+            </a:fillRef>
+            <a:effectRef idx="0">
+              <a:schemeClr val="dk1"/>
+            </a:effectRef>
+            <a:fontRef idx="minor">
+              <a:schemeClr val="tx1"/>
+            </a:fontRef>
+          </p:style>
+        </p:cxnSp>
+        <p:cxnSp>
+          <p:nvCxnSpPr>
+            <p:cNvPr id="52" name="Straight Arrow Connector 51">
+              <a:extLst>
+                <a:ext uri="{FF2B5EF4-FFF2-40B4-BE49-F238E27FC236}">
+                  <a16:creationId xmlns:a16="http://schemas.microsoft.com/office/drawing/2014/main" id="{346C5C03-AEDB-4197-9FB3-A9FDE1C45AB6}"/>
+                </a:ext>
+              </a:extLst>
+            </p:cNvPr>
+            <p:cNvCxnSpPr>
+              <a:cxnSpLocks/>
+              <a:stCxn id="24" idx="2"/>
+              <a:endCxn id="7" idx="0"/>
+            </p:cNvCxnSpPr>
+            <p:nvPr/>
+          </p:nvCxnSpPr>
+          <p:spPr>
+            <a:xfrm flipH="1">
+              <a:off x="6738198" y="3615775"/>
+              <a:ext cx="1055258" cy="191597"/>
+            </a:xfrm>
+            <a:prstGeom prst="straightConnector1">
+              <a:avLst/>
+            </a:prstGeom>
+            <a:ln w="12700">
+              <a:tailEnd type="triangle"/>
+            </a:ln>
+          </p:spPr>
+          <p:style>
+            <a:lnRef idx="1">
+              <a:schemeClr val="dk1"/>
+            </a:lnRef>
+            <a:fillRef idx="0">
+              <a:schemeClr val="dk1"/>
+            </a:fillRef>
+            <a:effectRef idx="0">
+              <a:schemeClr val="dk1"/>
+            </a:effectRef>
+            <a:fontRef idx="minor">
+              <a:schemeClr val="tx1"/>
+            </a:fontRef>
+          </p:style>
+        </p:cxnSp>
+        <p:cxnSp>
+          <p:nvCxnSpPr>
+            <p:cNvPr id="55" name="Straight Arrow Connector 54">
+              <a:extLst>
+                <a:ext uri="{FF2B5EF4-FFF2-40B4-BE49-F238E27FC236}">
+                  <a16:creationId xmlns:a16="http://schemas.microsoft.com/office/drawing/2014/main" id="{F1CD8EC6-975E-4748-BF62-BA5BAA1CE629}"/>
+                </a:ext>
+              </a:extLst>
+            </p:cNvPr>
+            <p:cNvCxnSpPr>
+              <a:cxnSpLocks/>
+              <a:stCxn id="24" idx="2"/>
+            </p:cNvCxnSpPr>
+            <p:nvPr/>
+          </p:nvCxnSpPr>
+          <p:spPr>
+            <a:xfrm>
+              <a:off x="7793456" y="3615775"/>
+              <a:ext cx="26304" cy="176169"/>
+            </a:xfrm>
+            <a:prstGeom prst="straightConnector1">
+              <a:avLst/>
+            </a:prstGeom>
+            <a:ln w="12700">
+              <a:tailEnd type="triangle"/>
+            </a:ln>
+          </p:spPr>
+          <p:style>
+            <a:lnRef idx="1">
+              <a:schemeClr val="dk1"/>
+            </a:lnRef>
+            <a:fillRef idx="0">
+              <a:schemeClr val="dk1"/>
+            </a:fillRef>
+            <a:effectRef idx="0">
+              <a:schemeClr val="dk1"/>
+            </a:effectRef>
+            <a:fontRef idx="minor">
+              <a:schemeClr val="tx1"/>
+            </a:fontRef>
+          </p:style>
+        </p:cxnSp>
+        <p:cxnSp>
+          <p:nvCxnSpPr>
+            <p:cNvPr id="58" name="Straight Arrow Connector 57">
+              <a:extLst>
+                <a:ext uri="{FF2B5EF4-FFF2-40B4-BE49-F238E27FC236}">
+                  <a16:creationId xmlns:a16="http://schemas.microsoft.com/office/drawing/2014/main" id="{505E9E99-DBC3-410A-A3F2-2A4E5BBD653A}"/>
+                </a:ext>
+              </a:extLst>
+            </p:cNvPr>
+            <p:cNvCxnSpPr>
+              <a:cxnSpLocks/>
+              <a:stCxn id="24" idx="2"/>
+              <a:endCxn id="39" idx="0"/>
+            </p:cNvCxnSpPr>
+            <p:nvPr/>
+          </p:nvCxnSpPr>
+          <p:spPr>
+            <a:xfrm>
+              <a:off x="7793456" y="3615775"/>
+              <a:ext cx="1055260" cy="191597"/>
+            </a:xfrm>
+            <a:prstGeom prst="straightConnector1">
+              <a:avLst/>
+            </a:prstGeom>
+            <a:ln w="12700">
+              <a:tailEnd type="triangle"/>
+            </a:ln>
+          </p:spPr>
+          <p:style>
+            <a:lnRef idx="1">
+              <a:schemeClr val="dk1"/>
+            </a:lnRef>
+            <a:fillRef idx="0">
+              <a:schemeClr val="dk1"/>
+            </a:fillRef>
+            <a:effectRef idx="0">
+              <a:schemeClr val="dk1"/>
+            </a:effectRef>
+            <a:fontRef idx="minor">
+              <a:schemeClr val="tx1"/>
+            </a:fontRef>
+          </p:style>
+        </p:cxnSp>
+      </p:grpSp>
       <p:pic>
         <p:nvPicPr>
-          <p:cNvPr id="6" name="Picture 5">
-            <a:extLst>
-              <a:ext uri="{FF2B5EF4-FFF2-40B4-BE49-F238E27FC236}">
-                <a16:creationId xmlns:a16="http://schemas.microsoft.com/office/drawing/2014/main" id="{D9EFD740-186E-435F-88EE-EA6D8D94405F}"/>
+          <p:cNvPr id="67" name="Picture 66">
+            <a:extLst>
+              <a:ext uri="{FF2B5EF4-FFF2-40B4-BE49-F238E27FC236}">
+                <a16:creationId xmlns:a16="http://schemas.microsoft.com/office/drawing/2014/main" id="{705790C2-F1CF-41F5-92C4-F791854A6BE5}"/>
               </a:ext>
             </a:extLst>
           </p:cNvPr>
@@ -4510,8 +7136,8 @@
         </p:blipFill>
         <p:spPr>
           <a:xfrm>
-            <a:off x="510735" y="1390388"/>
-            <a:ext cx="9384827" cy="5030670"/>
+            <a:off x="8948184" y="819806"/>
+            <a:ext cx="3033777" cy="3196301"/>
           </a:xfrm>
           <a:prstGeom prst="rect">
             <a:avLst/>
@@ -4521,7 +7147,3255 @@
     </p:spTree>
     <p:extLst>
       <p:ext uri="{BB962C8B-B14F-4D97-AF65-F5344CB8AC3E}">
-        <p14:creationId xmlns:p14="http://schemas.microsoft.com/office/powerpoint/2010/main" val="4080649382"/>
+        <p14:creationId xmlns:p14="http://schemas.microsoft.com/office/powerpoint/2010/main" val="2845849739"/>
+      </p:ext>
+    </p:extLst>
+  </p:cSld>
+  <p:clrMapOvr>
+    <a:masterClrMapping/>
+  </p:clrMapOvr>
+</p:sld>
+</file>
+
+<file path=ppt/slides/slide7.xml><?xml version="1.0" encoding="utf-8"?>
+<p:sld xmlns:a="http://schemas.openxmlformats.org/drawingml/2006/main" xmlns:r="http://schemas.openxmlformats.org/officeDocument/2006/relationships" xmlns:p="http://schemas.openxmlformats.org/presentationml/2006/main">
+  <p:cSld>
+    <p:bg>
+      <p:bgPr>
+        <a:solidFill>
+          <a:srgbClr val="002060"/>
+        </a:solidFill>
+        <a:effectLst/>
+      </p:bgPr>
+    </p:bg>
+    <p:spTree>
+      <p:nvGrpSpPr>
+        <p:cNvPr id="1" name=""/>
+        <p:cNvGrpSpPr/>
+        <p:nvPr/>
+      </p:nvGrpSpPr>
+      <p:grpSpPr>
+        <a:xfrm>
+          <a:off x="0" y="0"/>
+          <a:ext cx="0" cy="0"/>
+          <a:chOff x="0" y="0"/>
+          <a:chExt cx="0" cy="0"/>
+        </a:xfrm>
+      </p:grpSpPr>
+      <p:sp>
+        <p:nvSpPr>
+          <p:cNvPr id="2" name="Title 1">
+            <a:extLst>
+              <a:ext uri="{FF2B5EF4-FFF2-40B4-BE49-F238E27FC236}">
+                <a16:creationId xmlns:a16="http://schemas.microsoft.com/office/drawing/2014/main" id="{C043D2BB-CE85-4BE7-971F-C48E4677CE8B}"/>
+              </a:ext>
+            </a:extLst>
+          </p:cNvPr>
+          <p:cNvSpPr>
+            <a:spLocks noGrp="1"/>
+          </p:cNvSpPr>
+          <p:nvPr>
+            <p:ph type="title"/>
+          </p:nvPr>
+        </p:nvSpPr>
+        <p:spPr>
+          <a:xfrm>
+            <a:off x="371272" y="160844"/>
+            <a:ext cx="10515600" cy="1325563"/>
+          </a:xfrm>
+        </p:spPr>
+        <p:txBody>
+          <a:bodyPr/>
+          <a:lstStyle/>
+          <a:p>
+            <a:r>
+              <a:rPr lang="en-US" dirty="0">
+                <a:solidFill>
+                  <a:schemeClr val="bg1"/>
+                </a:solidFill>
+              </a:rPr>
+              <a:t>Deployment</a:t>
+            </a:r>
+          </a:p>
+        </p:txBody>
+      </p:sp>
+      <p:sp>
+        <p:nvSpPr>
+          <p:cNvPr id="3" name="TextBox 2">
+            <a:extLst>
+              <a:ext uri="{FF2B5EF4-FFF2-40B4-BE49-F238E27FC236}">
+                <a16:creationId xmlns:a16="http://schemas.microsoft.com/office/drawing/2014/main" id="{4135543E-CE2C-41EE-8642-5E6F533BA616}"/>
+              </a:ext>
+            </a:extLst>
+          </p:cNvPr>
+          <p:cNvSpPr txBox="1"/>
+          <p:nvPr/>
+        </p:nvSpPr>
+        <p:spPr>
+          <a:xfrm>
+            <a:off x="512379" y="1292772"/>
+            <a:ext cx="4146331" cy="3970318"/>
+          </a:xfrm>
+          <a:prstGeom prst="rect">
+            <a:avLst/>
+          </a:prstGeom>
+          <a:noFill/>
+        </p:spPr>
+        <p:txBody>
+          <a:bodyPr wrap="square" rtlCol="0">
+            <a:spAutoFit/>
+          </a:bodyPr>
+          <a:lstStyle/>
+          <a:p>
+            <a:pPr marL="285750" indent="-285750">
+              <a:buFont typeface="Arial" panose="020B0604020202020204" pitchFamily="34" charset="0"/>
+              <a:buChar char="•"/>
+            </a:pPr>
+            <a:r>
+              <a:rPr lang="en-US" dirty="0">
+                <a:solidFill>
+                  <a:schemeClr val="bg1"/>
+                </a:solidFill>
+                <a:latin typeface="+mj-lt"/>
+              </a:rPr>
+              <a:t>A deployment is used to define a desired state of an application</a:t>
+            </a:r>
+          </a:p>
+          <a:p>
+            <a:pPr marL="285750" indent="-285750">
+              <a:buFont typeface="Arial" panose="020B0604020202020204" pitchFamily="34" charset="0"/>
+              <a:buChar char="•"/>
+            </a:pPr>
+            <a:r>
+              <a:rPr lang="en-US" dirty="0">
+                <a:solidFill>
+                  <a:schemeClr val="bg1"/>
+                </a:solidFill>
+                <a:latin typeface="+mj-lt"/>
+              </a:rPr>
+              <a:t>Deployments can be upgraded or rolled back</a:t>
+            </a:r>
+          </a:p>
+          <a:p>
+            <a:pPr marL="285750" indent="-285750">
+              <a:buFont typeface="Arial" panose="020B0604020202020204" pitchFamily="34" charset="0"/>
+              <a:buChar char="•"/>
+            </a:pPr>
+            <a:r>
+              <a:rPr lang="en-US" dirty="0">
+                <a:solidFill>
+                  <a:schemeClr val="bg1"/>
+                </a:solidFill>
+                <a:latin typeface="+mj-lt"/>
+              </a:rPr>
+              <a:t>Deployments can be scaled manually or auto-scaled using CPU %, Memory %</a:t>
+            </a:r>
+          </a:p>
+          <a:p>
+            <a:pPr marL="285750" indent="-285750">
+              <a:buFont typeface="Arial" panose="020B0604020202020204" pitchFamily="34" charset="0"/>
+              <a:buChar char="•"/>
+            </a:pPr>
+            <a:r>
+              <a:rPr lang="en-US" dirty="0">
+                <a:solidFill>
+                  <a:schemeClr val="bg1"/>
+                </a:solidFill>
+                <a:latin typeface="+mj-lt"/>
+              </a:rPr>
+              <a:t>Deployments can be paused</a:t>
+            </a:r>
+          </a:p>
+          <a:p>
+            <a:pPr marL="285750" indent="-285750">
+              <a:buFont typeface="Arial" panose="020B0604020202020204" pitchFamily="34" charset="0"/>
+              <a:buChar char="•"/>
+            </a:pPr>
+            <a:r>
+              <a:rPr lang="en-US" dirty="0">
+                <a:solidFill>
+                  <a:schemeClr val="bg1"/>
+                </a:solidFill>
+                <a:latin typeface="+mj-lt"/>
+              </a:rPr>
+              <a:t>If you want to roll out releases to a subset of users or servers using the Deployment, you can create multiple Deployments, one for each release, following the canary pattern</a:t>
+            </a:r>
+          </a:p>
+          <a:p>
+            <a:pPr marL="285750" indent="-285750">
+              <a:buFont typeface="Arial" panose="020B0604020202020204" pitchFamily="34" charset="0"/>
+              <a:buChar char="•"/>
+            </a:pPr>
+            <a:endParaRPr lang="en-US" dirty="0">
+              <a:solidFill>
+                <a:schemeClr val="bg1"/>
+              </a:solidFill>
+              <a:latin typeface="+mj-lt"/>
+            </a:endParaRPr>
+          </a:p>
+          <a:p>
+            <a:pPr marL="285750" indent="-285750">
+              <a:buFont typeface="Arial" panose="020B0604020202020204" pitchFamily="34" charset="0"/>
+              <a:buChar char="•"/>
+            </a:pPr>
+            <a:endParaRPr lang="en-US" dirty="0">
+              <a:solidFill>
+                <a:schemeClr val="bg1"/>
+              </a:solidFill>
+              <a:latin typeface="+mj-lt"/>
+            </a:endParaRPr>
+          </a:p>
+        </p:txBody>
+      </p:sp>
+      <p:grpSp>
+        <p:nvGrpSpPr>
+          <p:cNvPr id="4" name="Group 3">
+            <a:extLst>
+              <a:ext uri="{FF2B5EF4-FFF2-40B4-BE49-F238E27FC236}">
+                <a16:creationId xmlns:a16="http://schemas.microsoft.com/office/drawing/2014/main" id="{7465CE58-8B8D-46F0-89FE-F81FBC1BAC1E}"/>
+              </a:ext>
+            </a:extLst>
+          </p:cNvPr>
+          <p:cNvGrpSpPr/>
+          <p:nvPr/>
+        </p:nvGrpSpPr>
+        <p:grpSpPr>
+          <a:xfrm>
+            <a:off x="5885037" y="1058898"/>
+            <a:ext cx="4650829" cy="4647878"/>
+            <a:chOff x="5549461" y="1087820"/>
+            <a:chExt cx="4996773" cy="3676007"/>
+          </a:xfrm>
+        </p:grpSpPr>
+        <p:sp>
+          <p:nvSpPr>
+            <p:cNvPr id="5" name="Rectangle 4">
+              <a:extLst>
+                <a:ext uri="{FF2B5EF4-FFF2-40B4-BE49-F238E27FC236}">
+                  <a16:creationId xmlns:a16="http://schemas.microsoft.com/office/drawing/2014/main" id="{F135B115-671C-4BA2-A11B-DBC6989060F1}"/>
+                </a:ext>
+              </a:extLst>
+            </p:cNvPr>
+            <p:cNvSpPr/>
+            <p:nvPr/>
+          </p:nvSpPr>
+          <p:spPr>
+            <a:xfrm>
+              <a:off x="5549461" y="1087820"/>
+              <a:ext cx="4895194" cy="3676007"/>
+            </a:xfrm>
+            <a:prstGeom prst="rect">
+              <a:avLst/>
+            </a:prstGeom>
+          </p:spPr>
+          <p:style>
+            <a:lnRef idx="2">
+              <a:schemeClr val="accent1">
+                <a:shade val="50000"/>
+              </a:schemeClr>
+            </a:lnRef>
+            <a:fillRef idx="1">
+              <a:schemeClr val="accent1"/>
+            </a:fillRef>
+            <a:effectRef idx="0">
+              <a:schemeClr val="accent1"/>
+            </a:effectRef>
+            <a:fontRef idx="minor">
+              <a:schemeClr val="lt1"/>
+            </a:fontRef>
+          </p:style>
+          <p:txBody>
+            <a:bodyPr rtlCol="0" anchor="ctr"/>
+            <a:lstStyle/>
+            <a:p>
+              <a:pPr algn="ctr"/>
+              <a:endParaRPr lang="en-US"/>
+            </a:p>
+          </p:txBody>
+        </p:sp>
+        <p:sp>
+          <p:nvSpPr>
+            <p:cNvPr id="6" name="Rectangle 5">
+              <a:extLst>
+                <a:ext uri="{FF2B5EF4-FFF2-40B4-BE49-F238E27FC236}">
+                  <a16:creationId xmlns:a16="http://schemas.microsoft.com/office/drawing/2014/main" id="{1E47D046-B3E0-4E4F-B8F9-C9A41C4070D2}"/>
+                </a:ext>
+              </a:extLst>
+            </p:cNvPr>
+            <p:cNvSpPr/>
+            <p:nvPr/>
+          </p:nvSpPr>
+          <p:spPr>
+            <a:xfrm>
+              <a:off x="5793826" y="1600200"/>
+              <a:ext cx="3972911" cy="2962714"/>
+            </a:xfrm>
+            <a:prstGeom prst="rect">
+              <a:avLst/>
+            </a:prstGeom>
+          </p:spPr>
+          <p:style>
+            <a:lnRef idx="2">
+              <a:schemeClr val="accent2">
+                <a:shade val="50000"/>
+              </a:schemeClr>
+            </a:lnRef>
+            <a:fillRef idx="1">
+              <a:schemeClr val="accent2"/>
+            </a:fillRef>
+            <a:effectRef idx="0">
+              <a:schemeClr val="accent2"/>
+            </a:effectRef>
+            <a:fontRef idx="minor">
+              <a:schemeClr val="lt1"/>
+            </a:fontRef>
+          </p:style>
+          <p:txBody>
+            <a:bodyPr rtlCol="0" anchor="ctr"/>
+            <a:lstStyle/>
+            <a:p>
+              <a:pPr algn="ctr"/>
+              <a:endParaRPr lang="en-US" dirty="0"/>
+            </a:p>
+          </p:txBody>
+        </p:sp>
+        <p:sp>
+          <p:nvSpPr>
+            <p:cNvPr id="7" name="Rectangle 6">
+              <a:extLst>
+                <a:ext uri="{FF2B5EF4-FFF2-40B4-BE49-F238E27FC236}">
+                  <a16:creationId xmlns:a16="http://schemas.microsoft.com/office/drawing/2014/main" id="{A86B7327-EF1D-430B-8DC8-6052DC155250}"/>
+                </a:ext>
+              </a:extLst>
+            </p:cNvPr>
+            <p:cNvSpPr/>
+            <p:nvPr/>
+          </p:nvSpPr>
+          <p:spPr>
+            <a:xfrm>
+              <a:off x="6387160" y="3807372"/>
+              <a:ext cx="702075" cy="410842"/>
+            </a:xfrm>
+            <a:prstGeom prst="rect">
+              <a:avLst/>
+            </a:prstGeom>
+          </p:spPr>
+          <p:style>
+            <a:lnRef idx="2">
+              <a:schemeClr val="accent6">
+                <a:shade val="50000"/>
+              </a:schemeClr>
+            </a:lnRef>
+            <a:fillRef idx="1">
+              <a:schemeClr val="accent6"/>
+            </a:fillRef>
+            <a:effectRef idx="0">
+              <a:schemeClr val="accent6"/>
+            </a:effectRef>
+            <a:fontRef idx="minor">
+              <a:schemeClr val="lt1"/>
+            </a:fontRef>
+          </p:style>
+          <p:txBody>
+            <a:bodyPr rtlCol="0" anchor="ctr"/>
+            <a:lstStyle/>
+            <a:p>
+              <a:pPr algn="ctr"/>
+              <a:r>
+                <a:rPr lang="en-US" dirty="0"/>
+                <a:t>Pod</a:t>
+              </a:r>
+            </a:p>
+          </p:txBody>
+        </p:sp>
+        <p:sp>
+          <p:nvSpPr>
+            <p:cNvPr id="8" name="Rectangle 7">
+              <a:extLst>
+                <a:ext uri="{FF2B5EF4-FFF2-40B4-BE49-F238E27FC236}">
+                  <a16:creationId xmlns:a16="http://schemas.microsoft.com/office/drawing/2014/main" id="{EC8BE00C-9311-4A00-8CB1-3FD26302F73D}"/>
+                </a:ext>
+              </a:extLst>
+            </p:cNvPr>
+            <p:cNvSpPr/>
+            <p:nvPr/>
+          </p:nvSpPr>
+          <p:spPr>
+            <a:xfrm>
+              <a:off x="6387159" y="3285679"/>
+              <a:ext cx="2812593" cy="330096"/>
+            </a:xfrm>
+            <a:prstGeom prst="rect">
+              <a:avLst/>
+            </a:prstGeom>
+          </p:spPr>
+          <p:style>
+            <a:lnRef idx="2">
+              <a:schemeClr val="accent1">
+                <a:shade val="50000"/>
+              </a:schemeClr>
+            </a:lnRef>
+            <a:fillRef idx="1">
+              <a:schemeClr val="accent1"/>
+            </a:fillRef>
+            <a:effectRef idx="0">
+              <a:schemeClr val="accent1"/>
+            </a:effectRef>
+            <a:fontRef idx="minor">
+              <a:schemeClr val="lt1"/>
+            </a:fontRef>
+          </p:style>
+          <p:txBody>
+            <a:bodyPr rtlCol="0" anchor="ctr"/>
+            <a:lstStyle/>
+            <a:p>
+              <a:pPr algn="ctr"/>
+              <a:r>
+                <a:rPr lang="en-US" sz="1400" dirty="0"/>
+                <a:t>Service</a:t>
+              </a:r>
+              <a:endParaRPr lang="en-US" sz="900" dirty="0"/>
+            </a:p>
+          </p:txBody>
+        </p:sp>
+        <p:sp>
+          <p:nvSpPr>
+            <p:cNvPr id="9" name="TextBox 8">
+              <a:extLst>
+                <a:ext uri="{FF2B5EF4-FFF2-40B4-BE49-F238E27FC236}">
+                  <a16:creationId xmlns:a16="http://schemas.microsoft.com/office/drawing/2014/main" id="{5B8D9D6E-3AE3-4DF2-83C8-600D34817651}"/>
+                </a:ext>
+              </a:extLst>
+            </p:cNvPr>
+            <p:cNvSpPr txBox="1"/>
+            <p:nvPr/>
+          </p:nvSpPr>
+          <p:spPr>
+            <a:xfrm>
+              <a:off x="9199352" y="1628346"/>
+              <a:ext cx="884050" cy="472866"/>
+            </a:xfrm>
+            <a:prstGeom prst="rect">
+              <a:avLst/>
+            </a:prstGeom>
+            <a:noFill/>
+          </p:spPr>
+          <p:txBody>
+            <a:bodyPr wrap="square" rtlCol="0">
+              <a:spAutoFit/>
+            </a:bodyPr>
+            <a:lstStyle/>
+            <a:p>
+              <a:r>
+                <a:rPr lang="en-US" sz="1400" dirty="0"/>
+                <a:t>Node</a:t>
+              </a:r>
+              <a:endParaRPr lang="en-US" dirty="0"/>
+            </a:p>
+          </p:txBody>
+        </p:sp>
+        <p:sp>
+          <p:nvSpPr>
+            <p:cNvPr id="10" name="TextBox 9">
+              <a:extLst>
+                <a:ext uri="{FF2B5EF4-FFF2-40B4-BE49-F238E27FC236}">
+                  <a16:creationId xmlns:a16="http://schemas.microsoft.com/office/drawing/2014/main" id="{BDEA38A3-2D7A-45BB-B2D1-9F309B8A0AC8}"/>
+                </a:ext>
+              </a:extLst>
+            </p:cNvPr>
+            <p:cNvSpPr txBox="1"/>
+            <p:nvPr/>
+          </p:nvSpPr>
+          <p:spPr>
+            <a:xfrm>
+              <a:off x="9777135" y="1087820"/>
+              <a:ext cx="769099" cy="307777"/>
+            </a:xfrm>
+            <a:prstGeom prst="rect">
+              <a:avLst/>
+            </a:prstGeom>
+            <a:noFill/>
+          </p:spPr>
+          <p:txBody>
+            <a:bodyPr wrap="square" rtlCol="0">
+              <a:spAutoFit/>
+            </a:bodyPr>
+            <a:lstStyle/>
+            <a:p>
+              <a:r>
+                <a:rPr lang="en-US" sz="1400" dirty="0"/>
+                <a:t>Cluster</a:t>
+              </a:r>
+              <a:endParaRPr lang="en-US" dirty="0"/>
+            </a:p>
+          </p:txBody>
+        </p:sp>
+        <p:sp>
+          <p:nvSpPr>
+            <p:cNvPr id="11" name="Rectangle 10">
+              <a:extLst>
+                <a:ext uri="{FF2B5EF4-FFF2-40B4-BE49-F238E27FC236}">
+                  <a16:creationId xmlns:a16="http://schemas.microsoft.com/office/drawing/2014/main" id="{57D63386-C538-427B-8089-8B194ABAFE0E}"/>
+                </a:ext>
+              </a:extLst>
+            </p:cNvPr>
+            <p:cNvSpPr/>
+            <p:nvPr/>
+          </p:nvSpPr>
+          <p:spPr>
+            <a:xfrm>
+              <a:off x="7307700" y="2602494"/>
+              <a:ext cx="702075" cy="410842"/>
+            </a:xfrm>
+            <a:prstGeom prst="rect">
+              <a:avLst/>
+            </a:prstGeom>
+          </p:spPr>
+          <p:style>
+            <a:lnRef idx="2">
+              <a:schemeClr val="accent6">
+                <a:shade val="50000"/>
+              </a:schemeClr>
+            </a:lnRef>
+            <a:fillRef idx="1">
+              <a:schemeClr val="accent6"/>
+            </a:fillRef>
+            <a:effectRef idx="0">
+              <a:schemeClr val="accent6"/>
+            </a:effectRef>
+            <a:fontRef idx="minor">
+              <a:schemeClr val="lt1"/>
+            </a:fontRef>
+          </p:style>
+          <p:txBody>
+            <a:bodyPr rtlCol="0" anchor="ctr"/>
+            <a:lstStyle/>
+            <a:p>
+              <a:pPr algn="ctr"/>
+              <a:r>
+                <a:rPr lang="en-US" dirty="0"/>
+                <a:t>Pod</a:t>
+              </a:r>
+            </a:p>
+          </p:txBody>
+        </p:sp>
+        <p:sp>
+          <p:nvSpPr>
+            <p:cNvPr id="12" name="Rectangle 11">
+              <a:extLst>
+                <a:ext uri="{FF2B5EF4-FFF2-40B4-BE49-F238E27FC236}">
+                  <a16:creationId xmlns:a16="http://schemas.microsoft.com/office/drawing/2014/main" id="{82854B24-1DFB-4E51-A91F-3893252405B8}"/>
+                </a:ext>
+              </a:extLst>
+            </p:cNvPr>
+            <p:cNvSpPr/>
+            <p:nvPr/>
+          </p:nvSpPr>
+          <p:spPr>
+            <a:xfrm>
+              <a:off x="8497678" y="3807372"/>
+              <a:ext cx="702075" cy="410842"/>
+            </a:xfrm>
+            <a:prstGeom prst="rect">
+              <a:avLst/>
+            </a:prstGeom>
+          </p:spPr>
+          <p:style>
+            <a:lnRef idx="2">
+              <a:schemeClr val="accent6">
+                <a:shade val="50000"/>
+              </a:schemeClr>
+            </a:lnRef>
+            <a:fillRef idx="1">
+              <a:schemeClr val="accent6"/>
+            </a:fillRef>
+            <a:effectRef idx="0">
+              <a:schemeClr val="accent6"/>
+            </a:effectRef>
+            <a:fontRef idx="minor">
+              <a:schemeClr val="lt1"/>
+            </a:fontRef>
+          </p:style>
+          <p:txBody>
+            <a:bodyPr rtlCol="0" anchor="ctr"/>
+            <a:lstStyle/>
+            <a:p>
+              <a:pPr algn="ctr"/>
+              <a:r>
+                <a:rPr lang="en-US" dirty="0"/>
+                <a:t>Pod</a:t>
+              </a:r>
+            </a:p>
+          </p:txBody>
+        </p:sp>
+        <p:sp>
+          <p:nvSpPr>
+            <p:cNvPr id="13" name="Rectangle 12">
+              <a:extLst>
+                <a:ext uri="{FF2B5EF4-FFF2-40B4-BE49-F238E27FC236}">
+                  <a16:creationId xmlns:a16="http://schemas.microsoft.com/office/drawing/2014/main" id="{E48AAD0B-1900-44FC-836B-E6F07BCD9478}"/>
+                </a:ext>
+              </a:extLst>
+            </p:cNvPr>
+            <p:cNvSpPr/>
+            <p:nvPr/>
+          </p:nvSpPr>
+          <p:spPr>
+            <a:xfrm>
+              <a:off x="6387159" y="2617922"/>
+              <a:ext cx="702075" cy="410842"/>
+            </a:xfrm>
+            <a:prstGeom prst="rect">
+              <a:avLst/>
+            </a:prstGeom>
+          </p:spPr>
+          <p:style>
+            <a:lnRef idx="2">
+              <a:schemeClr val="accent6">
+                <a:shade val="50000"/>
+              </a:schemeClr>
+            </a:lnRef>
+            <a:fillRef idx="1">
+              <a:schemeClr val="accent6"/>
+            </a:fillRef>
+            <a:effectRef idx="0">
+              <a:schemeClr val="accent6"/>
+            </a:effectRef>
+            <a:fontRef idx="minor">
+              <a:schemeClr val="lt1"/>
+            </a:fontRef>
+          </p:style>
+          <p:txBody>
+            <a:bodyPr rtlCol="0" anchor="ctr"/>
+            <a:lstStyle/>
+            <a:p>
+              <a:pPr algn="ctr"/>
+              <a:r>
+                <a:rPr lang="en-US" dirty="0"/>
+                <a:t>Pod</a:t>
+              </a:r>
+            </a:p>
+          </p:txBody>
+        </p:sp>
+        <p:sp>
+          <p:nvSpPr>
+            <p:cNvPr id="14" name="Rectangle 13">
+              <a:extLst>
+                <a:ext uri="{FF2B5EF4-FFF2-40B4-BE49-F238E27FC236}">
+                  <a16:creationId xmlns:a16="http://schemas.microsoft.com/office/drawing/2014/main" id="{1B494A30-7016-4C96-8321-A4A94A9ADF90}"/>
+                </a:ext>
+              </a:extLst>
+            </p:cNvPr>
+            <p:cNvSpPr/>
+            <p:nvPr/>
+          </p:nvSpPr>
+          <p:spPr>
+            <a:xfrm>
+              <a:off x="7442417" y="3807372"/>
+              <a:ext cx="702075" cy="410842"/>
+            </a:xfrm>
+            <a:prstGeom prst="rect">
+              <a:avLst/>
+            </a:prstGeom>
+          </p:spPr>
+          <p:style>
+            <a:lnRef idx="2">
+              <a:schemeClr val="accent6">
+                <a:shade val="50000"/>
+              </a:schemeClr>
+            </a:lnRef>
+            <a:fillRef idx="1">
+              <a:schemeClr val="accent6"/>
+            </a:fillRef>
+            <a:effectRef idx="0">
+              <a:schemeClr val="accent6"/>
+            </a:effectRef>
+            <a:fontRef idx="minor">
+              <a:schemeClr val="lt1"/>
+            </a:fontRef>
+          </p:style>
+          <p:txBody>
+            <a:bodyPr rtlCol="0" anchor="ctr"/>
+            <a:lstStyle/>
+            <a:p>
+              <a:pPr algn="ctr"/>
+              <a:r>
+                <a:rPr lang="en-US" dirty="0"/>
+                <a:t>Pod</a:t>
+              </a:r>
+            </a:p>
+          </p:txBody>
+        </p:sp>
+        <p:sp>
+          <p:nvSpPr>
+            <p:cNvPr id="15" name="Rectangle 14">
+              <a:extLst>
+                <a:ext uri="{FF2B5EF4-FFF2-40B4-BE49-F238E27FC236}">
+                  <a16:creationId xmlns:a16="http://schemas.microsoft.com/office/drawing/2014/main" id="{5551839D-6C69-48E7-92EF-92E41585B1EC}"/>
+                </a:ext>
+              </a:extLst>
+            </p:cNvPr>
+            <p:cNvSpPr/>
+            <p:nvPr/>
+          </p:nvSpPr>
+          <p:spPr>
+            <a:xfrm>
+              <a:off x="6311305" y="1948393"/>
+              <a:ext cx="2812593" cy="410842"/>
+            </a:xfrm>
+            <a:prstGeom prst="rect">
+              <a:avLst/>
+            </a:prstGeom>
+          </p:spPr>
+          <p:style>
+            <a:lnRef idx="2">
+              <a:schemeClr val="accent1">
+                <a:shade val="50000"/>
+              </a:schemeClr>
+            </a:lnRef>
+            <a:fillRef idx="1">
+              <a:schemeClr val="accent1"/>
+            </a:fillRef>
+            <a:effectRef idx="0">
+              <a:schemeClr val="accent1"/>
+            </a:effectRef>
+            <a:fontRef idx="minor">
+              <a:schemeClr val="lt1"/>
+            </a:fontRef>
+          </p:style>
+          <p:txBody>
+            <a:bodyPr rtlCol="0" anchor="ctr"/>
+            <a:lstStyle/>
+            <a:p>
+              <a:pPr algn="ctr"/>
+              <a:r>
+                <a:rPr lang="en-US" sz="1400" dirty="0"/>
+                <a:t>Service</a:t>
+              </a:r>
+              <a:endParaRPr lang="en-US" sz="900" dirty="0"/>
+            </a:p>
+          </p:txBody>
+        </p:sp>
+        <p:cxnSp>
+          <p:nvCxnSpPr>
+            <p:cNvPr id="16" name="Straight Arrow Connector 15">
+              <a:extLst>
+                <a:ext uri="{FF2B5EF4-FFF2-40B4-BE49-F238E27FC236}">
+                  <a16:creationId xmlns:a16="http://schemas.microsoft.com/office/drawing/2014/main" id="{B3AAE53B-E700-4CE6-82D4-4E3BEE1F77AD}"/>
+                </a:ext>
+              </a:extLst>
+            </p:cNvPr>
+            <p:cNvCxnSpPr>
+              <a:stCxn id="15" idx="2"/>
+              <a:endCxn id="13" idx="0"/>
+            </p:cNvCxnSpPr>
+            <p:nvPr/>
+          </p:nvCxnSpPr>
+          <p:spPr>
+            <a:xfrm flipH="1">
+              <a:off x="6738197" y="2359235"/>
+              <a:ext cx="979405" cy="258687"/>
+            </a:xfrm>
+            <a:prstGeom prst="straightConnector1">
+              <a:avLst/>
+            </a:prstGeom>
+            <a:ln w="12700">
+              <a:tailEnd type="triangle"/>
+            </a:ln>
+          </p:spPr>
+          <p:style>
+            <a:lnRef idx="1">
+              <a:schemeClr val="dk1"/>
+            </a:lnRef>
+            <a:fillRef idx="0">
+              <a:schemeClr val="dk1"/>
+            </a:fillRef>
+            <a:effectRef idx="0">
+              <a:schemeClr val="dk1"/>
+            </a:effectRef>
+            <a:fontRef idx="minor">
+              <a:schemeClr val="tx1"/>
+            </a:fontRef>
+          </p:style>
+        </p:cxnSp>
+        <p:cxnSp>
+          <p:nvCxnSpPr>
+            <p:cNvPr id="17" name="Straight Arrow Connector 16">
+              <a:extLst>
+                <a:ext uri="{FF2B5EF4-FFF2-40B4-BE49-F238E27FC236}">
+                  <a16:creationId xmlns:a16="http://schemas.microsoft.com/office/drawing/2014/main" id="{12F538B9-F53B-4CCA-8884-F4B77F003FBE}"/>
+                </a:ext>
+              </a:extLst>
+            </p:cNvPr>
+            <p:cNvCxnSpPr>
+              <a:cxnSpLocks/>
+              <a:endCxn id="11" idx="0"/>
+            </p:cNvCxnSpPr>
+            <p:nvPr/>
+          </p:nvCxnSpPr>
+          <p:spPr>
+            <a:xfrm flipH="1">
+              <a:off x="7658738" y="2359235"/>
+              <a:ext cx="82444" cy="243259"/>
+            </a:xfrm>
+            <a:prstGeom prst="straightConnector1">
+              <a:avLst/>
+            </a:prstGeom>
+            <a:ln w="12700">
+              <a:tailEnd type="triangle"/>
+            </a:ln>
+          </p:spPr>
+          <p:style>
+            <a:lnRef idx="1">
+              <a:schemeClr val="dk1"/>
+            </a:lnRef>
+            <a:fillRef idx="0">
+              <a:schemeClr val="dk1"/>
+            </a:fillRef>
+            <a:effectRef idx="0">
+              <a:schemeClr val="dk1"/>
+            </a:effectRef>
+            <a:fontRef idx="minor">
+              <a:schemeClr val="tx1"/>
+            </a:fontRef>
+          </p:style>
+        </p:cxnSp>
+        <p:cxnSp>
+          <p:nvCxnSpPr>
+            <p:cNvPr id="18" name="Straight Arrow Connector 17">
+              <a:extLst>
+                <a:ext uri="{FF2B5EF4-FFF2-40B4-BE49-F238E27FC236}">
+                  <a16:creationId xmlns:a16="http://schemas.microsoft.com/office/drawing/2014/main" id="{8C442809-AD62-4734-BD1F-41FB0BD18E32}"/>
+                </a:ext>
+              </a:extLst>
+            </p:cNvPr>
+            <p:cNvCxnSpPr>
+              <a:cxnSpLocks/>
+              <a:stCxn id="13" idx="2"/>
+              <a:endCxn id="8" idx="0"/>
+            </p:cNvCxnSpPr>
+            <p:nvPr/>
+          </p:nvCxnSpPr>
+          <p:spPr>
+            <a:xfrm>
+              <a:off x="6738197" y="3028764"/>
+              <a:ext cx="1055259" cy="256915"/>
+            </a:xfrm>
+            <a:prstGeom prst="straightConnector1">
+              <a:avLst/>
+            </a:prstGeom>
+            <a:ln w="12700">
+              <a:tailEnd type="triangle"/>
+            </a:ln>
+          </p:spPr>
+          <p:style>
+            <a:lnRef idx="1">
+              <a:schemeClr val="dk1"/>
+            </a:lnRef>
+            <a:fillRef idx="0">
+              <a:schemeClr val="dk1"/>
+            </a:fillRef>
+            <a:effectRef idx="0">
+              <a:schemeClr val="dk1"/>
+            </a:effectRef>
+            <a:fontRef idx="minor">
+              <a:schemeClr val="tx1"/>
+            </a:fontRef>
+          </p:style>
+        </p:cxnSp>
+        <p:cxnSp>
+          <p:nvCxnSpPr>
+            <p:cNvPr id="19" name="Straight Arrow Connector 18">
+              <a:extLst>
+                <a:ext uri="{FF2B5EF4-FFF2-40B4-BE49-F238E27FC236}">
+                  <a16:creationId xmlns:a16="http://schemas.microsoft.com/office/drawing/2014/main" id="{484FE6B0-6E17-4B89-AF4F-2DDAF40A5EAC}"/>
+                </a:ext>
+              </a:extLst>
+            </p:cNvPr>
+            <p:cNvCxnSpPr>
+              <a:cxnSpLocks/>
+              <a:stCxn id="11" idx="2"/>
+              <a:endCxn id="8" idx="0"/>
+            </p:cNvCxnSpPr>
+            <p:nvPr/>
+          </p:nvCxnSpPr>
+          <p:spPr>
+            <a:xfrm>
+              <a:off x="7658738" y="3013336"/>
+              <a:ext cx="134718" cy="272343"/>
+            </a:xfrm>
+            <a:prstGeom prst="straightConnector1">
+              <a:avLst/>
+            </a:prstGeom>
+            <a:ln w="12700">
+              <a:tailEnd type="triangle"/>
+            </a:ln>
+          </p:spPr>
+          <p:style>
+            <a:lnRef idx="1">
+              <a:schemeClr val="dk1"/>
+            </a:lnRef>
+            <a:fillRef idx="0">
+              <a:schemeClr val="dk1"/>
+            </a:fillRef>
+            <a:effectRef idx="0">
+              <a:schemeClr val="dk1"/>
+            </a:effectRef>
+            <a:fontRef idx="minor">
+              <a:schemeClr val="tx1"/>
+            </a:fontRef>
+          </p:style>
+        </p:cxnSp>
+        <p:cxnSp>
+          <p:nvCxnSpPr>
+            <p:cNvPr id="20" name="Straight Arrow Connector 19">
+              <a:extLst>
+                <a:ext uri="{FF2B5EF4-FFF2-40B4-BE49-F238E27FC236}">
+                  <a16:creationId xmlns:a16="http://schemas.microsoft.com/office/drawing/2014/main" id="{E6683D46-C211-4900-8B0E-984229E56204}"/>
+                </a:ext>
+              </a:extLst>
+            </p:cNvPr>
+            <p:cNvCxnSpPr>
+              <a:cxnSpLocks/>
+              <a:stCxn id="8" idx="2"/>
+              <a:endCxn id="7" idx="0"/>
+            </p:cNvCxnSpPr>
+            <p:nvPr/>
+          </p:nvCxnSpPr>
+          <p:spPr>
+            <a:xfrm flipH="1">
+              <a:off x="6738198" y="3615775"/>
+              <a:ext cx="1055258" cy="191597"/>
+            </a:xfrm>
+            <a:prstGeom prst="straightConnector1">
+              <a:avLst/>
+            </a:prstGeom>
+            <a:ln w="12700">
+              <a:tailEnd type="triangle"/>
+            </a:ln>
+          </p:spPr>
+          <p:style>
+            <a:lnRef idx="1">
+              <a:schemeClr val="dk1"/>
+            </a:lnRef>
+            <a:fillRef idx="0">
+              <a:schemeClr val="dk1"/>
+            </a:fillRef>
+            <a:effectRef idx="0">
+              <a:schemeClr val="dk1"/>
+            </a:effectRef>
+            <a:fontRef idx="minor">
+              <a:schemeClr val="tx1"/>
+            </a:fontRef>
+          </p:style>
+        </p:cxnSp>
+        <p:cxnSp>
+          <p:nvCxnSpPr>
+            <p:cNvPr id="21" name="Straight Arrow Connector 20">
+              <a:extLst>
+                <a:ext uri="{FF2B5EF4-FFF2-40B4-BE49-F238E27FC236}">
+                  <a16:creationId xmlns:a16="http://schemas.microsoft.com/office/drawing/2014/main" id="{6D0A43CC-6B6C-474D-8784-B2759C4EA700}"/>
+                </a:ext>
+              </a:extLst>
+            </p:cNvPr>
+            <p:cNvCxnSpPr>
+              <a:cxnSpLocks/>
+              <a:stCxn id="8" idx="2"/>
+            </p:cNvCxnSpPr>
+            <p:nvPr/>
+          </p:nvCxnSpPr>
+          <p:spPr>
+            <a:xfrm>
+              <a:off x="7793456" y="3615775"/>
+              <a:ext cx="26304" cy="176169"/>
+            </a:xfrm>
+            <a:prstGeom prst="straightConnector1">
+              <a:avLst/>
+            </a:prstGeom>
+            <a:ln w="12700">
+              <a:tailEnd type="triangle"/>
+            </a:ln>
+          </p:spPr>
+          <p:style>
+            <a:lnRef idx="1">
+              <a:schemeClr val="dk1"/>
+            </a:lnRef>
+            <a:fillRef idx="0">
+              <a:schemeClr val="dk1"/>
+            </a:fillRef>
+            <a:effectRef idx="0">
+              <a:schemeClr val="dk1"/>
+            </a:effectRef>
+            <a:fontRef idx="minor">
+              <a:schemeClr val="tx1"/>
+            </a:fontRef>
+          </p:style>
+        </p:cxnSp>
+        <p:cxnSp>
+          <p:nvCxnSpPr>
+            <p:cNvPr id="22" name="Straight Arrow Connector 21">
+              <a:extLst>
+                <a:ext uri="{FF2B5EF4-FFF2-40B4-BE49-F238E27FC236}">
+                  <a16:creationId xmlns:a16="http://schemas.microsoft.com/office/drawing/2014/main" id="{6AE74D2D-677F-44EE-AB89-0CAC4A45BA3F}"/>
+                </a:ext>
+              </a:extLst>
+            </p:cNvPr>
+            <p:cNvCxnSpPr>
+              <a:cxnSpLocks/>
+              <a:stCxn id="8" idx="2"/>
+              <a:endCxn id="12" idx="0"/>
+            </p:cNvCxnSpPr>
+            <p:nvPr/>
+          </p:nvCxnSpPr>
+          <p:spPr>
+            <a:xfrm>
+              <a:off x="7793456" y="3615775"/>
+              <a:ext cx="1055260" cy="191597"/>
+            </a:xfrm>
+            <a:prstGeom prst="straightConnector1">
+              <a:avLst/>
+            </a:prstGeom>
+            <a:ln w="12700">
+              <a:tailEnd type="triangle"/>
+            </a:ln>
+          </p:spPr>
+          <p:style>
+            <a:lnRef idx="1">
+              <a:schemeClr val="dk1"/>
+            </a:lnRef>
+            <a:fillRef idx="0">
+              <a:schemeClr val="dk1"/>
+            </a:fillRef>
+            <a:effectRef idx="0">
+              <a:schemeClr val="dk1"/>
+            </a:effectRef>
+            <a:fontRef idx="minor">
+              <a:schemeClr val="tx1"/>
+            </a:fontRef>
+          </p:style>
+        </p:cxnSp>
+      </p:grpSp>
+      <p:sp>
+        <p:nvSpPr>
+          <p:cNvPr id="23" name="Left Brace 22">
+            <a:extLst>
+              <a:ext uri="{FF2B5EF4-FFF2-40B4-BE49-F238E27FC236}">
+                <a16:creationId xmlns:a16="http://schemas.microsoft.com/office/drawing/2014/main" id="{CB5290A0-CD22-4A61-9CDE-D62AA5A871E8}"/>
+              </a:ext>
+            </a:extLst>
+          </p:cNvPr>
+          <p:cNvSpPr/>
+          <p:nvPr/>
+        </p:nvSpPr>
+        <p:spPr>
+          <a:xfrm flipH="1">
+            <a:off x="9387167" y="2130524"/>
+            <a:ext cx="822844" cy="2869324"/>
+          </a:xfrm>
+          <a:prstGeom prst="leftBrace">
+            <a:avLst/>
+          </a:prstGeom>
+          <a:ln w="28575"/>
+        </p:spPr>
+        <p:style>
+          <a:lnRef idx="1">
+            <a:schemeClr val="dk1"/>
+          </a:lnRef>
+          <a:fillRef idx="0">
+            <a:schemeClr val="dk1"/>
+          </a:fillRef>
+          <a:effectRef idx="0">
+            <a:schemeClr val="dk1"/>
+          </a:effectRef>
+          <a:fontRef idx="minor">
+            <a:schemeClr val="tx1"/>
+          </a:fontRef>
+        </p:style>
+        <p:txBody>
+          <a:bodyPr rtlCol="0" anchor="ctr"/>
+          <a:lstStyle/>
+          <a:p>
+            <a:pPr algn="ctr"/>
+            <a:endParaRPr lang="en-US"/>
+          </a:p>
+        </p:txBody>
+      </p:sp>
+      <p:sp>
+        <p:nvSpPr>
+          <p:cNvPr id="24" name="TextBox 23">
+            <a:extLst>
+              <a:ext uri="{FF2B5EF4-FFF2-40B4-BE49-F238E27FC236}">
+                <a16:creationId xmlns:a16="http://schemas.microsoft.com/office/drawing/2014/main" id="{C67C0591-67F7-411C-866D-53AD89C42931}"/>
+              </a:ext>
+            </a:extLst>
+          </p:cNvPr>
+          <p:cNvSpPr txBox="1"/>
+          <p:nvPr/>
+        </p:nvSpPr>
+        <p:spPr>
+          <a:xfrm>
+            <a:off x="9758026" y="3579743"/>
+            <a:ext cx="1423336" cy="369332"/>
+          </a:xfrm>
+          <a:prstGeom prst="rect">
+            <a:avLst/>
+          </a:prstGeom>
+          <a:noFill/>
+        </p:spPr>
+        <p:txBody>
+          <a:bodyPr wrap="square" rtlCol="0">
+            <a:spAutoFit/>
+          </a:bodyPr>
+          <a:lstStyle/>
+          <a:p>
+            <a:r>
+              <a:rPr lang="en-US" dirty="0">
+                <a:solidFill>
+                  <a:schemeClr val="bg1"/>
+                </a:solidFill>
+              </a:rPr>
+              <a:t>Deployment</a:t>
+            </a:r>
+          </a:p>
+        </p:txBody>
+      </p:sp>
+      <p:sp>
+        <p:nvSpPr>
+          <p:cNvPr id="25" name="Rectangle 24">
+            <a:extLst>
+              <a:ext uri="{FF2B5EF4-FFF2-40B4-BE49-F238E27FC236}">
+                <a16:creationId xmlns:a16="http://schemas.microsoft.com/office/drawing/2014/main" id="{0551A7DA-A247-4A7A-91D5-3CA0EF3CF51D}"/>
+              </a:ext>
+            </a:extLst>
+          </p:cNvPr>
+          <p:cNvSpPr/>
+          <p:nvPr/>
+        </p:nvSpPr>
+        <p:spPr>
+          <a:xfrm>
+            <a:off x="6215392" y="5107184"/>
+            <a:ext cx="920598" cy="258782"/>
+          </a:xfrm>
+          <a:prstGeom prst="rect">
+            <a:avLst/>
+          </a:prstGeom>
+        </p:spPr>
+        <p:style>
+          <a:lnRef idx="2">
+            <a:schemeClr val="accent1">
+              <a:shade val="50000"/>
+            </a:schemeClr>
+          </a:lnRef>
+          <a:fillRef idx="1">
+            <a:schemeClr val="accent1"/>
+          </a:fillRef>
+          <a:effectRef idx="0">
+            <a:schemeClr val="accent1"/>
+          </a:effectRef>
+          <a:fontRef idx="minor">
+            <a:schemeClr val="lt1"/>
+          </a:fontRef>
+        </p:style>
+        <p:txBody>
+          <a:bodyPr rtlCol="0" anchor="ctr"/>
+          <a:lstStyle/>
+          <a:p>
+            <a:pPr algn="ctr"/>
+            <a:r>
+              <a:rPr lang="en-US" sz="1400" dirty="0"/>
+              <a:t>Volumes</a:t>
+            </a:r>
+            <a:endParaRPr lang="en-US" sz="900" dirty="0"/>
+          </a:p>
+        </p:txBody>
+      </p:sp>
+      <p:sp>
+        <p:nvSpPr>
+          <p:cNvPr id="26" name="Rectangle 25">
+            <a:extLst>
+              <a:ext uri="{FF2B5EF4-FFF2-40B4-BE49-F238E27FC236}">
+                <a16:creationId xmlns:a16="http://schemas.microsoft.com/office/drawing/2014/main" id="{C79C611C-2265-4344-9F00-D1982FE19C39}"/>
+              </a:ext>
+            </a:extLst>
+          </p:cNvPr>
+          <p:cNvSpPr/>
+          <p:nvPr/>
+        </p:nvSpPr>
+        <p:spPr>
+          <a:xfrm>
+            <a:off x="7186638" y="5107184"/>
+            <a:ext cx="920598" cy="258782"/>
+          </a:xfrm>
+          <a:prstGeom prst="rect">
+            <a:avLst/>
+          </a:prstGeom>
+        </p:spPr>
+        <p:style>
+          <a:lnRef idx="2">
+            <a:schemeClr val="accent1">
+              <a:shade val="50000"/>
+            </a:schemeClr>
+          </a:lnRef>
+          <a:fillRef idx="1">
+            <a:schemeClr val="accent1"/>
+          </a:fillRef>
+          <a:effectRef idx="0">
+            <a:schemeClr val="accent1"/>
+          </a:effectRef>
+          <a:fontRef idx="minor">
+            <a:schemeClr val="lt1"/>
+          </a:fontRef>
+        </p:style>
+        <p:txBody>
+          <a:bodyPr rtlCol="0" anchor="ctr"/>
+          <a:lstStyle/>
+          <a:p>
+            <a:pPr algn="ctr"/>
+            <a:r>
+              <a:rPr lang="en-US" sz="1400" dirty="0"/>
+              <a:t>Secrets</a:t>
+            </a:r>
+            <a:endParaRPr lang="en-US" sz="900" dirty="0"/>
+          </a:p>
+        </p:txBody>
+      </p:sp>
+      <p:sp>
+        <p:nvSpPr>
+          <p:cNvPr id="27" name="Rectangle 26">
+            <a:extLst>
+              <a:ext uri="{FF2B5EF4-FFF2-40B4-BE49-F238E27FC236}">
+                <a16:creationId xmlns:a16="http://schemas.microsoft.com/office/drawing/2014/main" id="{FF82B53C-9AEE-4A58-93CA-9432E6CBD164}"/>
+              </a:ext>
+            </a:extLst>
+          </p:cNvPr>
+          <p:cNvSpPr/>
+          <p:nvPr/>
+        </p:nvSpPr>
+        <p:spPr>
+          <a:xfrm>
+            <a:off x="8157884" y="5104549"/>
+            <a:ext cx="920598" cy="258782"/>
+          </a:xfrm>
+          <a:prstGeom prst="rect">
+            <a:avLst/>
+          </a:prstGeom>
+        </p:spPr>
+        <p:style>
+          <a:lnRef idx="2">
+            <a:schemeClr val="accent1">
+              <a:shade val="50000"/>
+            </a:schemeClr>
+          </a:lnRef>
+          <a:fillRef idx="1">
+            <a:schemeClr val="accent1"/>
+          </a:fillRef>
+          <a:effectRef idx="0">
+            <a:schemeClr val="accent1"/>
+          </a:effectRef>
+          <a:fontRef idx="minor">
+            <a:schemeClr val="lt1"/>
+          </a:fontRef>
+        </p:style>
+        <p:txBody>
+          <a:bodyPr rtlCol="0" anchor="ctr"/>
+          <a:lstStyle/>
+          <a:p>
+            <a:pPr algn="ctr"/>
+            <a:r>
+              <a:rPr lang="en-US" sz="1400" dirty="0"/>
+              <a:t>Config</a:t>
+            </a:r>
+            <a:endParaRPr lang="en-US" sz="900" dirty="0"/>
+          </a:p>
+        </p:txBody>
+      </p:sp>
+    </p:spTree>
+    <p:extLst>
+      <p:ext uri="{BB962C8B-B14F-4D97-AF65-F5344CB8AC3E}">
+        <p14:creationId xmlns:p14="http://schemas.microsoft.com/office/powerpoint/2010/main" val="2671623058"/>
+      </p:ext>
+    </p:extLst>
+  </p:cSld>
+  <p:clrMapOvr>
+    <a:masterClrMapping/>
+  </p:clrMapOvr>
+</p:sld>
+</file>
+
+<file path=ppt/slides/slide8.xml><?xml version="1.0" encoding="utf-8"?>
+<p:sld xmlns:a="http://schemas.openxmlformats.org/drawingml/2006/main" xmlns:r="http://schemas.openxmlformats.org/officeDocument/2006/relationships" xmlns:p="http://schemas.openxmlformats.org/presentationml/2006/main">
+  <p:cSld>
+    <p:bg>
+      <p:bgPr>
+        <a:solidFill>
+          <a:srgbClr val="002060"/>
+        </a:solidFill>
+        <a:effectLst/>
+      </p:bgPr>
+    </p:bg>
+    <p:spTree>
+      <p:nvGrpSpPr>
+        <p:cNvPr id="1" name=""/>
+        <p:cNvGrpSpPr/>
+        <p:nvPr/>
+      </p:nvGrpSpPr>
+      <p:grpSpPr>
+        <a:xfrm>
+          <a:off x="0" y="0"/>
+          <a:ext cx="0" cy="0"/>
+          <a:chOff x="0" y="0"/>
+          <a:chExt cx="0" cy="0"/>
+        </a:xfrm>
+      </p:grpSpPr>
+      <p:sp>
+        <p:nvSpPr>
+          <p:cNvPr id="2" name="Title 1">
+            <a:extLst>
+              <a:ext uri="{FF2B5EF4-FFF2-40B4-BE49-F238E27FC236}">
+                <a16:creationId xmlns:a16="http://schemas.microsoft.com/office/drawing/2014/main" id="{C043D2BB-CE85-4BE7-971F-C48E4677CE8B}"/>
+              </a:ext>
+            </a:extLst>
+          </p:cNvPr>
+          <p:cNvSpPr>
+            <a:spLocks noGrp="1"/>
+          </p:cNvSpPr>
+          <p:nvPr>
+            <p:ph type="title"/>
+          </p:nvPr>
+        </p:nvSpPr>
+        <p:spPr>
+          <a:xfrm>
+            <a:off x="371272" y="160844"/>
+            <a:ext cx="10515600" cy="1325563"/>
+          </a:xfrm>
+        </p:spPr>
+        <p:txBody>
+          <a:bodyPr/>
+          <a:lstStyle/>
+          <a:p>
+            <a:r>
+              <a:rPr lang="en-US" dirty="0">
+                <a:solidFill>
+                  <a:schemeClr val="bg1"/>
+                </a:solidFill>
+              </a:rPr>
+              <a:t>Port Mapping aka. Service Types</a:t>
+            </a:r>
+          </a:p>
+        </p:txBody>
+      </p:sp>
+      <p:sp>
+        <p:nvSpPr>
+          <p:cNvPr id="24" name="TextBox 23">
+            <a:extLst>
+              <a:ext uri="{FF2B5EF4-FFF2-40B4-BE49-F238E27FC236}">
+                <a16:creationId xmlns:a16="http://schemas.microsoft.com/office/drawing/2014/main" id="{78D52172-FEC3-47C9-BEC4-BEB4EBBEA8FF}"/>
+              </a:ext>
+            </a:extLst>
+          </p:cNvPr>
+          <p:cNvSpPr txBox="1"/>
+          <p:nvPr/>
+        </p:nvSpPr>
+        <p:spPr>
+          <a:xfrm>
+            <a:off x="488731" y="1269125"/>
+            <a:ext cx="4956036" cy="4247317"/>
+          </a:xfrm>
+          <a:prstGeom prst="rect">
+            <a:avLst/>
+          </a:prstGeom>
+          <a:noFill/>
+        </p:spPr>
+        <p:txBody>
+          <a:bodyPr wrap="square" rtlCol="0">
+            <a:spAutoFit/>
+          </a:bodyPr>
+          <a:lstStyle/>
+          <a:p>
+            <a:pPr marL="285750" indent="-285750">
+              <a:buFont typeface="Arial" panose="020B0604020202020204" pitchFamily="34" charset="0"/>
+              <a:buChar char="•"/>
+            </a:pPr>
+            <a:r>
+              <a:rPr lang="en-US" dirty="0">
+                <a:solidFill>
+                  <a:schemeClr val="bg1"/>
+                </a:solidFill>
+              </a:rPr>
+              <a:t>Cluster IP</a:t>
+            </a:r>
+          </a:p>
+          <a:p>
+            <a:pPr marL="742950" lvl="1" indent="-285750">
+              <a:buFont typeface="Arial" panose="020B0604020202020204" pitchFamily="34" charset="0"/>
+              <a:buChar char="•"/>
+            </a:pPr>
+            <a:r>
+              <a:rPr lang="en-US" dirty="0">
+                <a:solidFill>
+                  <a:schemeClr val="bg1"/>
+                </a:solidFill>
+              </a:rPr>
+              <a:t>Default K8s Service Type</a:t>
+            </a:r>
+          </a:p>
+          <a:p>
+            <a:pPr marL="742950" lvl="1" indent="-285750">
+              <a:buFont typeface="Arial" panose="020B0604020202020204" pitchFamily="34" charset="0"/>
+              <a:buChar char="•"/>
+            </a:pPr>
+            <a:r>
+              <a:rPr lang="en-US" dirty="0">
+                <a:solidFill>
+                  <a:schemeClr val="bg1"/>
+                </a:solidFill>
+              </a:rPr>
+              <a:t>The service by default is internal to cluster</a:t>
+            </a:r>
+          </a:p>
+          <a:p>
+            <a:pPr marL="285750" indent="-285750">
+              <a:buFont typeface="Arial" panose="020B0604020202020204" pitchFamily="34" charset="0"/>
+              <a:buChar char="•"/>
+            </a:pPr>
+            <a:r>
+              <a:rPr lang="en-US" dirty="0">
+                <a:solidFill>
+                  <a:schemeClr val="bg1"/>
+                </a:solidFill>
+              </a:rPr>
+              <a:t>Node Port</a:t>
+            </a:r>
+          </a:p>
+          <a:p>
+            <a:pPr marL="742950" lvl="1" indent="-285750">
+              <a:buFont typeface="Arial" panose="020B0604020202020204" pitchFamily="34" charset="0"/>
+              <a:buChar char="•"/>
+            </a:pPr>
+            <a:r>
+              <a:rPr lang="en-US" dirty="0">
+                <a:solidFill>
+                  <a:schemeClr val="bg1"/>
+                </a:solidFill>
+              </a:rPr>
+              <a:t>A Service of type node port is exposed over Node’s IP.</a:t>
+            </a:r>
+          </a:p>
+          <a:p>
+            <a:pPr marL="742950" lvl="1" indent="-285750">
+              <a:buFont typeface="Arial" panose="020B0604020202020204" pitchFamily="34" charset="0"/>
+              <a:buChar char="•"/>
+            </a:pPr>
+            <a:r>
+              <a:rPr lang="en-US" dirty="0">
+                <a:solidFill>
+                  <a:schemeClr val="bg1"/>
+                </a:solidFill>
+              </a:rPr>
+              <a:t>You will be able to contact the Port by using &lt;</a:t>
+            </a:r>
+            <a:r>
+              <a:rPr lang="en-US" dirty="0" err="1">
+                <a:solidFill>
+                  <a:schemeClr val="bg1"/>
+                </a:solidFill>
+              </a:rPr>
+              <a:t>NodeIP</a:t>
+            </a:r>
+            <a:r>
+              <a:rPr lang="en-US" dirty="0">
+                <a:solidFill>
+                  <a:schemeClr val="bg1"/>
+                </a:solidFill>
+              </a:rPr>
+              <a:t>&gt;:&lt;</a:t>
+            </a:r>
+            <a:r>
+              <a:rPr lang="en-US" dirty="0" err="1">
+                <a:solidFill>
+                  <a:schemeClr val="bg1"/>
+                </a:solidFill>
+              </a:rPr>
+              <a:t>NodePort</a:t>
+            </a:r>
+            <a:r>
+              <a:rPr lang="en-US" dirty="0">
+                <a:solidFill>
+                  <a:schemeClr val="bg1"/>
+                </a:solidFill>
+              </a:rPr>
+              <a:t>&gt;</a:t>
+            </a:r>
+          </a:p>
+          <a:p>
+            <a:pPr marL="742950" lvl="1" indent="-285750">
+              <a:buFont typeface="Arial" panose="020B0604020202020204" pitchFamily="34" charset="0"/>
+              <a:buChar char="•"/>
+            </a:pPr>
+            <a:r>
+              <a:rPr lang="en-US" dirty="0">
+                <a:solidFill>
+                  <a:schemeClr val="bg1"/>
+                </a:solidFill>
+              </a:rPr>
+              <a:t>If you have multiple nodes same ports are opened on all IPs</a:t>
+            </a:r>
+          </a:p>
+          <a:p>
+            <a:pPr marL="742950" lvl="1" indent="-285750">
+              <a:buFont typeface="Arial" panose="020B0604020202020204" pitchFamily="34" charset="0"/>
+              <a:buChar char="•"/>
+            </a:pPr>
+            <a:r>
+              <a:rPr lang="en-US" dirty="0">
+                <a:solidFill>
+                  <a:schemeClr val="bg1"/>
+                </a:solidFill>
+              </a:rPr>
+              <a:t>Not supported by AKS</a:t>
+            </a:r>
+          </a:p>
+          <a:p>
+            <a:pPr marL="285750" indent="-285750">
+              <a:buFont typeface="Arial" panose="020B0604020202020204" pitchFamily="34" charset="0"/>
+              <a:buChar char="•"/>
+            </a:pPr>
+            <a:r>
+              <a:rPr lang="en-US" dirty="0">
+                <a:solidFill>
+                  <a:schemeClr val="bg1"/>
+                </a:solidFill>
+              </a:rPr>
+              <a:t>Load Balancer Port </a:t>
+            </a:r>
+            <a:r>
+              <a:rPr lang="en-US" b="1" dirty="0">
+                <a:solidFill>
+                  <a:schemeClr val="bg1"/>
+                </a:solidFill>
+              </a:rPr>
+              <a:t>[Most Common]</a:t>
+            </a:r>
+          </a:p>
+          <a:p>
+            <a:pPr marL="742950" lvl="1" indent="-285750">
+              <a:buFont typeface="Arial" panose="020B0604020202020204" pitchFamily="34" charset="0"/>
+              <a:buChar char="•"/>
+            </a:pPr>
+            <a:r>
+              <a:rPr lang="en-US" dirty="0">
+                <a:solidFill>
+                  <a:schemeClr val="bg1"/>
+                </a:solidFill>
+              </a:rPr>
+              <a:t>Leverages cloud provider’s load balancer</a:t>
+            </a:r>
+          </a:p>
+          <a:p>
+            <a:pPr marL="285750" indent="-285750">
+              <a:buFont typeface="Arial" panose="020B0604020202020204" pitchFamily="34" charset="0"/>
+              <a:buChar char="•"/>
+            </a:pPr>
+            <a:r>
+              <a:rPr lang="en-US" dirty="0">
+                <a:solidFill>
+                  <a:schemeClr val="bg1"/>
+                </a:solidFill>
+              </a:rPr>
+              <a:t>External Name</a:t>
+            </a:r>
+          </a:p>
+          <a:p>
+            <a:pPr marL="285750" indent="-285750">
+              <a:buFont typeface="Arial" panose="020B0604020202020204" pitchFamily="34" charset="0"/>
+              <a:buChar char="•"/>
+            </a:pPr>
+            <a:r>
+              <a:rPr lang="en-US" dirty="0">
+                <a:solidFill>
+                  <a:schemeClr val="bg1"/>
+                </a:solidFill>
+                <a:hlinkClick r:id="rId2"/>
+              </a:rPr>
+              <a:t>Ingress</a:t>
+            </a:r>
+            <a:endParaRPr lang="en-US" dirty="0">
+              <a:solidFill>
+                <a:schemeClr val="bg1"/>
+              </a:solidFill>
+            </a:endParaRPr>
+          </a:p>
+        </p:txBody>
+      </p:sp>
+      <p:pic>
+        <p:nvPicPr>
+          <p:cNvPr id="25" name="Picture 24">
+            <a:extLst>
+              <a:ext uri="{FF2B5EF4-FFF2-40B4-BE49-F238E27FC236}">
+                <a16:creationId xmlns:a16="http://schemas.microsoft.com/office/drawing/2014/main" id="{06C4E193-A5B9-4F29-B86A-CBC2EC1059D6}"/>
+              </a:ext>
+            </a:extLst>
+          </p:cNvPr>
+          <p:cNvPicPr>
+            <a:picLocks noChangeAspect="1"/>
+          </p:cNvPicPr>
+          <p:nvPr/>
+        </p:nvPicPr>
+        <p:blipFill>
+          <a:blip r:embed="rId3"/>
+          <a:stretch>
+            <a:fillRect/>
+          </a:stretch>
+        </p:blipFill>
+        <p:spPr>
+          <a:xfrm>
+            <a:off x="9760543" y="1206743"/>
+            <a:ext cx="2281182" cy="2218344"/>
+          </a:xfrm>
+          <a:prstGeom prst="rect">
+            <a:avLst/>
+          </a:prstGeom>
+        </p:spPr>
+      </p:pic>
+      <p:grpSp>
+        <p:nvGrpSpPr>
+          <p:cNvPr id="41" name="Group 40">
+            <a:extLst>
+              <a:ext uri="{FF2B5EF4-FFF2-40B4-BE49-F238E27FC236}">
+                <a16:creationId xmlns:a16="http://schemas.microsoft.com/office/drawing/2014/main" id="{3E08692B-2F67-48D3-B4A4-E8B8B93E0D3C}"/>
+              </a:ext>
+            </a:extLst>
+          </p:cNvPr>
+          <p:cNvGrpSpPr/>
+          <p:nvPr/>
+        </p:nvGrpSpPr>
+        <p:grpSpPr>
+          <a:xfrm>
+            <a:off x="5516187" y="1191930"/>
+            <a:ext cx="4172936" cy="2237070"/>
+            <a:chOff x="4135656" y="1213253"/>
+            <a:chExt cx="4033710" cy="3374513"/>
+          </a:xfrm>
+        </p:grpSpPr>
+        <p:sp>
+          <p:nvSpPr>
+            <p:cNvPr id="4" name="Rectangle 3">
+              <a:extLst>
+                <a:ext uri="{FF2B5EF4-FFF2-40B4-BE49-F238E27FC236}">
+                  <a16:creationId xmlns:a16="http://schemas.microsoft.com/office/drawing/2014/main" id="{45C9F5C9-104B-442D-AF43-18867979AE02}"/>
+                </a:ext>
+              </a:extLst>
+            </p:cNvPr>
+            <p:cNvSpPr/>
+            <p:nvPr/>
+          </p:nvSpPr>
+          <p:spPr>
+            <a:xfrm>
+              <a:off x="4135656" y="1213253"/>
+              <a:ext cx="4033710" cy="3374513"/>
+            </a:xfrm>
+            <a:prstGeom prst="rect">
+              <a:avLst/>
+            </a:prstGeom>
+          </p:spPr>
+          <p:style>
+            <a:lnRef idx="2">
+              <a:schemeClr val="accent1">
+                <a:shade val="50000"/>
+              </a:schemeClr>
+            </a:lnRef>
+            <a:fillRef idx="1">
+              <a:schemeClr val="accent1"/>
+            </a:fillRef>
+            <a:effectRef idx="0">
+              <a:schemeClr val="accent1"/>
+            </a:effectRef>
+            <a:fontRef idx="minor">
+              <a:schemeClr val="lt1"/>
+            </a:fontRef>
+          </p:style>
+          <p:txBody>
+            <a:bodyPr rtlCol="0" anchor="ctr"/>
+            <a:lstStyle/>
+            <a:p>
+              <a:pPr algn="ctr"/>
+              <a:endParaRPr lang="en-US" sz="1400"/>
+            </a:p>
+          </p:txBody>
+        </p:sp>
+        <p:sp>
+          <p:nvSpPr>
+            <p:cNvPr id="5" name="Rectangle 4">
+              <a:extLst>
+                <a:ext uri="{FF2B5EF4-FFF2-40B4-BE49-F238E27FC236}">
+                  <a16:creationId xmlns:a16="http://schemas.microsoft.com/office/drawing/2014/main" id="{D963BC13-0A41-4C16-BDCF-62CCD006BB62}"/>
+                </a:ext>
+              </a:extLst>
+            </p:cNvPr>
+            <p:cNvSpPr/>
+            <p:nvPr/>
+          </p:nvSpPr>
+          <p:spPr>
+            <a:xfrm>
+              <a:off x="4443084" y="1820919"/>
+              <a:ext cx="3611782" cy="2459420"/>
+            </a:xfrm>
+            <a:prstGeom prst="rect">
+              <a:avLst/>
+            </a:prstGeom>
+          </p:spPr>
+          <p:style>
+            <a:lnRef idx="2">
+              <a:schemeClr val="accent2">
+                <a:shade val="50000"/>
+              </a:schemeClr>
+            </a:lnRef>
+            <a:fillRef idx="1">
+              <a:schemeClr val="accent2"/>
+            </a:fillRef>
+            <a:effectRef idx="0">
+              <a:schemeClr val="accent2"/>
+            </a:effectRef>
+            <a:fontRef idx="minor">
+              <a:schemeClr val="lt1"/>
+            </a:fontRef>
+          </p:style>
+          <p:txBody>
+            <a:bodyPr rtlCol="0" anchor="ctr"/>
+            <a:lstStyle/>
+            <a:p>
+              <a:pPr algn="ctr"/>
+              <a:endParaRPr lang="en-US" sz="1400" dirty="0"/>
+            </a:p>
+          </p:txBody>
+        </p:sp>
+        <p:sp>
+          <p:nvSpPr>
+            <p:cNvPr id="8" name="TextBox 7">
+              <a:extLst>
+                <a:ext uri="{FF2B5EF4-FFF2-40B4-BE49-F238E27FC236}">
+                  <a16:creationId xmlns:a16="http://schemas.microsoft.com/office/drawing/2014/main" id="{6F75DE3F-8B8D-4C9A-8CC4-12F17E2B731D}"/>
+                </a:ext>
+              </a:extLst>
+            </p:cNvPr>
+            <p:cNvSpPr txBox="1"/>
+            <p:nvPr/>
+          </p:nvSpPr>
+          <p:spPr>
+            <a:xfrm>
+              <a:off x="7430059" y="1851053"/>
+              <a:ext cx="615130" cy="365118"/>
+            </a:xfrm>
+            <a:prstGeom prst="rect">
+              <a:avLst/>
+            </a:prstGeom>
+            <a:noFill/>
+          </p:spPr>
+          <p:txBody>
+            <a:bodyPr wrap="square" rtlCol="0">
+              <a:spAutoFit/>
+            </a:bodyPr>
+            <a:lstStyle/>
+            <a:p>
+              <a:r>
+                <a:rPr lang="en-US" sz="1100" dirty="0"/>
+                <a:t>Node</a:t>
+              </a:r>
+              <a:endParaRPr lang="en-US" sz="1400" dirty="0"/>
+            </a:p>
+          </p:txBody>
+        </p:sp>
+        <p:sp>
+          <p:nvSpPr>
+            <p:cNvPr id="9" name="TextBox 8">
+              <a:extLst>
+                <a:ext uri="{FF2B5EF4-FFF2-40B4-BE49-F238E27FC236}">
+                  <a16:creationId xmlns:a16="http://schemas.microsoft.com/office/drawing/2014/main" id="{A48BE7D5-1C0B-42FA-9465-D4F1433C0C79}"/>
+                </a:ext>
+              </a:extLst>
+            </p:cNvPr>
+            <p:cNvSpPr txBox="1"/>
+            <p:nvPr/>
+          </p:nvSpPr>
+          <p:spPr>
+            <a:xfrm>
+              <a:off x="7453514" y="1248371"/>
+              <a:ext cx="715852" cy="365118"/>
+            </a:xfrm>
+            <a:prstGeom prst="rect">
+              <a:avLst/>
+            </a:prstGeom>
+            <a:noFill/>
+          </p:spPr>
+          <p:txBody>
+            <a:bodyPr wrap="square" rtlCol="0">
+              <a:spAutoFit/>
+            </a:bodyPr>
+            <a:lstStyle/>
+            <a:p>
+              <a:r>
+                <a:rPr lang="en-US" sz="1100" dirty="0"/>
+                <a:t>Cluster</a:t>
+              </a:r>
+              <a:endParaRPr lang="en-US" sz="1400" dirty="0"/>
+            </a:p>
+          </p:txBody>
+        </p:sp>
+        <p:sp>
+          <p:nvSpPr>
+            <p:cNvPr id="12" name="Rectangle 11">
+              <a:extLst>
+                <a:ext uri="{FF2B5EF4-FFF2-40B4-BE49-F238E27FC236}">
+                  <a16:creationId xmlns:a16="http://schemas.microsoft.com/office/drawing/2014/main" id="{98DE2A02-84CC-4678-B680-B3D8782DCA10}"/>
+                </a:ext>
+              </a:extLst>
+            </p:cNvPr>
+            <p:cNvSpPr/>
+            <p:nvPr/>
+          </p:nvSpPr>
+          <p:spPr>
+            <a:xfrm>
+              <a:off x="4815608" y="3062159"/>
+              <a:ext cx="2730578" cy="1007163"/>
+            </a:xfrm>
+            <a:prstGeom prst="rect">
+              <a:avLst/>
+            </a:prstGeom>
+          </p:spPr>
+          <p:style>
+            <a:lnRef idx="2">
+              <a:schemeClr val="accent6">
+                <a:shade val="50000"/>
+              </a:schemeClr>
+            </a:lnRef>
+            <a:fillRef idx="1">
+              <a:schemeClr val="accent6"/>
+            </a:fillRef>
+            <a:effectRef idx="0">
+              <a:schemeClr val="accent6"/>
+            </a:effectRef>
+            <a:fontRef idx="minor">
+              <a:schemeClr val="lt1"/>
+            </a:fontRef>
+          </p:style>
+          <p:txBody>
+            <a:bodyPr rtlCol="0" anchor="ctr"/>
+            <a:lstStyle/>
+            <a:p>
+              <a:pPr algn="ctr"/>
+              <a:r>
+                <a:rPr lang="en-US" sz="1400" dirty="0"/>
+                <a:t>		    </a:t>
+              </a:r>
+            </a:p>
+            <a:p>
+              <a:pPr algn="ctr"/>
+              <a:r>
+                <a:rPr lang="en-US" sz="1400" dirty="0"/>
+                <a:t>		   Pod</a:t>
+              </a:r>
+            </a:p>
+            <a:p>
+              <a:pPr algn="ctr"/>
+              <a:r>
+                <a:rPr lang="en-US" sz="1400" dirty="0"/>
+                <a:t>                                                 3030	          </a:t>
+              </a:r>
+            </a:p>
+            <a:p>
+              <a:pPr algn="ctr"/>
+              <a:endParaRPr lang="en-US" sz="1400" dirty="0"/>
+            </a:p>
+          </p:txBody>
+        </p:sp>
+        <p:sp>
+          <p:nvSpPr>
+            <p:cNvPr id="14" name="Rectangle 13">
+              <a:extLst>
+                <a:ext uri="{FF2B5EF4-FFF2-40B4-BE49-F238E27FC236}">
+                  <a16:creationId xmlns:a16="http://schemas.microsoft.com/office/drawing/2014/main" id="{4696982A-A51D-445D-A083-69CD44C84CA4}"/>
+                </a:ext>
+              </a:extLst>
+            </p:cNvPr>
+            <p:cNvSpPr/>
+            <p:nvPr/>
+          </p:nvSpPr>
+          <p:spPr>
+            <a:xfrm>
+              <a:off x="4828987" y="2269218"/>
+              <a:ext cx="2617867" cy="519461"/>
+            </a:xfrm>
+            <a:prstGeom prst="rect">
+              <a:avLst/>
+            </a:prstGeom>
+          </p:spPr>
+          <p:style>
+            <a:lnRef idx="2">
+              <a:schemeClr val="accent1">
+                <a:shade val="50000"/>
+              </a:schemeClr>
+            </a:lnRef>
+            <a:fillRef idx="1">
+              <a:schemeClr val="accent1"/>
+            </a:fillRef>
+            <a:effectRef idx="0">
+              <a:schemeClr val="accent1"/>
+            </a:effectRef>
+            <a:fontRef idx="minor">
+              <a:schemeClr val="lt1"/>
+            </a:fontRef>
+          </p:style>
+          <p:txBody>
+            <a:bodyPr rtlCol="0" anchor="ctr"/>
+            <a:lstStyle/>
+            <a:p>
+              <a:pPr algn="ctr"/>
+              <a:r>
+                <a:rPr lang="en-US" sz="1100" dirty="0"/>
+                <a:t>Service, 31001</a:t>
+              </a:r>
+              <a:endParaRPr lang="en-US" sz="700" dirty="0"/>
+            </a:p>
+          </p:txBody>
+        </p:sp>
+        <p:cxnSp>
+          <p:nvCxnSpPr>
+            <p:cNvPr id="15" name="Straight Arrow Connector 14">
+              <a:extLst>
+                <a:ext uri="{FF2B5EF4-FFF2-40B4-BE49-F238E27FC236}">
+                  <a16:creationId xmlns:a16="http://schemas.microsoft.com/office/drawing/2014/main" id="{75634179-391F-4D9C-9E64-D11E9407883E}"/>
+                </a:ext>
+              </a:extLst>
+            </p:cNvPr>
+            <p:cNvCxnSpPr>
+              <a:cxnSpLocks/>
+              <a:stCxn id="14" idx="2"/>
+              <a:endCxn id="12" idx="0"/>
+            </p:cNvCxnSpPr>
+            <p:nvPr/>
+          </p:nvCxnSpPr>
+          <p:spPr>
+            <a:xfrm>
+              <a:off x="6137921" y="2788679"/>
+              <a:ext cx="42976" cy="273480"/>
+            </a:xfrm>
+            <a:prstGeom prst="straightConnector1">
+              <a:avLst/>
+            </a:prstGeom>
+            <a:ln w="12700">
+              <a:tailEnd type="triangle"/>
+            </a:ln>
+          </p:spPr>
+          <p:style>
+            <a:lnRef idx="1">
+              <a:schemeClr val="dk1"/>
+            </a:lnRef>
+            <a:fillRef idx="0">
+              <a:schemeClr val="dk1"/>
+            </a:fillRef>
+            <a:effectRef idx="0">
+              <a:schemeClr val="dk1"/>
+            </a:effectRef>
+            <a:fontRef idx="minor">
+              <a:schemeClr val="tx1"/>
+            </a:fontRef>
+          </p:style>
+        </p:cxnSp>
+        <p:sp>
+          <p:nvSpPr>
+            <p:cNvPr id="31" name="Rectangle 30">
+              <a:extLst>
+                <a:ext uri="{FF2B5EF4-FFF2-40B4-BE49-F238E27FC236}">
+                  <a16:creationId xmlns:a16="http://schemas.microsoft.com/office/drawing/2014/main" id="{13DAF4A9-2BAD-4C3D-A7B2-CC2F52EE91BB}"/>
+                </a:ext>
+              </a:extLst>
+            </p:cNvPr>
+            <p:cNvSpPr/>
+            <p:nvPr/>
+          </p:nvSpPr>
+          <p:spPr>
+            <a:xfrm>
+              <a:off x="4902366" y="3179399"/>
+              <a:ext cx="1998009" cy="786089"/>
+            </a:xfrm>
+            <a:prstGeom prst="rect">
+              <a:avLst/>
+            </a:prstGeom>
+          </p:spPr>
+          <p:style>
+            <a:lnRef idx="2">
+              <a:schemeClr val="dk1">
+                <a:shade val="50000"/>
+              </a:schemeClr>
+            </a:lnRef>
+            <a:fillRef idx="1">
+              <a:schemeClr val="dk1"/>
+            </a:fillRef>
+            <a:effectRef idx="0">
+              <a:schemeClr val="dk1"/>
+            </a:effectRef>
+            <a:fontRef idx="minor">
+              <a:schemeClr val="lt1"/>
+            </a:fontRef>
+          </p:style>
+          <p:txBody>
+            <a:bodyPr rtlCol="0" anchor="ctr"/>
+            <a:lstStyle/>
+            <a:p>
+              <a:pPr algn="ctr"/>
+              <a:r>
+                <a:rPr lang="en-US" sz="1400" dirty="0"/>
+                <a:t>	container</a:t>
+              </a:r>
+            </a:p>
+            <a:p>
+              <a:pPr algn="ctr"/>
+              <a:r>
+                <a:rPr lang="en-US" sz="1400" dirty="0"/>
+                <a:t>	3030</a:t>
+              </a:r>
+            </a:p>
+          </p:txBody>
+        </p:sp>
+        <p:sp>
+          <p:nvSpPr>
+            <p:cNvPr id="35" name="Rectangle 34">
+              <a:extLst>
+                <a:ext uri="{FF2B5EF4-FFF2-40B4-BE49-F238E27FC236}">
+                  <a16:creationId xmlns:a16="http://schemas.microsoft.com/office/drawing/2014/main" id="{1AD8CA25-C3E5-4973-8010-1B592F12E9BC}"/>
+                </a:ext>
+              </a:extLst>
+            </p:cNvPr>
+            <p:cNvSpPr/>
+            <p:nvPr/>
+          </p:nvSpPr>
+          <p:spPr>
+            <a:xfrm>
+              <a:off x="5080496" y="3335639"/>
+              <a:ext cx="807348" cy="460203"/>
+            </a:xfrm>
+            <a:prstGeom prst="rect">
+              <a:avLst/>
+            </a:prstGeom>
+            <a:solidFill>
+              <a:schemeClr val="bg1"/>
+            </a:solidFill>
+          </p:spPr>
+          <p:style>
+            <a:lnRef idx="2">
+              <a:schemeClr val="accent1">
+                <a:shade val="50000"/>
+              </a:schemeClr>
+            </a:lnRef>
+            <a:fillRef idx="1">
+              <a:schemeClr val="accent1"/>
+            </a:fillRef>
+            <a:effectRef idx="0">
+              <a:schemeClr val="accent1"/>
+            </a:effectRef>
+            <a:fontRef idx="minor">
+              <a:schemeClr val="lt1"/>
+            </a:fontRef>
+          </p:style>
+          <p:txBody>
+            <a:bodyPr rtlCol="0" anchor="ctr"/>
+            <a:lstStyle/>
+            <a:p>
+              <a:pPr algn="ctr"/>
+              <a:r>
+                <a:rPr lang="en-US" sz="1100" dirty="0">
+                  <a:solidFill>
+                    <a:schemeClr val="tx1"/>
+                  </a:solidFill>
+                </a:rPr>
+                <a:t>App</a:t>
+              </a:r>
+            </a:p>
+            <a:p>
+              <a:pPr algn="ctr"/>
+              <a:r>
+                <a:rPr lang="en-US" sz="1100" dirty="0">
+                  <a:solidFill>
+                    <a:schemeClr val="tx1"/>
+                  </a:solidFill>
+                </a:rPr>
+                <a:t>3000</a:t>
+              </a:r>
+            </a:p>
+          </p:txBody>
+        </p:sp>
+        <p:sp>
+          <p:nvSpPr>
+            <p:cNvPr id="37" name="Rectangle 36">
+              <a:extLst>
+                <a:ext uri="{FF2B5EF4-FFF2-40B4-BE49-F238E27FC236}">
+                  <a16:creationId xmlns:a16="http://schemas.microsoft.com/office/drawing/2014/main" id="{AA12CAA6-A958-43D8-8766-7BBCF4B3EDE1}"/>
+                </a:ext>
+              </a:extLst>
+            </p:cNvPr>
+            <p:cNvSpPr/>
+            <p:nvPr/>
+          </p:nvSpPr>
+          <p:spPr>
+            <a:xfrm>
+              <a:off x="4443084" y="1635758"/>
+              <a:ext cx="886731" cy="162653"/>
+            </a:xfrm>
+            <a:prstGeom prst="rect">
+              <a:avLst/>
+            </a:prstGeom>
+            <a:solidFill>
+              <a:schemeClr val="bg1"/>
+            </a:solidFill>
+          </p:spPr>
+          <p:style>
+            <a:lnRef idx="2">
+              <a:schemeClr val="accent1">
+                <a:shade val="50000"/>
+              </a:schemeClr>
+            </a:lnRef>
+            <a:fillRef idx="1">
+              <a:schemeClr val="accent1"/>
+            </a:fillRef>
+            <a:effectRef idx="0">
+              <a:schemeClr val="accent1"/>
+            </a:effectRef>
+            <a:fontRef idx="minor">
+              <a:schemeClr val="lt1"/>
+            </a:fontRef>
+          </p:style>
+          <p:txBody>
+            <a:bodyPr rtlCol="0" anchor="ctr"/>
+            <a:lstStyle/>
+            <a:p>
+              <a:pPr algn="ctr"/>
+              <a:r>
+                <a:rPr lang="en-US" sz="1100" dirty="0">
+                  <a:solidFill>
+                    <a:schemeClr val="tx1"/>
+                  </a:solidFill>
+                </a:rPr>
+                <a:t>IP, 31001</a:t>
+              </a:r>
+            </a:p>
+          </p:txBody>
+        </p:sp>
+        <p:cxnSp>
+          <p:nvCxnSpPr>
+            <p:cNvPr id="38" name="Straight Arrow Connector 37">
+              <a:extLst>
+                <a:ext uri="{FF2B5EF4-FFF2-40B4-BE49-F238E27FC236}">
+                  <a16:creationId xmlns:a16="http://schemas.microsoft.com/office/drawing/2014/main" id="{CDAE284E-E891-4192-BFA1-E3D29D0DC977}"/>
+                </a:ext>
+              </a:extLst>
+            </p:cNvPr>
+            <p:cNvCxnSpPr>
+              <a:cxnSpLocks/>
+              <a:stCxn id="37" idx="2"/>
+              <a:endCxn id="14" idx="0"/>
+            </p:cNvCxnSpPr>
+            <p:nvPr/>
+          </p:nvCxnSpPr>
+          <p:spPr>
+            <a:xfrm>
+              <a:off x="4886450" y="1798411"/>
+              <a:ext cx="1251471" cy="470807"/>
+            </a:xfrm>
+            <a:prstGeom prst="straightConnector1">
+              <a:avLst/>
+            </a:prstGeom>
+            <a:ln w="12700">
+              <a:tailEnd type="triangle"/>
+            </a:ln>
+          </p:spPr>
+          <p:style>
+            <a:lnRef idx="1">
+              <a:schemeClr val="dk1"/>
+            </a:lnRef>
+            <a:fillRef idx="0">
+              <a:schemeClr val="dk1"/>
+            </a:fillRef>
+            <a:effectRef idx="0">
+              <a:schemeClr val="dk1"/>
+            </a:effectRef>
+            <a:fontRef idx="minor">
+              <a:schemeClr val="tx1"/>
+            </a:fontRef>
+          </p:style>
+        </p:cxnSp>
+      </p:grpSp>
+      <p:grpSp>
+        <p:nvGrpSpPr>
+          <p:cNvPr id="42" name="Group 41">
+            <a:extLst>
+              <a:ext uri="{FF2B5EF4-FFF2-40B4-BE49-F238E27FC236}">
+                <a16:creationId xmlns:a16="http://schemas.microsoft.com/office/drawing/2014/main" id="{B9D1B8CA-5B5F-454B-BF34-E2DE77FDA0C9}"/>
+              </a:ext>
+            </a:extLst>
+          </p:cNvPr>
+          <p:cNvGrpSpPr/>
+          <p:nvPr/>
+        </p:nvGrpSpPr>
+        <p:grpSpPr>
+          <a:xfrm>
+            <a:off x="5516187" y="3522388"/>
+            <a:ext cx="4172936" cy="2957543"/>
+            <a:chOff x="4135656" y="1213253"/>
+            <a:chExt cx="4033710" cy="3374513"/>
+          </a:xfrm>
+        </p:grpSpPr>
+        <p:sp>
+          <p:nvSpPr>
+            <p:cNvPr id="43" name="Rectangle 42">
+              <a:extLst>
+                <a:ext uri="{FF2B5EF4-FFF2-40B4-BE49-F238E27FC236}">
+                  <a16:creationId xmlns:a16="http://schemas.microsoft.com/office/drawing/2014/main" id="{CFEA6D54-5A85-4ED4-950E-AE85CF8739F8}"/>
+                </a:ext>
+              </a:extLst>
+            </p:cNvPr>
+            <p:cNvSpPr/>
+            <p:nvPr/>
+          </p:nvSpPr>
+          <p:spPr>
+            <a:xfrm>
+              <a:off x="4135656" y="1213253"/>
+              <a:ext cx="4033710" cy="3374513"/>
+            </a:xfrm>
+            <a:prstGeom prst="rect">
+              <a:avLst/>
+            </a:prstGeom>
+          </p:spPr>
+          <p:style>
+            <a:lnRef idx="2">
+              <a:schemeClr val="accent1">
+                <a:shade val="50000"/>
+              </a:schemeClr>
+            </a:lnRef>
+            <a:fillRef idx="1">
+              <a:schemeClr val="accent1"/>
+            </a:fillRef>
+            <a:effectRef idx="0">
+              <a:schemeClr val="accent1"/>
+            </a:effectRef>
+            <a:fontRef idx="minor">
+              <a:schemeClr val="lt1"/>
+            </a:fontRef>
+          </p:style>
+          <p:txBody>
+            <a:bodyPr rtlCol="0" anchor="ctr"/>
+            <a:lstStyle/>
+            <a:p>
+              <a:pPr algn="ctr"/>
+              <a:endParaRPr lang="en-US"/>
+            </a:p>
+          </p:txBody>
+        </p:sp>
+        <p:sp>
+          <p:nvSpPr>
+            <p:cNvPr id="44" name="Rectangle 43">
+              <a:extLst>
+                <a:ext uri="{FF2B5EF4-FFF2-40B4-BE49-F238E27FC236}">
+                  <a16:creationId xmlns:a16="http://schemas.microsoft.com/office/drawing/2014/main" id="{5C729F1E-F0A6-425E-A556-DC6636992D4C}"/>
+                </a:ext>
+              </a:extLst>
+            </p:cNvPr>
+            <p:cNvSpPr/>
+            <p:nvPr/>
+          </p:nvSpPr>
+          <p:spPr>
+            <a:xfrm>
+              <a:off x="4443084" y="1820919"/>
+              <a:ext cx="3611782" cy="2459420"/>
+            </a:xfrm>
+            <a:prstGeom prst="rect">
+              <a:avLst/>
+            </a:prstGeom>
+          </p:spPr>
+          <p:style>
+            <a:lnRef idx="2">
+              <a:schemeClr val="accent2">
+                <a:shade val="50000"/>
+              </a:schemeClr>
+            </a:lnRef>
+            <a:fillRef idx="1">
+              <a:schemeClr val="accent2"/>
+            </a:fillRef>
+            <a:effectRef idx="0">
+              <a:schemeClr val="accent2"/>
+            </a:effectRef>
+            <a:fontRef idx="minor">
+              <a:schemeClr val="lt1"/>
+            </a:fontRef>
+          </p:style>
+          <p:txBody>
+            <a:bodyPr rtlCol="0" anchor="ctr"/>
+            <a:lstStyle/>
+            <a:p>
+              <a:pPr algn="ctr"/>
+              <a:endParaRPr lang="en-US" dirty="0"/>
+            </a:p>
+          </p:txBody>
+        </p:sp>
+        <p:sp>
+          <p:nvSpPr>
+            <p:cNvPr id="45" name="TextBox 44">
+              <a:extLst>
+                <a:ext uri="{FF2B5EF4-FFF2-40B4-BE49-F238E27FC236}">
+                  <a16:creationId xmlns:a16="http://schemas.microsoft.com/office/drawing/2014/main" id="{EF149F57-C85A-44E4-B572-8C88258FD5B5}"/>
+                </a:ext>
+              </a:extLst>
+            </p:cNvPr>
+            <p:cNvSpPr txBox="1"/>
+            <p:nvPr/>
+          </p:nvSpPr>
+          <p:spPr>
+            <a:xfrm>
+              <a:off x="7430059" y="1851053"/>
+              <a:ext cx="615130" cy="307777"/>
+            </a:xfrm>
+            <a:prstGeom prst="rect">
+              <a:avLst/>
+            </a:prstGeom>
+            <a:noFill/>
+          </p:spPr>
+          <p:txBody>
+            <a:bodyPr wrap="square" rtlCol="0">
+              <a:spAutoFit/>
+            </a:bodyPr>
+            <a:lstStyle/>
+            <a:p>
+              <a:r>
+                <a:rPr lang="en-US" sz="1400" dirty="0"/>
+                <a:t>Node</a:t>
+              </a:r>
+              <a:endParaRPr lang="en-US" dirty="0"/>
+            </a:p>
+          </p:txBody>
+        </p:sp>
+        <p:sp>
+          <p:nvSpPr>
+            <p:cNvPr id="46" name="TextBox 45">
+              <a:extLst>
+                <a:ext uri="{FF2B5EF4-FFF2-40B4-BE49-F238E27FC236}">
+                  <a16:creationId xmlns:a16="http://schemas.microsoft.com/office/drawing/2014/main" id="{B17488FE-65B4-400C-AAC8-202DB0F7342E}"/>
+                </a:ext>
+              </a:extLst>
+            </p:cNvPr>
+            <p:cNvSpPr txBox="1"/>
+            <p:nvPr/>
+          </p:nvSpPr>
+          <p:spPr>
+            <a:xfrm>
+              <a:off x="7453514" y="1248371"/>
+              <a:ext cx="715852" cy="389148"/>
+            </a:xfrm>
+            <a:prstGeom prst="rect">
+              <a:avLst/>
+            </a:prstGeom>
+            <a:noFill/>
+          </p:spPr>
+          <p:txBody>
+            <a:bodyPr wrap="square" rtlCol="0">
+              <a:spAutoFit/>
+            </a:bodyPr>
+            <a:lstStyle/>
+            <a:p>
+              <a:r>
+                <a:rPr lang="en-US" sz="1400" dirty="0"/>
+                <a:t>Cluster</a:t>
+              </a:r>
+              <a:endParaRPr lang="en-US" dirty="0"/>
+            </a:p>
+          </p:txBody>
+        </p:sp>
+        <p:sp>
+          <p:nvSpPr>
+            <p:cNvPr id="47" name="Rectangle 46">
+              <a:extLst>
+                <a:ext uri="{FF2B5EF4-FFF2-40B4-BE49-F238E27FC236}">
+                  <a16:creationId xmlns:a16="http://schemas.microsoft.com/office/drawing/2014/main" id="{CD9B36C7-6465-4812-BBB6-F9EFE40A9786}"/>
+                </a:ext>
+              </a:extLst>
+            </p:cNvPr>
+            <p:cNvSpPr/>
+            <p:nvPr/>
+          </p:nvSpPr>
+          <p:spPr>
+            <a:xfrm>
+              <a:off x="4815608" y="3062159"/>
+              <a:ext cx="2730578" cy="1007163"/>
+            </a:xfrm>
+            <a:prstGeom prst="rect">
+              <a:avLst/>
+            </a:prstGeom>
+          </p:spPr>
+          <p:style>
+            <a:lnRef idx="2">
+              <a:schemeClr val="accent6">
+                <a:shade val="50000"/>
+              </a:schemeClr>
+            </a:lnRef>
+            <a:fillRef idx="1">
+              <a:schemeClr val="accent6"/>
+            </a:fillRef>
+            <a:effectRef idx="0">
+              <a:schemeClr val="accent6"/>
+            </a:effectRef>
+            <a:fontRef idx="minor">
+              <a:schemeClr val="lt1"/>
+            </a:fontRef>
+          </p:style>
+          <p:txBody>
+            <a:bodyPr rtlCol="0" anchor="ctr"/>
+            <a:lstStyle/>
+            <a:p>
+              <a:pPr algn="ctr"/>
+              <a:r>
+                <a:rPr lang="en-US" dirty="0"/>
+                <a:t>		    </a:t>
+              </a:r>
+            </a:p>
+            <a:p>
+              <a:pPr algn="ctr"/>
+              <a:r>
+                <a:rPr lang="en-US" dirty="0"/>
+                <a:t>		   Pod</a:t>
+              </a:r>
+            </a:p>
+            <a:p>
+              <a:pPr algn="ctr"/>
+              <a:r>
+                <a:rPr lang="en-US" dirty="0"/>
+                <a:t>                                       3030	          </a:t>
+              </a:r>
+            </a:p>
+            <a:p>
+              <a:pPr algn="ctr"/>
+              <a:endParaRPr lang="en-US" dirty="0"/>
+            </a:p>
+          </p:txBody>
+        </p:sp>
+        <p:sp>
+          <p:nvSpPr>
+            <p:cNvPr id="48" name="Rectangle 47">
+              <a:extLst>
+                <a:ext uri="{FF2B5EF4-FFF2-40B4-BE49-F238E27FC236}">
+                  <a16:creationId xmlns:a16="http://schemas.microsoft.com/office/drawing/2014/main" id="{39BE0282-7F4B-47C2-AEF3-C7440A812A95}"/>
+                </a:ext>
+              </a:extLst>
+            </p:cNvPr>
+            <p:cNvSpPr/>
+            <p:nvPr/>
+          </p:nvSpPr>
+          <p:spPr>
+            <a:xfrm>
+              <a:off x="4828987" y="2269218"/>
+              <a:ext cx="2617867" cy="519461"/>
+            </a:xfrm>
+            <a:prstGeom prst="rect">
+              <a:avLst/>
+            </a:prstGeom>
+          </p:spPr>
+          <p:style>
+            <a:lnRef idx="2">
+              <a:schemeClr val="accent1">
+                <a:shade val="50000"/>
+              </a:schemeClr>
+            </a:lnRef>
+            <a:fillRef idx="1">
+              <a:schemeClr val="accent1"/>
+            </a:fillRef>
+            <a:effectRef idx="0">
+              <a:schemeClr val="accent1"/>
+            </a:effectRef>
+            <a:fontRef idx="minor">
+              <a:schemeClr val="lt1"/>
+            </a:fontRef>
+          </p:style>
+          <p:txBody>
+            <a:bodyPr rtlCol="0" anchor="ctr"/>
+            <a:lstStyle/>
+            <a:p>
+              <a:pPr algn="ctr"/>
+              <a:r>
+                <a:rPr lang="en-US" sz="1400" dirty="0"/>
+                <a:t>Service, &lt;random&gt;</a:t>
+              </a:r>
+              <a:endParaRPr lang="en-US" sz="900" dirty="0"/>
+            </a:p>
+          </p:txBody>
+        </p:sp>
+        <p:cxnSp>
+          <p:nvCxnSpPr>
+            <p:cNvPr id="49" name="Straight Arrow Connector 48">
+              <a:extLst>
+                <a:ext uri="{FF2B5EF4-FFF2-40B4-BE49-F238E27FC236}">
+                  <a16:creationId xmlns:a16="http://schemas.microsoft.com/office/drawing/2014/main" id="{9DD63EE2-62E0-4079-98F6-43A80FE766D9}"/>
+                </a:ext>
+              </a:extLst>
+            </p:cNvPr>
+            <p:cNvCxnSpPr>
+              <a:cxnSpLocks/>
+              <a:stCxn id="48" idx="2"/>
+              <a:endCxn id="47" idx="0"/>
+            </p:cNvCxnSpPr>
+            <p:nvPr/>
+          </p:nvCxnSpPr>
+          <p:spPr>
+            <a:xfrm>
+              <a:off x="6137921" y="2788679"/>
+              <a:ext cx="42976" cy="273480"/>
+            </a:xfrm>
+            <a:prstGeom prst="straightConnector1">
+              <a:avLst/>
+            </a:prstGeom>
+            <a:ln w="12700">
+              <a:tailEnd type="triangle"/>
+            </a:ln>
+          </p:spPr>
+          <p:style>
+            <a:lnRef idx="1">
+              <a:schemeClr val="dk1"/>
+            </a:lnRef>
+            <a:fillRef idx="0">
+              <a:schemeClr val="dk1"/>
+            </a:fillRef>
+            <a:effectRef idx="0">
+              <a:schemeClr val="dk1"/>
+            </a:effectRef>
+            <a:fontRef idx="minor">
+              <a:schemeClr val="tx1"/>
+            </a:fontRef>
+          </p:style>
+        </p:cxnSp>
+        <p:sp>
+          <p:nvSpPr>
+            <p:cNvPr id="50" name="Rectangle 49">
+              <a:extLst>
+                <a:ext uri="{FF2B5EF4-FFF2-40B4-BE49-F238E27FC236}">
+                  <a16:creationId xmlns:a16="http://schemas.microsoft.com/office/drawing/2014/main" id="{4514B885-57EC-42E7-9B1A-2648F490BDC9}"/>
+                </a:ext>
+              </a:extLst>
+            </p:cNvPr>
+            <p:cNvSpPr/>
+            <p:nvPr/>
+          </p:nvSpPr>
+          <p:spPr>
+            <a:xfrm>
+              <a:off x="4902366" y="3179399"/>
+              <a:ext cx="1998009" cy="786089"/>
+            </a:xfrm>
+            <a:prstGeom prst="rect">
+              <a:avLst/>
+            </a:prstGeom>
+          </p:spPr>
+          <p:style>
+            <a:lnRef idx="2">
+              <a:schemeClr val="dk1">
+                <a:shade val="50000"/>
+              </a:schemeClr>
+            </a:lnRef>
+            <a:fillRef idx="1">
+              <a:schemeClr val="dk1"/>
+            </a:fillRef>
+            <a:effectRef idx="0">
+              <a:schemeClr val="dk1"/>
+            </a:effectRef>
+            <a:fontRef idx="minor">
+              <a:schemeClr val="lt1"/>
+            </a:fontRef>
+          </p:style>
+          <p:txBody>
+            <a:bodyPr rtlCol="0" anchor="ctr"/>
+            <a:lstStyle/>
+            <a:p>
+              <a:pPr algn="ctr"/>
+              <a:r>
+                <a:rPr lang="en-US" dirty="0"/>
+                <a:t>	container</a:t>
+              </a:r>
+            </a:p>
+            <a:p>
+              <a:pPr algn="ctr"/>
+              <a:r>
+                <a:rPr lang="en-US" dirty="0"/>
+                <a:t>	3030</a:t>
+              </a:r>
+            </a:p>
+          </p:txBody>
+        </p:sp>
+        <p:sp>
+          <p:nvSpPr>
+            <p:cNvPr id="51" name="Rectangle 50">
+              <a:extLst>
+                <a:ext uri="{FF2B5EF4-FFF2-40B4-BE49-F238E27FC236}">
+                  <a16:creationId xmlns:a16="http://schemas.microsoft.com/office/drawing/2014/main" id="{6DD36B3D-3FA4-4EE8-8093-3E36F7E12189}"/>
+                </a:ext>
+              </a:extLst>
+            </p:cNvPr>
+            <p:cNvSpPr/>
+            <p:nvPr/>
+          </p:nvSpPr>
+          <p:spPr>
+            <a:xfrm>
+              <a:off x="5080496" y="3335639"/>
+              <a:ext cx="807348" cy="460203"/>
+            </a:xfrm>
+            <a:prstGeom prst="rect">
+              <a:avLst/>
+            </a:prstGeom>
+            <a:solidFill>
+              <a:schemeClr val="bg1"/>
+            </a:solidFill>
+          </p:spPr>
+          <p:style>
+            <a:lnRef idx="2">
+              <a:schemeClr val="accent1">
+                <a:shade val="50000"/>
+              </a:schemeClr>
+            </a:lnRef>
+            <a:fillRef idx="1">
+              <a:schemeClr val="accent1"/>
+            </a:fillRef>
+            <a:effectRef idx="0">
+              <a:schemeClr val="accent1"/>
+            </a:effectRef>
+            <a:fontRef idx="minor">
+              <a:schemeClr val="lt1"/>
+            </a:fontRef>
+          </p:style>
+          <p:txBody>
+            <a:bodyPr rtlCol="0" anchor="ctr"/>
+            <a:lstStyle/>
+            <a:p>
+              <a:pPr algn="ctr"/>
+              <a:r>
+                <a:rPr lang="en-US" sz="1400" dirty="0">
+                  <a:solidFill>
+                    <a:schemeClr val="tx1"/>
+                  </a:solidFill>
+                </a:rPr>
+                <a:t>App</a:t>
+              </a:r>
+            </a:p>
+            <a:p>
+              <a:pPr algn="ctr"/>
+              <a:r>
+                <a:rPr lang="en-US" sz="1400" dirty="0">
+                  <a:solidFill>
+                    <a:schemeClr val="tx1"/>
+                  </a:solidFill>
+                </a:rPr>
+                <a:t>3000</a:t>
+              </a:r>
+            </a:p>
+          </p:txBody>
+        </p:sp>
+        <p:sp>
+          <p:nvSpPr>
+            <p:cNvPr id="52" name="Rectangle 51">
+              <a:extLst>
+                <a:ext uri="{FF2B5EF4-FFF2-40B4-BE49-F238E27FC236}">
+                  <a16:creationId xmlns:a16="http://schemas.microsoft.com/office/drawing/2014/main" id="{0B0D385E-6E76-4B7E-B6AA-3268D8D8D193}"/>
+                </a:ext>
+              </a:extLst>
+            </p:cNvPr>
+            <p:cNvSpPr/>
+            <p:nvPr/>
+          </p:nvSpPr>
+          <p:spPr>
+            <a:xfrm>
+              <a:off x="4443084" y="1635758"/>
+              <a:ext cx="886731" cy="162653"/>
+            </a:xfrm>
+            <a:prstGeom prst="rect">
+              <a:avLst/>
+            </a:prstGeom>
+            <a:solidFill>
+              <a:schemeClr val="bg1"/>
+            </a:solidFill>
+          </p:spPr>
+          <p:style>
+            <a:lnRef idx="2">
+              <a:schemeClr val="accent1">
+                <a:shade val="50000"/>
+              </a:schemeClr>
+            </a:lnRef>
+            <a:fillRef idx="1">
+              <a:schemeClr val="accent1"/>
+            </a:fillRef>
+            <a:effectRef idx="0">
+              <a:schemeClr val="accent1"/>
+            </a:effectRef>
+            <a:fontRef idx="minor">
+              <a:schemeClr val="lt1"/>
+            </a:fontRef>
+          </p:style>
+          <p:txBody>
+            <a:bodyPr rtlCol="0" anchor="ctr"/>
+            <a:lstStyle/>
+            <a:p>
+              <a:pPr algn="ctr"/>
+              <a:r>
+                <a:rPr lang="en-US" sz="1400" dirty="0">
+                  <a:solidFill>
+                    <a:schemeClr val="tx1"/>
+                  </a:solidFill>
+                </a:rPr>
+                <a:t>IP</a:t>
+              </a:r>
+            </a:p>
+          </p:txBody>
+        </p:sp>
+      </p:grpSp>
+      <p:sp>
+        <p:nvSpPr>
+          <p:cNvPr id="54" name="Rectangle 53">
+            <a:extLst>
+              <a:ext uri="{FF2B5EF4-FFF2-40B4-BE49-F238E27FC236}">
+                <a16:creationId xmlns:a16="http://schemas.microsoft.com/office/drawing/2014/main" id="{F6672A9E-6C3D-4076-BF64-43A738071F0A}"/>
+              </a:ext>
+            </a:extLst>
+          </p:cNvPr>
+          <p:cNvSpPr/>
+          <p:nvPr/>
+        </p:nvSpPr>
+        <p:spPr>
+          <a:xfrm>
+            <a:off x="10507515" y="4216252"/>
+            <a:ext cx="1195754" cy="959428"/>
+          </a:xfrm>
+          <a:prstGeom prst="rect">
+            <a:avLst/>
+          </a:prstGeom>
+        </p:spPr>
+        <p:style>
+          <a:lnRef idx="2">
+            <a:schemeClr val="accent1">
+              <a:shade val="50000"/>
+            </a:schemeClr>
+          </a:lnRef>
+          <a:fillRef idx="1">
+            <a:schemeClr val="accent1"/>
+          </a:fillRef>
+          <a:effectRef idx="0">
+            <a:schemeClr val="accent1"/>
+          </a:effectRef>
+          <a:fontRef idx="minor">
+            <a:schemeClr val="lt1"/>
+          </a:fontRef>
+        </p:style>
+        <p:txBody>
+          <a:bodyPr rtlCol="0" anchor="ctr"/>
+          <a:lstStyle/>
+          <a:p>
+            <a:pPr algn="ctr"/>
+            <a:r>
+              <a:rPr lang="en-US" sz="1400" dirty="0"/>
+              <a:t>External Load Balancer</a:t>
+            </a:r>
+          </a:p>
+          <a:p>
+            <a:pPr algn="ctr"/>
+            <a:r>
+              <a:rPr lang="en-US" sz="1400" dirty="0"/>
+              <a:t>IP, 80</a:t>
+            </a:r>
+          </a:p>
+        </p:txBody>
+      </p:sp>
+      <p:cxnSp>
+        <p:nvCxnSpPr>
+          <p:cNvPr id="56" name="Straight Arrow Connector 55">
+            <a:extLst>
+              <a:ext uri="{FF2B5EF4-FFF2-40B4-BE49-F238E27FC236}">
+                <a16:creationId xmlns:a16="http://schemas.microsoft.com/office/drawing/2014/main" id="{5D7F6926-0BAD-4305-BE96-5D49DAFF392D}"/>
+              </a:ext>
+            </a:extLst>
+          </p:cNvPr>
+          <p:cNvCxnSpPr>
+            <a:cxnSpLocks/>
+          </p:cNvCxnSpPr>
+          <p:nvPr/>
+        </p:nvCxnSpPr>
+        <p:spPr>
+          <a:xfrm flipH="1">
+            <a:off x="6798880" y="1019019"/>
+            <a:ext cx="1184535" cy="438240"/>
+          </a:xfrm>
+          <a:prstGeom prst="straightConnector1">
+            <a:avLst/>
+          </a:prstGeom>
+          <a:ln w="38100">
+            <a:solidFill>
+              <a:schemeClr val="bg1"/>
+            </a:solidFill>
+            <a:tailEnd type="triangle"/>
+          </a:ln>
+        </p:spPr>
+        <p:style>
+          <a:lnRef idx="1">
+            <a:schemeClr val="accent1"/>
+          </a:lnRef>
+          <a:fillRef idx="0">
+            <a:schemeClr val="accent1"/>
+          </a:fillRef>
+          <a:effectRef idx="0">
+            <a:schemeClr val="accent1"/>
+          </a:effectRef>
+          <a:fontRef idx="minor">
+            <a:schemeClr val="tx1"/>
+          </a:fontRef>
+        </p:style>
+      </p:cxnSp>
+      <p:sp>
+        <p:nvSpPr>
+          <p:cNvPr id="58" name="TextBox 57">
+            <a:extLst>
+              <a:ext uri="{FF2B5EF4-FFF2-40B4-BE49-F238E27FC236}">
+                <a16:creationId xmlns:a16="http://schemas.microsoft.com/office/drawing/2014/main" id="{1AE73028-D3BB-4FD0-95FC-468279CEA464}"/>
+              </a:ext>
+            </a:extLst>
+          </p:cNvPr>
+          <p:cNvSpPr txBox="1"/>
+          <p:nvPr/>
+        </p:nvSpPr>
+        <p:spPr>
+          <a:xfrm>
+            <a:off x="7927811" y="714509"/>
+            <a:ext cx="1222131" cy="369332"/>
+          </a:xfrm>
+          <a:prstGeom prst="rect">
+            <a:avLst/>
+          </a:prstGeom>
+          <a:noFill/>
+        </p:spPr>
+        <p:txBody>
+          <a:bodyPr wrap="square" rtlCol="0">
+            <a:spAutoFit/>
+          </a:bodyPr>
+          <a:lstStyle/>
+          <a:p>
+            <a:r>
+              <a:rPr lang="en-US" dirty="0">
+                <a:solidFill>
+                  <a:schemeClr val="bg1"/>
+                </a:solidFill>
+              </a:rPr>
+              <a:t>Request</a:t>
+            </a:r>
+          </a:p>
+        </p:txBody>
+      </p:sp>
+      <p:cxnSp>
+        <p:nvCxnSpPr>
+          <p:cNvPr id="59" name="Straight Arrow Connector 58">
+            <a:extLst>
+              <a:ext uri="{FF2B5EF4-FFF2-40B4-BE49-F238E27FC236}">
+                <a16:creationId xmlns:a16="http://schemas.microsoft.com/office/drawing/2014/main" id="{F265ECFA-30FF-456E-9FF2-6AF386BD54C1}"/>
+              </a:ext>
+            </a:extLst>
+          </p:cNvPr>
+          <p:cNvCxnSpPr>
+            <a:cxnSpLocks/>
+            <a:stCxn id="60" idx="0"/>
+            <a:endCxn id="54" idx="2"/>
+          </p:cNvCxnSpPr>
+          <p:nvPr/>
+        </p:nvCxnSpPr>
+        <p:spPr>
+          <a:xfrm flipV="1">
+            <a:off x="11105392" y="5175680"/>
+            <a:ext cx="0" cy="610180"/>
+          </a:xfrm>
+          <a:prstGeom prst="straightConnector1">
+            <a:avLst/>
+          </a:prstGeom>
+          <a:ln w="38100">
+            <a:solidFill>
+              <a:schemeClr val="bg1"/>
+            </a:solidFill>
+            <a:tailEnd type="triangle"/>
+          </a:ln>
+        </p:spPr>
+        <p:style>
+          <a:lnRef idx="1">
+            <a:schemeClr val="accent1"/>
+          </a:lnRef>
+          <a:fillRef idx="0">
+            <a:schemeClr val="accent1"/>
+          </a:fillRef>
+          <a:effectRef idx="0">
+            <a:schemeClr val="accent1"/>
+          </a:effectRef>
+          <a:fontRef idx="minor">
+            <a:schemeClr val="tx1"/>
+          </a:fontRef>
+        </p:style>
+      </p:cxnSp>
+      <p:sp>
+        <p:nvSpPr>
+          <p:cNvPr id="60" name="TextBox 59">
+            <a:extLst>
+              <a:ext uri="{FF2B5EF4-FFF2-40B4-BE49-F238E27FC236}">
+                <a16:creationId xmlns:a16="http://schemas.microsoft.com/office/drawing/2014/main" id="{3AF29552-CE44-4D25-B69E-E6DF690969D0}"/>
+              </a:ext>
+            </a:extLst>
+          </p:cNvPr>
+          <p:cNvSpPr txBox="1"/>
+          <p:nvPr/>
+        </p:nvSpPr>
+        <p:spPr>
+          <a:xfrm>
+            <a:off x="10613023" y="5785860"/>
+            <a:ext cx="984738" cy="369332"/>
+          </a:xfrm>
+          <a:prstGeom prst="rect">
+            <a:avLst/>
+          </a:prstGeom>
+          <a:noFill/>
+        </p:spPr>
+        <p:txBody>
+          <a:bodyPr wrap="square" rtlCol="0">
+            <a:spAutoFit/>
+          </a:bodyPr>
+          <a:lstStyle/>
+          <a:p>
+            <a:r>
+              <a:rPr lang="en-US" dirty="0">
+                <a:solidFill>
+                  <a:schemeClr val="bg1"/>
+                </a:solidFill>
+              </a:rPr>
+              <a:t>Request</a:t>
+            </a:r>
+          </a:p>
+        </p:txBody>
+      </p:sp>
+      <p:cxnSp>
+        <p:nvCxnSpPr>
+          <p:cNvPr id="67" name="Straight Arrow Connector 66">
+            <a:extLst>
+              <a:ext uri="{FF2B5EF4-FFF2-40B4-BE49-F238E27FC236}">
+                <a16:creationId xmlns:a16="http://schemas.microsoft.com/office/drawing/2014/main" id="{DEFDD236-BF5A-42FF-AF8C-54E947F7D3D6}"/>
+              </a:ext>
+            </a:extLst>
+          </p:cNvPr>
+          <p:cNvCxnSpPr>
+            <a:cxnSpLocks/>
+            <a:stCxn id="54" idx="1"/>
+            <a:endCxn id="48" idx="3"/>
+          </p:cNvCxnSpPr>
+          <p:nvPr/>
+        </p:nvCxnSpPr>
+        <p:spPr>
+          <a:xfrm flipH="1" flipV="1">
+            <a:off x="8941673" y="4675510"/>
+            <a:ext cx="1565842" cy="20456"/>
+          </a:xfrm>
+          <a:prstGeom prst="straightConnector1">
+            <a:avLst/>
+          </a:prstGeom>
+          <a:ln w="38100">
+            <a:solidFill>
+              <a:schemeClr val="bg1"/>
+            </a:solidFill>
+            <a:tailEnd type="triangle"/>
+          </a:ln>
+        </p:spPr>
+        <p:style>
+          <a:lnRef idx="1">
+            <a:schemeClr val="accent1"/>
+          </a:lnRef>
+          <a:fillRef idx="0">
+            <a:schemeClr val="accent1"/>
+          </a:fillRef>
+          <a:effectRef idx="0">
+            <a:schemeClr val="accent1"/>
+          </a:effectRef>
+          <a:fontRef idx="minor">
+            <a:schemeClr val="tx1"/>
+          </a:fontRef>
+        </p:style>
+      </p:cxnSp>
+    </p:spTree>
+    <p:extLst>
+      <p:ext uri="{BB962C8B-B14F-4D97-AF65-F5344CB8AC3E}">
+        <p14:creationId xmlns:p14="http://schemas.microsoft.com/office/powerpoint/2010/main" val="3974311862"/>
+      </p:ext>
+    </p:extLst>
+  </p:cSld>
+  <p:clrMapOvr>
+    <a:masterClrMapping/>
+  </p:clrMapOvr>
+</p:sld>
+</file>
+
+<file path=ppt/slides/slide9.xml><?xml version="1.0" encoding="utf-8"?>
+<p:sld xmlns:a="http://schemas.openxmlformats.org/drawingml/2006/main" xmlns:r="http://schemas.openxmlformats.org/officeDocument/2006/relationships" xmlns:p="http://schemas.openxmlformats.org/presentationml/2006/main" show="0">
+  <p:cSld>
+    <p:bg>
+      <p:bgPr>
+        <a:solidFill>
+          <a:schemeClr val="bg1"/>
+        </a:solidFill>
+        <a:effectLst/>
+      </p:bgPr>
+    </p:bg>
+    <p:spTree>
+      <p:nvGrpSpPr>
+        <p:cNvPr id="1" name=""/>
+        <p:cNvGrpSpPr/>
+        <p:nvPr/>
+      </p:nvGrpSpPr>
+      <p:grpSpPr>
+        <a:xfrm>
+          <a:off x="0" y="0"/>
+          <a:ext cx="0" cy="0"/>
+          <a:chOff x="0" y="0"/>
+          <a:chExt cx="0" cy="0"/>
+        </a:xfrm>
+      </p:grpSpPr>
+      <p:sp>
+        <p:nvSpPr>
+          <p:cNvPr id="71" name="Rectangle 70">
+            <a:extLst>
+              <a:ext uri="{FF2B5EF4-FFF2-40B4-BE49-F238E27FC236}">
+                <a16:creationId xmlns:a16="http://schemas.microsoft.com/office/drawing/2014/main" id="{823AC064-BC96-4F32-8AE1-B2FD38754823}"/>
+              </a:ext>
+              <a:ext uri="{C183D7F6-B498-43B3-948B-1728B52AA6E4}">
+                <adec:decorative xmlns:adec="http://schemas.microsoft.com/office/drawing/2017/decorative" val="1"/>
+              </a:ext>
+            </a:extLst>
+          </p:cNvPr>
+          <p:cNvSpPr>
+            <a:spLocks noGrp="1" noRot="1" noChangeAspect="1" noMove="1" noResize="1" noEditPoints="1" noAdjustHandles="1" noChangeArrowheads="1" noChangeShapeType="1" noTextEdit="1"/>
+          </p:cNvSpPr>
+          <p:nvPr>
+            <p:extLst>
+              <p:ext uri="{386F3935-93C4-4BCD-93E2-E3B085C9AB24}">
+                <p16:designElem xmlns:p16="http://schemas.microsoft.com/office/powerpoint/2015/main" val="1"/>
+              </p:ext>
+            </p:extLst>
+          </p:nvPr>
+        </p:nvSpPr>
+        <p:spPr bwMode="ltGray">
+          <a:xfrm>
+            <a:off x="378068" y="343486"/>
+            <a:ext cx="11438793" cy="1844256"/>
+          </a:xfrm>
+          <a:prstGeom prst="rect">
+            <a:avLst/>
+          </a:prstGeom>
+          <a:solidFill>
+            <a:srgbClr val="404040"/>
+          </a:solidFill>
+          <a:ln w="127000" cap="sq" cmpd="thinThick">
+            <a:solidFill>
+              <a:srgbClr val="404040"/>
+            </a:solidFill>
+          </a:ln>
+        </p:spPr>
+        <p:style>
+          <a:lnRef idx="2">
+            <a:schemeClr val="accent1">
+              <a:shade val="50000"/>
+            </a:schemeClr>
+          </a:lnRef>
+          <a:fillRef idx="1">
+            <a:schemeClr val="accent1"/>
+          </a:fillRef>
+          <a:effectRef idx="0">
+            <a:schemeClr val="accent1"/>
+          </a:effectRef>
+          <a:fontRef idx="minor">
+            <a:schemeClr val="lt1"/>
+          </a:fontRef>
+        </p:style>
+        <p:txBody>
+          <a:bodyPr rtlCol="0" anchor="ctr"/>
+          <a:lstStyle/>
+          <a:p>
+            <a:pPr marL="0" marR="0" lvl="0" indent="0" algn="ctr" defTabSz="914400" rtl="0" eaLnBrk="1" fontAlgn="auto" latinLnBrk="0" hangingPunct="1">
+              <a:lnSpc>
+                <a:spcPct val="100000"/>
+              </a:lnSpc>
+              <a:spcBef>
+                <a:spcPts val="0"/>
+              </a:spcBef>
+              <a:spcAft>
+                <a:spcPts val="0"/>
+              </a:spcAft>
+              <a:buClrTx/>
+              <a:buSzTx/>
+              <a:buFontTx/>
+              <a:buNone/>
+              <a:tabLst/>
+              <a:defRPr/>
+            </a:pPr>
+            <a:endParaRPr kumimoji="0" lang="en-US" sz="1800" b="0" i="0" u="none" strike="noStrike" kern="1200" cap="none" spc="0" normalizeH="0" baseline="0" noProof="0">
+              <a:ln>
+                <a:noFill/>
+              </a:ln>
+              <a:solidFill>
+                <a:prstClr val="white"/>
+              </a:solidFill>
+              <a:effectLst/>
+              <a:uLnTx/>
+              <a:uFillTx/>
+              <a:latin typeface="Calibri" panose="020F0502020204030204"/>
+              <a:ea typeface="+mn-ea"/>
+              <a:cs typeface="+mn-cs"/>
+            </a:endParaRPr>
+          </a:p>
+        </p:txBody>
+      </p:sp>
+      <p:sp>
+        <p:nvSpPr>
+          <p:cNvPr id="2" name="Title 1">
+            <a:extLst>
+              <a:ext uri="{FF2B5EF4-FFF2-40B4-BE49-F238E27FC236}">
+                <a16:creationId xmlns:a16="http://schemas.microsoft.com/office/drawing/2014/main" id="{C043D2BB-CE85-4BE7-971F-C48E4677CE8B}"/>
+              </a:ext>
+            </a:extLst>
+          </p:cNvPr>
+          <p:cNvSpPr>
+            <a:spLocks noGrp="1"/>
+          </p:cNvSpPr>
+          <p:nvPr>
+            <p:ph type="title"/>
+          </p:nvPr>
+        </p:nvSpPr>
+        <p:spPr>
+          <a:xfrm>
+            <a:off x="526073" y="466578"/>
+            <a:ext cx="11139854" cy="930447"/>
+          </a:xfrm>
+        </p:spPr>
+        <p:txBody>
+          <a:bodyPr vert="horz" lIns="91440" tIns="45720" rIns="91440" bIns="45720" rtlCol="0" anchor="b">
+            <a:normAutofit/>
+          </a:bodyPr>
+          <a:lstStyle/>
+          <a:p>
+            <a:pPr algn="ctr"/>
+            <a:r>
+              <a:rPr lang="en-US" sz="5400" kern="1200">
+                <a:solidFill>
+                  <a:srgbClr val="FFFFFF"/>
+                </a:solidFill>
+                <a:latin typeface="+mj-lt"/>
+                <a:ea typeface="+mj-ea"/>
+                <a:cs typeface="+mj-cs"/>
+              </a:rPr>
+              <a:t>AKS Networking Architecture</a:t>
+            </a:r>
+          </a:p>
+        </p:txBody>
+      </p:sp>
+      <p:cxnSp>
+        <p:nvCxnSpPr>
+          <p:cNvPr id="73" name="Straight Connector 72">
+            <a:extLst>
+              <a:ext uri="{FF2B5EF4-FFF2-40B4-BE49-F238E27FC236}">
+                <a16:creationId xmlns:a16="http://schemas.microsoft.com/office/drawing/2014/main" id="{7E7C77BC-7138-40B1-A15B-20F57A494629}"/>
+              </a:ext>
+              <a:ext uri="{C183D7F6-B498-43B3-948B-1728B52AA6E4}">
+                <adec:decorative xmlns:adec="http://schemas.microsoft.com/office/drawing/2017/decorative" val="1"/>
+              </a:ext>
+            </a:extLst>
+          </p:cNvPr>
+          <p:cNvCxnSpPr>
+            <a:cxnSpLocks noGrp="1" noRot="1" noChangeAspect="1" noMove="1" noResize="1" noEditPoints="1" noAdjustHandles="1" noChangeArrowheads="1" noChangeShapeType="1"/>
+          </p:cNvCxnSpPr>
+          <p:nvPr>
+            <p:extLst>
+              <p:ext uri="{386F3935-93C4-4BCD-93E2-E3B085C9AB24}">
+                <p16:designElem xmlns:p16="http://schemas.microsoft.com/office/powerpoint/2015/main" val="1"/>
+              </p:ext>
+            </p:extLst>
+          </p:nvPr>
+        </p:nvCxnSpPr>
+        <p:spPr>
+          <a:xfrm>
+            <a:off x="2209800" y="1448631"/>
+            <a:ext cx="7772400" cy="0"/>
+          </a:xfrm>
+          <a:prstGeom prst="line">
+            <a:avLst/>
+          </a:prstGeom>
+          <a:ln w="22225">
+            <a:solidFill>
+              <a:srgbClr val="D9D9D9"/>
+            </a:solidFill>
+          </a:ln>
+        </p:spPr>
+        <p:style>
+          <a:lnRef idx="1">
+            <a:schemeClr val="accent1"/>
+          </a:lnRef>
+          <a:fillRef idx="0">
+            <a:schemeClr val="accent1"/>
+          </a:fillRef>
+          <a:effectRef idx="0">
+            <a:schemeClr val="accent1"/>
+          </a:effectRef>
+          <a:fontRef idx="minor">
+            <a:schemeClr val="tx1"/>
+          </a:fontRef>
+        </p:style>
+      </p:cxnSp>
+      <p:pic>
+        <p:nvPicPr>
+          <p:cNvPr id="1026" name="Picture 2" descr="https://i.stack.imgur.com/pgz6R.png">
+            <a:extLst>
+              <a:ext uri="{FF2B5EF4-FFF2-40B4-BE49-F238E27FC236}">
+                <a16:creationId xmlns:a16="http://schemas.microsoft.com/office/drawing/2014/main" id="{465CA2AE-7B65-4B1D-9734-23A41C1DCFDD}"/>
+              </a:ext>
+            </a:extLst>
+          </p:cNvPr>
+          <p:cNvPicPr>
+            <a:picLocks noChangeAspect="1" noChangeArrowheads="1"/>
+          </p:cNvPicPr>
+          <p:nvPr/>
+        </p:nvPicPr>
+        <p:blipFill>
+          <a:blip r:embed="rId2">
+            <a:extLst>
+              <a:ext uri="{28A0092B-C50C-407E-A947-70E740481C1C}">
+                <a14:useLocalDpi xmlns:a14="http://schemas.microsoft.com/office/drawing/2010/main" val="0"/>
+              </a:ext>
+            </a:extLst>
+          </a:blip>
+          <a:srcRect/>
+          <a:stretch>
+            <a:fillRect/>
+          </a:stretch>
+        </p:blipFill>
+        <p:spPr bwMode="auto">
+          <a:xfrm>
+            <a:off x="1039975" y="2509911"/>
+            <a:ext cx="10056951" cy="3997637"/>
+          </a:xfrm>
+          <a:prstGeom prst="rect">
+            <a:avLst/>
+          </a:prstGeom>
+          <a:noFill/>
+          <a:extLst>
+            <a:ext uri="{909E8E84-426E-40DD-AFC4-6F175D3DCCD1}">
+              <a14:hiddenFill xmlns:a14="http://schemas.microsoft.com/office/drawing/2010/main">
+                <a:solidFill>
+                  <a:srgbClr val="FFFFFF"/>
+                </a:solidFill>
+              </a14:hiddenFill>
+            </a:ext>
+          </a:extLst>
+        </p:spPr>
+      </p:pic>
+    </p:spTree>
+    <p:extLst>
+      <p:ext uri="{BB962C8B-B14F-4D97-AF65-F5344CB8AC3E}">
+        <p14:creationId xmlns:p14="http://schemas.microsoft.com/office/powerpoint/2010/main" val="115190440"/>
       </p:ext>
     </p:extLst>
   </p:cSld>

--- a/ppt/nodejs-docker-k8s.pptx
+++ b/ppt/nodejs-docker-k8s.pptx
@@ -13,7 +13,8 @@
     <p:sldId id="268" r:id="rId7"/>
     <p:sldId id="267" r:id="rId8"/>
     <p:sldId id="266" r:id="rId9"/>
-    <p:sldId id="265" r:id="rId10"/>
+    <p:sldId id="269" r:id="rId10"/>
+    <p:sldId id="265" r:id="rId11"/>
   </p:sldIdLst>
   <p:sldSz cx="12192000" cy="6858000"/>
   <p:notesSz cx="6858000" cy="9144000"/>
@@ -279,7 +280,7 @@
           <a:p>
             <a:fld id="{9D19B694-D7DE-4E6B-B933-6E16B84E01AC}" type="datetimeFigureOut">
               <a:rPr lang="en-US" smtClean="0"/>
-              <a:t>10/18/2018</a:t>
+              <a:t>10/22/2018</a:t>
             </a:fld>
             <a:endParaRPr lang="en-US"/>
           </a:p>
@@ -477,7 +478,7 @@
           <a:p>
             <a:fld id="{9D19B694-D7DE-4E6B-B933-6E16B84E01AC}" type="datetimeFigureOut">
               <a:rPr lang="en-US" smtClean="0"/>
-              <a:t>10/18/2018</a:t>
+              <a:t>10/22/2018</a:t>
             </a:fld>
             <a:endParaRPr lang="en-US"/>
           </a:p>
@@ -685,7 +686,7 @@
           <a:p>
             <a:fld id="{9D19B694-D7DE-4E6B-B933-6E16B84E01AC}" type="datetimeFigureOut">
               <a:rPr lang="en-US" smtClean="0"/>
-              <a:t>10/18/2018</a:t>
+              <a:t>10/22/2018</a:t>
             </a:fld>
             <a:endParaRPr lang="en-US"/>
           </a:p>
@@ -883,7 +884,7 @@
           <a:p>
             <a:fld id="{9D19B694-D7DE-4E6B-B933-6E16B84E01AC}" type="datetimeFigureOut">
               <a:rPr lang="en-US" smtClean="0"/>
-              <a:t>10/18/2018</a:t>
+              <a:t>10/22/2018</a:t>
             </a:fld>
             <a:endParaRPr lang="en-US"/>
           </a:p>
@@ -1158,7 +1159,7 @@
           <a:p>
             <a:fld id="{9D19B694-D7DE-4E6B-B933-6E16B84E01AC}" type="datetimeFigureOut">
               <a:rPr lang="en-US" smtClean="0"/>
-              <a:t>10/18/2018</a:t>
+              <a:t>10/22/2018</a:t>
             </a:fld>
             <a:endParaRPr lang="en-US"/>
           </a:p>
@@ -1423,7 +1424,7 @@
           <a:p>
             <a:fld id="{9D19B694-D7DE-4E6B-B933-6E16B84E01AC}" type="datetimeFigureOut">
               <a:rPr lang="en-US" smtClean="0"/>
-              <a:t>10/18/2018</a:t>
+              <a:t>10/22/2018</a:t>
             </a:fld>
             <a:endParaRPr lang="en-US"/>
           </a:p>
@@ -1835,7 +1836,7 @@
           <a:p>
             <a:fld id="{9D19B694-D7DE-4E6B-B933-6E16B84E01AC}" type="datetimeFigureOut">
               <a:rPr lang="en-US" smtClean="0"/>
-              <a:t>10/18/2018</a:t>
+              <a:t>10/22/2018</a:t>
             </a:fld>
             <a:endParaRPr lang="en-US"/>
           </a:p>
@@ -1976,7 +1977,7 @@
           <a:p>
             <a:fld id="{9D19B694-D7DE-4E6B-B933-6E16B84E01AC}" type="datetimeFigureOut">
               <a:rPr lang="en-US" smtClean="0"/>
-              <a:t>10/18/2018</a:t>
+              <a:t>10/22/2018</a:t>
             </a:fld>
             <a:endParaRPr lang="en-US"/>
           </a:p>
@@ -2089,7 +2090,7 @@
           <a:p>
             <a:fld id="{9D19B694-D7DE-4E6B-B933-6E16B84E01AC}" type="datetimeFigureOut">
               <a:rPr lang="en-US" smtClean="0"/>
-              <a:t>10/18/2018</a:t>
+              <a:t>10/22/2018</a:t>
             </a:fld>
             <a:endParaRPr lang="en-US"/>
           </a:p>
@@ -2400,7 +2401,7 @@
           <a:p>
             <a:fld id="{9D19B694-D7DE-4E6B-B933-6E16B84E01AC}" type="datetimeFigureOut">
               <a:rPr lang="en-US" smtClean="0"/>
-              <a:t>10/18/2018</a:t>
+              <a:t>10/22/2018</a:t>
             </a:fld>
             <a:endParaRPr lang="en-US"/>
           </a:p>
@@ -2688,7 +2689,7 @@
           <a:p>
             <a:fld id="{9D19B694-D7DE-4E6B-B933-6E16B84E01AC}" type="datetimeFigureOut">
               <a:rPr lang="en-US" smtClean="0"/>
-              <a:t>10/18/2018</a:t>
+              <a:t>10/22/2018</a:t>
             </a:fld>
             <a:endParaRPr lang="en-US"/>
           </a:p>
@@ -2929,7 +2930,7 @@
           <a:p>
             <a:fld id="{9D19B694-D7DE-4E6B-B933-6E16B84E01AC}" type="datetimeFigureOut">
               <a:rPr lang="en-US" smtClean="0"/>
-              <a:t>10/18/2018</a:t>
+              <a:t>10/22/2018</a:t>
             </a:fld>
             <a:endParaRPr lang="en-US"/>
           </a:p>
@@ -3946,6 +3947,44 @@
           </a:p>
         </p:txBody>
       </p:sp>
+      <p:sp>
+        <p:nvSpPr>
+          <p:cNvPr id="3" name="Rectangle 2">
+            <a:extLst>
+              <a:ext uri="{FF2B5EF4-FFF2-40B4-BE49-F238E27FC236}">
+                <a16:creationId xmlns:a16="http://schemas.microsoft.com/office/drawing/2014/main" id="{EFFBBE25-EA99-43BF-B09A-B188841BFD9C}"/>
+              </a:ext>
+            </a:extLst>
+          </p:cNvPr>
+          <p:cNvSpPr/>
+          <p:nvPr/>
+        </p:nvSpPr>
+        <p:spPr>
+          <a:xfrm>
+            <a:off x="259540" y="3210315"/>
+            <a:ext cx="8317416" cy="369332"/>
+          </a:xfrm>
+          <a:prstGeom prst="rect">
+            <a:avLst/>
+          </a:prstGeom>
+        </p:spPr>
+        <p:txBody>
+          <a:bodyPr wrap="square">
+            <a:spAutoFit/>
+          </a:bodyPr>
+          <a:lstStyle/>
+          <a:p>
+            <a:r>
+              <a:rPr lang="en-US" dirty="0">
+                <a:solidFill>
+                  <a:schemeClr val="bg1"/>
+                </a:solidFill>
+              </a:rPr>
+              <a:t>git clone https://github.com/vishwanathsrikanth/nodejs-docker-k8s-training.git</a:t>
+            </a:r>
+          </a:p>
+        </p:txBody>
+      </p:sp>
     </p:spTree>
     <p:extLst>
       <p:ext uri="{BB962C8B-B14F-4D97-AF65-F5344CB8AC3E}">
@@ -3964,6 +4003,280 @@
       <p:transition spd="slow" advTm="10545"/>
     </mc:Fallback>
   </mc:AlternateContent>
+</p:sld>
+</file>
+
+<file path=ppt/slides/slide10.xml><?xml version="1.0" encoding="utf-8"?>
+<p:sld xmlns:a="http://schemas.openxmlformats.org/drawingml/2006/main" xmlns:r="http://schemas.openxmlformats.org/officeDocument/2006/relationships" xmlns:p="http://schemas.openxmlformats.org/presentationml/2006/main" show="0">
+  <p:cSld>
+    <p:bg>
+      <p:bgPr>
+        <a:solidFill>
+          <a:schemeClr val="bg1"/>
+        </a:solidFill>
+        <a:effectLst/>
+      </p:bgPr>
+    </p:bg>
+    <p:spTree>
+      <p:nvGrpSpPr>
+        <p:cNvPr id="1" name=""/>
+        <p:cNvGrpSpPr/>
+        <p:nvPr/>
+      </p:nvGrpSpPr>
+      <p:grpSpPr>
+        <a:xfrm>
+          <a:off x="0" y="0"/>
+          <a:ext cx="0" cy="0"/>
+          <a:chOff x="0" y="0"/>
+          <a:chExt cx="0" cy="0"/>
+        </a:xfrm>
+      </p:grpSpPr>
+      <p:sp>
+        <p:nvSpPr>
+          <p:cNvPr id="71" name="Rectangle 70">
+            <a:extLst>
+              <a:ext uri="{FF2B5EF4-FFF2-40B4-BE49-F238E27FC236}">
+                <a16:creationId xmlns:a16="http://schemas.microsoft.com/office/drawing/2014/main" id="{823AC064-BC96-4F32-8AE1-B2FD38754823}"/>
+              </a:ext>
+              <a:ext uri="{C183D7F6-B498-43B3-948B-1728B52AA6E4}">
+                <adec:decorative xmlns:adec="http://schemas.microsoft.com/office/drawing/2017/decorative" val="1"/>
+              </a:ext>
+            </a:extLst>
+          </p:cNvPr>
+          <p:cNvSpPr>
+            <a:spLocks noGrp="1" noRot="1" noChangeAspect="1" noMove="1" noResize="1" noEditPoints="1" noAdjustHandles="1" noChangeArrowheads="1" noChangeShapeType="1" noTextEdit="1"/>
+          </p:cNvSpPr>
+          <p:nvPr>
+            <p:extLst>
+              <p:ext uri="{386F3935-93C4-4BCD-93E2-E3B085C9AB24}">
+                <p16:designElem xmlns:p16="http://schemas.microsoft.com/office/powerpoint/2015/main" val="1"/>
+              </p:ext>
+            </p:extLst>
+          </p:nvPr>
+        </p:nvSpPr>
+        <p:spPr bwMode="ltGray">
+          <a:xfrm>
+            <a:off x="378068" y="343486"/>
+            <a:ext cx="11438793" cy="1844256"/>
+          </a:xfrm>
+          <a:prstGeom prst="rect">
+            <a:avLst/>
+          </a:prstGeom>
+          <a:solidFill>
+            <a:srgbClr val="404040"/>
+          </a:solidFill>
+          <a:ln w="127000" cap="sq" cmpd="thinThick">
+            <a:solidFill>
+              <a:srgbClr val="404040"/>
+            </a:solidFill>
+          </a:ln>
+        </p:spPr>
+        <p:style>
+          <a:lnRef idx="2">
+            <a:schemeClr val="accent1">
+              <a:shade val="50000"/>
+            </a:schemeClr>
+          </a:lnRef>
+          <a:fillRef idx="1">
+            <a:schemeClr val="accent1"/>
+          </a:fillRef>
+          <a:effectRef idx="0">
+            <a:schemeClr val="accent1"/>
+          </a:effectRef>
+          <a:fontRef idx="minor">
+            <a:schemeClr val="lt1"/>
+          </a:fontRef>
+        </p:style>
+        <p:txBody>
+          <a:bodyPr rtlCol="0" anchor="ctr"/>
+          <a:lstStyle/>
+          <a:p>
+            <a:pPr marL="0" marR="0" lvl="0" indent="0" algn="ctr" defTabSz="914400" rtl="0" eaLnBrk="1" fontAlgn="auto" latinLnBrk="0" hangingPunct="1">
+              <a:lnSpc>
+                <a:spcPct val="100000"/>
+              </a:lnSpc>
+              <a:spcBef>
+                <a:spcPts val="0"/>
+              </a:spcBef>
+              <a:spcAft>
+                <a:spcPts val="0"/>
+              </a:spcAft>
+              <a:buClrTx/>
+              <a:buSzTx/>
+              <a:buFontTx/>
+              <a:buNone/>
+              <a:tabLst/>
+              <a:defRPr/>
+            </a:pPr>
+            <a:endParaRPr kumimoji="0" lang="en-US" sz="1800" b="0" i="0" u="none" strike="noStrike" kern="1200" cap="none" spc="0" normalizeH="0" baseline="0" noProof="0">
+              <a:ln>
+                <a:noFill/>
+              </a:ln>
+              <a:solidFill>
+                <a:prstClr val="white"/>
+              </a:solidFill>
+              <a:effectLst/>
+              <a:uLnTx/>
+              <a:uFillTx/>
+              <a:latin typeface="Calibri" panose="020F0502020204030204"/>
+              <a:ea typeface="+mn-ea"/>
+              <a:cs typeface="+mn-cs"/>
+            </a:endParaRPr>
+          </a:p>
+        </p:txBody>
+      </p:sp>
+      <p:sp>
+        <p:nvSpPr>
+          <p:cNvPr id="2" name="Title 1">
+            <a:extLst>
+              <a:ext uri="{FF2B5EF4-FFF2-40B4-BE49-F238E27FC236}">
+                <a16:creationId xmlns:a16="http://schemas.microsoft.com/office/drawing/2014/main" id="{C043D2BB-CE85-4BE7-971F-C48E4677CE8B}"/>
+              </a:ext>
+            </a:extLst>
+          </p:cNvPr>
+          <p:cNvSpPr>
+            <a:spLocks noGrp="1"/>
+          </p:cNvSpPr>
+          <p:nvPr>
+            <p:ph type="title"/>
+          </p:nvPr>
+        </p:nvSpPr>
+        <p:spPr>
+          <a:xfrm>
+            <a:off x="526073" y="466578"/>
+            <a:ext cx="11139854" cy="930447"/>
+          </a:xfrm>
+        </p:spPr>
+        <p:txBody>
+          <a:bodyPr vert="horz" lIns="91440" tIns="45720" rIns="91440" bIns="45720" rtlCol="0" anchor="b">
+            <a:normAutofit/>
+          </a:bodyPr>
+          <a:lstStyle/>
+          <a:p>
+            <a:pPr algn="ctr"/>
+            <a:r>
+              <a:rPr lang="en-US" sz="5400" kern="1200">
+                <a:solidFill>
+                  <a:srgbClr val="FFFFFF"/>
+                </a:solidFill>
+                <a:latin typeface="+mj-lt"/>
+                <a:ea typeface="+mj-ea"/>
+                <a:cs typeface="+mj-cs"/>
+              </a:rPr>
+              <a:t>AKS Networking Architecture</a:t>
+            </a:r>
+          </a:p>
+        </p:txBody>
+      </p:sp>
+      <p:cxnSp>
+        <p:nvCxnSpPr>
+          <p:cNvPr id="73" name="Straight Connector 72">
+            <a:extLst>
+              <a:ext uri="{FF2B5EF4-FFF2-40B4-BE49-F238E27FC236}">
+                <a16:creationId xmlns:a16="http://schemas.microsoft.com/office/drawing/2014/main" id="{7E7C77BC-7138-40B1-A15B-20F57A494629}"/>
+              </a:ext>
+              <a:ext uri="{C183D7F6-B498-43B3-948B-1728B52AA6E4}">
+                <adec:decorative xmlns:adec="http://schemas.microsoft.com/office/drawing/2017/decorative" val="1"/>
+              </a:ext>
+            </a:extLst>
+          </p:cNvPr>
+          <p:cNvCxnSpPr>
+            <a:cxnSpLocks noGrp="1" noRot="1" noChangeAspect="1" noMove="1" noResize="1" noEditPoints="1" noAdjustHandles="1" noChangeArrowheads="1" noChangeShapeType="1"/>
+          </p:cNvCxnSpPr>
+          <p:nvPr>
+            <p:extLst>
+              <p:ext uri="{386F3935-93C4-4BCD-93E2-E3B085C9AB24}">
+                <p16:designElem xmlns:p16="http://schemas.microsoft.com/office/powerpoint/2015/main" val="1"/>
+              </p:ext>
+            </p:extLst>
+          </p:nvPr>
+        </p:nvCxnSpPr>
+        <p:spPr>
+          <a:xfrm>
+            <a:off x="2209800" y="1448631"/>
+            <a:ext cx="7772400" cy="0"/>
+          </a:xfrm>
+          <a:prstGeom prst="line">
+            <a:avLst/>
+          </a:prstGeom>
+          <a:ln w="22225">
+            <a:solidFill>
+              <a:srgbClr val="D9D9D9"/>
+            </a:solidFill>
+          </a:ln>
+        </p:spPr>
+        <p:style>
+          <a:lnRef idx="1">
+            <a:schemeClr val="accent1"/>
+          </a:lnRef>
+          <a:fillRef idx="0">
+            <a:schemeClr val="accent1"/>
+          </a:fillRef>
+          <a:effectRef idx="0">
+            <a:schemeClr val="accent1"/>
+          </a:effectRef>
+          <a:fontRef idx="minor">
+            <a:schemeClr val="tx1"/>
+          </a:fontRef>
+        </p:style>
+      </p:cxnSp>
+      <p:pic>
+        <p:nvPicPr>
+          <p:cNvPr id="1026" name="Picture 2" descr="https://i.stack.imgur.com/pgz6R.png">
+            <a:extLst>
+              <a:ext uri="{FF2B5EF4-FFF2-40B4-BE49-F238E27FC236}">
+                <a16:creationId xmlns:a16="http://schemas.microsoft.com/office/drawing/2014/main" id="{465CA2AE-7B65-4B1D-9734-23A41C1DCFDD}"/>
+              </a:ext>
+            </a:extLst>
+          </p:cNvPr>
+          <p:cNvPicPr>
+            <a:picLocks noChangeAspect="1" noChangeArrowheads="1"/>
+          </p:cNvPicPr>
+          <p:nvPr/>
+        </p:nvPicPr>
+        <p:blipFill>
+          <a:blip r:embed="rId2">
+            <a:extLst>
+              <a:ext uri="{28A0092B-C50C-407E-A947-70E740481C1C}">
+                <a14:useLocalDpi xmlns:a14="http://schemas.microsoft.com/office/drawing/2010/main" val="0"/>
+              </a:ext>
+            </a:extLst>
+          </a:blip>
+          <a:srcRect/>
+          <a:stretch>
+            <a:fillRect/>
+          </a:stretch>
+        </p:blipFill>
+        <p:spPr bwMode="auto">
+          <a:xfrm>
+            <a:off x="1039975" y="2509911"/>
+            <a:ext cx="10056951" cy="3997637"/>
+          </a:xfrm>
+          <a:prstGeom prst="rect">
+            <a:avLst/>
+          </a:prstGeom>
+          <a:noFill/>
+          <a:extLst>
+            <a:ext uri="{909E8E84-426E-40DD-AFC4-6F175D3DCCD1}">
+              <a14:hiddenFill xmlns:a14="http://schemas.microsoft.com/office/drawing/2010/main">
+                <a:solidFill>
+                  <a:srgbClr val="FFFFFF"/>
+                </a:solidFill>
+              </a14:hiddenFill>
+            </a:ext>
+          </a:extLst>
+        </p:spPr>
+      </p:pic>
+    </p:spTree>
+    <p:extLst>
+      <p:ext uri="{BB962C8B-B14F-4D97-AF65-F5344CB8AC3E}">
+        <p14:creationId xmlns:p14="http://schemas.microsoft.com/office/powerpoint/2010/main" val="115190440"/>
+      </p:ext>
+    </p:extLst>
+  </p:cSld>
+  <p:clrMapOvr>
+    <a:masterClrMapping/>
+  </p:clrMapOvr>
 </p:sld>
 </file>
 
@@ -10132,12 +10445,12 @@
 </file>
 
 <file path=ppt/slides/slide9.xml><?xml version="1.0" encoding="utf-8"?>
-<p:sld xmlns:a="http://schemas.openxmlformats.org/drawingml/2006/main" xmlns:r="http://schemas.openxmlformats.org/officeDocument/2006/relationships" xmlns:p="http://schemas.openxmlformats.org/presentationml/2006/main" show="0">
+<p:sld xmlns:a="http://schemas.openxmlformats.org/drawingml/2006/main" xmlns:r="http://schemas.openxmlformats.org/officeDocument/2006/relationships" xmlns:p="http://schemas.openxmlformats.org/presentationml/2006/main">
   <p:cSld>
     <p:bg>
       <p:bgPr>
         <a:solidFill>
-          <a:schemeClr val="bg1"/>
+          <a:srgbClr val="002060"/>
         </a:solidFill>
         <a:effectLst/>
       </p:bgPr>
@@ -10158,100 +10471,6 @@
       </p:grpSpPr>
       <p:sp>
         <p:nvSpPr>
-          <p:cNvPr id="71" name="Rectangle 70">
-            <a:extLst>
-              <a:ext uri="{FF2B5EF4-FFF2-40B4-BE49-F238E27FC236}">
-                <a16:creationId xmlns:a16="http://schemas.microsoft.com/office/drawing/2014/main" id="{823AC064-BC96-4F32-8AE1-B2FD38754823}"/>
-              </a:ext>
-              <a:ext uri="{C183D7F6-B498-43B3-948B-1728B52AA6E4}">
-                <adec:decorative xmlns:adec="http://schemas.microsoft.com/office/drawing/2017/decorative" val="1"/>
-              </a:ext>
-            </a:extLst>
-          </p:cNvPr>
-          <p:cNvSpPr>
-            <a:spLocks noGrp="1" noRot="1" noChangeAspect="1" noMove="1" noResize="1" noEditPoints="1" noAdjustHandles="1" noChangeArrowheads="1" noChangeShapeType="1" noTextEdit="1"/>
-          </p:cNvSpPr>
-          <p:nvPr>
-            <p:extLst>
-              <p:ext uri="{386F3935-93C4-4BCD-93E2-E3B085C9AB24}">
-                <p16:designElem xmlns:p16="http://schemas.microsoft.com/office/powerpoint/2015/main" val="1"/>
-              </p:ext>
-            </p:extLst>
-          </p:nvPr>
-        </p:nvSpPr>
-        <p:spPr bwMode="ltGray">
-          <a:xfrm>
-            <a:off x="378068" y="343486"/>
-            <a:ext cx="11438793" cy="1844256"/>
-          </a:xfrm>
-          <a:prstGeom prst="rect">
-            <a:avLst/>
-          </a:prstGeom>
-          <a:solidFill>
-            <a:srgbClr val="404040"/>
-          </a:solidFill>
-          <a:ln w="127000" cap="sq" cmpd="thinThick">
-            <a:solidFill>
-              <a:srgbClr val="404040"/>
-            </a:solidFill>
-          </a:ln>
-        </p:spPr>
-        <p:style>
-          <a:lnRef idx="2">
-            <a:schemeClr val="accent1">
-              <a:shade val="50000"/>
-            </a:schemeClr>
-          </a:lnRef>
-          <a:fillRef idx="1">
-            <a:schemeClr val="accent1"/>
-          </a:fillRef>
-          <a:effectRef idx="0">
-            <a:schemeClr val="accent1"/>
-          </a:effectRef>
-          <a:fontRef idx="minor">
-            <a:schemeClr val="lt1"/>
-          </a:fontRef>
-        </p:style>
-        <p:txBody>
-          <a:bodyPr rtlCol="0" anchor="ctr"/>
-          <a:lstStyle/>
-          <a:p>
-            <a:pPr marL="0" marR="0" lvl="0" indent="0" algn="ctr" defTabSz="914400" rtl="0" eaLnBrk="1" fontAlgn="auto" latinLnBrk="0" hangingPunct="1">
-              <a:lnSpc>
-                <a:spcPct val="100000"/>
-              </a:lnSpc>
-              <a:spcBef>
-                <a:spcPts val="0"/>
-              </a:spcBef>
-              <a:spcAft>
-                <a:spcPts val="0"/>
-              </a:spcAft>
-              <a:buClrTx/>
-              <a:buSzTx/>
-              <a:buFontTx/>
-              <a:buNone/>
-              <a:tabLst/>
-              <a:defRPr/>
-            </a:pPr>
-            <a:endParaRPr kumimoji="0" lang="en-US" sz="1800" b="0" i="0" u="none" strike="noStrike" kern="1200" cap="none" spc="0" normalizeH="0" baseline="0" noProof="0">
-              <a:ln>
-                <a:noFill/>
-              </a:ln>
-              <a:solidFill>
-                <a:prstClr val="white"/>
-              </a:solidFill>
-              <a:effectLst/>
-              <a:uLnTx/>
-              <a:uFillTx/>
-              <a:latin typeface="Calibri" panose="020F0502020204030204"/>
-              <a:ea typeface="+mn-ea"/>
-              <a:cs typeface="+mn-cs"/>
-            </a:endParaRPr>
-          </a:p>
-        </p:txBody>
-      </p:sp>
-      <p:sp>
-        <p:nvSpPr>
           <p:cNvPr id="2" name="Title 1">
             <a:extLst>
               <a:ext uri="{FF2B5EF4-FFF2-40B4-BE49-F238E27FC236}">
@@ -10268,134 +10487,146 @@
         </p:nvSpPr>
         <p:spPr>
           <a:xfrm>
-            <a:off x="526073" y="466578"/>
-            <a:ext cx="11139854" cy="930447"/>
+            <a:off x="371272" y="160844"/>
+            <a:ext cx="10515600" cy="1325563"/>
           </a:xfrm>
         </p:spPr>
         <p:txBody>
-          <a:bodyPr vert="horz" lIns="91440" tIns="45720" rIns="91440" bIns="45720" rtlCol="0" anchor="b">
+          <a:bodyPr/>
+          <a:lstStyle/>
+          <a:p>
+            <a:r>
+              <a:rPr lang="en-US" dirty="0">
+                <a:solidFill>
+                  <a:schemeClr val="bg1"/>
+                </a:solidFill>
+              </a:rPr>
+              <a:t>Further Reading</a:t>
+            </a:r>
+          </a:p>
+        </p:txBody>
+      </p:sp>
+      <p:sp>
+        <p:nvSpPr>
+          <p:cNvPr id="4" name="Content Placeholder 2">
+            <a:extLst>
+              <a:ext uri="{FF2B5EF4-FFF2-40B4-BE49-F238E27FC236}">
+                <a16:creationId xmlns:a16="http://schemas.microsoft.com/office/drawing/2014/main" id="{A112B3E0-437F-4B03-A42E-2167007C2E79}"/>
+              </a:ext>
+            </a:extLst>
+          </p:cNvPr>
+          <p:cNvSpPr>
+            <a:spLocks noGrp="1"/>
+          </p:cNvSpPr>
+          <p:nvPr>
+            <p:ph idx="1"/>
+          </p:nvPr>
+        </p:nvSpPr>
+        <p:spPr>
+          <a:xfrm>
+            <a:off x="371272" y="1360468"/>
+            <a:ext cx="9554124" cy="2721082"/>
+          </a:xfrm>
+        </p:spPr>
+        <p:txBody>
+          <a:bodyPr>
             <a:normAutofit/>
           </a:bodyPr>
           <a:lstStyle/>
           <a:p>
-            <a:pPr algn="ctr"/>
-            <a:r>
-              <a:rPr lang="en-US" sz="5400" kern="1200">
+            <a:r>
+              <a:rPr lang="en-US" sz="1900" dirty="0">
                 <a:solidFill>
-                  <a:srgbClr val="FFFFFF"/>
+                  <a:schemeClr val="bg1"/>
                 </a:solidFill>
                 <a:latin typeface="+mj-lt"/>
                 <a:ea typeface="+mj-ea"/>
                 <a:cs typeface="+mj-cs"/>
+                <a:hlinkClick r:id="rId2"/>
               </a:rPr>
-              <a:t>AKS Networking Architecture</a:t>
-            </a:r>
-          </a:p>
-        </p:txBody>
-      </p:sp>
-      <p:cxnSp>
-        <p:nvCxnSpPr>
-          <p:cNvPr id="73" name="Straight Connector 72">
-            <a:extLst>
-              <a:ext uri="{FF2B5EF4-FFF2-40B4-BE49-F238E27FC236}">
-                <a16:creationId xmlns:a16="http://schemas.microsoft.com/office/drawing/2014/main" id="{7E7C77BC-7138-40B1-A15B-20F57A494629}"/>
-              </a:ext>
-              <a:ext uri="{C183D7F6-B498-43B3-948B-1728B52AA6E4}">
-                <adec:decorative xmlns:adec="http://schemas.microsoft.com/office/drawing/2017/decorative" val="1"/>
-              </a:ext>
-            </a:extLst>
-          </p:cNvPr>
-          <p:cNvCxnSpPr>
-            <a:cxnSpLocks noGrp="1" noRot="1" noChangeAspect="1" noMove="1" noResize="1" noEditPoints="1" noAdjustHandles="1" noChangeArrowheads="1" noChangeShapeType="1"/>
-          </p:cNvCxnSpPr>
-          <p:nvPr>
-            <p:extLst>
-              <p:ext uri="{386F3935-93C4-4BCD-93E2-E3B085C9AB24}">
-                <p16:designElem xmlns:p16="http://schemas.microsoft.com/office/powerpoint/2015/main" val="1"/>
-              </p:ext>
-            </p:extLst>
-          </p:nvPr>
-        </p:nvCxnSpPr>
-        <p:spPr>
-          <a:xfrm>
-            <a:off x="2209800" y="1448631"/>
-            <a:ext cx="7772400" cy="0"/>
-          </a:xfrm>
-          <a:prstGeom prst="line">
-            <a:avLst/>
-          </a:prstGeom>
-          <a:ln w="22225">
-            <a:solidFill>
-              <a:srgbClr val="D9D9D9"/>
-            </a:solidFill>
-          </a:ln>
-        </p:spPr>
-        <p:style>
-          <a:lnRef idx="1">
-            <a:schemeClr val="accent1"/>
-          </a:lnRef>
-          <a:fillRef idx="0">
-            <a:schemeClr val="accent1"/>
-          </a:fillRef>
-          <a:effectRef idx="0">
-            <a:schemeClr val="accent1"/>
-          </a:effectRef>
-          <a:fontRef idx="minor">
-            <a:schemeClr val="tx1"/>
-          </a:fontRef>
-        </p:style>
-      </p:cxnSp>
-      <p:pic>
-        <p:nvPicPr>
-          <p:cNvPr id="1026" name="Picture 2" descr="https://i.stack.imgur.com/pgz6R.png">
-            <a:extLst>
-              <a:ext uri="{FF2B5EF4-FFF2-40B4-BE49-F238E27FC236}">
-                <a16:creationId xmlns:a16="http://schemas.microsoft.com/office/drawing/2014/main" id="{465CA2AE-7B65-4B1D-9734-23A41C1DCFDD}"/>
-              </a:ext>
-            </a:extLst>
-          </p:cNvPr>
-          <p:cNvPicPr>
-            <a:picLocks noChangeAspect="1" noChangeArrowheads="1"/>
-          </p:cNvPicPr>
-          <p:nvPr/>
-        </p:nvPicPr>
-        <p:blipFill>
-          <a:blip r:embed="rId2">
-            <a:extLst>
-              <a:ext uri="{28A0092B-C50C-407E-A947-70E740481C1C}">
-                <a14:useLocalDpi xmlns:a14="http://schemas.microsoft.com/office/drawing/2010/main" val="0"/>
-              </a:ext>
-            </a:extLst>
-          </a:blip>
-          <a:srcRect/>
-          <a:stretch>
-            <a:fillRect/>
-          </a:stretch>
-        </p:blipFill>
-        <p:spPr bwMode="auto">
-          <a:xfrm>
-            <a:off x="1039975" y="2509911"/>
-            <a:ext cx="10056951" cy="3997637"/>
-          </a:xfrm>
-          <a:prstGeom prst="rect">
-            <a:avLst/>
-          </a:prstGeom>
-          <a:noFill/>
-          <a:extLst>
-            <a:ext uri="{909E8E84-426E-40DD-AFC4-6F175D3DCCD1}">
-              <a14:hiddenFill xmlns:a14="http://schemas.microsoft.com/office/drawing/2010/main">
+              <a:t>Kubernetes Custom Resource Definition (CRD)</a:t>
+            </a:r>
+            <a:endParaRPr lang="en-US" sz="1900" dirty="0">
+              <a:solidFill>
+                <a:schemeClr val="bg1"/>
+              </a:solidFill>
+              <a:latin typeface="+mj-lt"/>
+              <a:ea typeface="+mj-ea"/>
+              <a:cs typeface="+mj-cs"/>
+            </a:endParaRPr>
+          </a:p>
+          <a:p>
+            <a:r>
+              <a:rPr lang="en-US" sz="1900" dirty="0">
                 <a:solidFill>
-                  <a:srgbClr val="FFFFFF"/>
+                  <a:schemeClr val="bg1"/>
                 </a:solidFill>
-              </a14:hiddenFill>
-            </a:ext>
-          </a:extLst>
-        </p:spPr>
-      </p:pic>
+                <a:latin typeface="+mj-lt"/>
+                <a:ea typeface="+mj-ea"/>
+                <a:cs typeface="+mj-cs"/>
+                <a:hlinkClick r:id="rId3"/>
+              </a:rPr>
+              <a:t>Kubeless</a:t>
+            </a:r>
+            <a:endParaRPr lang="en-US" sz="1900" dirty="0">
+              <a:solidFill>
+                <a:schemeClr val="bg1"/>
+              </a:solidFill>
+              <a:latin typeface="+mj-lt"/>
+              <a:ea typeface="+mj-ea"/>
+              <a:cs typeface="+mj-cs"/>
+            </a:endParaRPr>
+          </a:p>
+          <a:p>
+            <a:r>
+              <a:rPr lang="en-US" sz="1900" dirty="0">
+                <a:solidFill>
+                  <a:schemeClr val="bg1"/>
+                </a:solidFill>
+                <a:latin typeface="+mj-lt"/>
+                <a:ea typeface="+mj-ea"/>
+                <a:cs typeface="+mj-cs"/>
+                <a:hlinkClick r:id="rId4"/>
+              </a:rPr>
+              <a:t>HELM</a:t>
+            </a:r>
+            <a:endParaRPr lang="en-US" sz="1900" dirty="0">
+              <a:solidFill>
+                <a:schemeClr val="bg1"/>
+              </a:solidFill>
+              <a:latin typeface="+mj-lt"/>
+              <a:ea typeface="+mj-ea"/>
+              <a:cs typeface="+mj-cs"/>
+            </a:endParaRPr>
+          </a:p>
+          <a:p>
+            <a:r>
+              <a:rPr lang="en-US" sz="1900" dirty="0">
+                <a:solidFill>
+                  <a:schemeClr val="bg1"/>
+                </a:solidFill>
+                <a:latin typeface="+mj-lt"/>
+                <a:ea typeface="+mj-ea"/>
+                <a:cs typeface="+mj-cs"/>
+                <a:hlinkClick r:id="rId5"/>
+              </a:rPr>
+              <a:t>ISTIO</a:t>
+            </a:r>
+            <a:endParaRPr lang="en-US" sz="1900" dirty="0">
+              <a:solidFill>
+                <a:schemeClr val="bg1"/>
+              </a:solidFill>
+              <a:latin typeface="+mj-lt"/>
+              <a:ea typeface="+mj-ea"/>
+              <a:cs typeface="+mj-cs"/>
+            </a:endParaRPr>
+          </a:p>
+        </p:txBody>
+      </p:sp>
     </p:spTree>
     <p:extLst>
       <p:ext uri="{BB962C8B-B14F-4D97-AF65-F5344CB8AC3E}">
-        <p14:creationId xmlns:p14="http://schemas.microsoft.com/office/powerpoint/2010/main" val="115190440"/>
+        <p14:creationId xmlns:p14="http://schemas.microsoft.com/office/powerpoint/2010/main" val="4225324002"/>
       </p:ext>
     </p:extLst>
   </p:cSld>
